--- a/presentation_slides/The Challenge of Automated Chest X-ray Report Generation.pptx
+++ b/presentation_slides/The Challenge of Automated Chest X-ray Report Generation.pptx
@@ -1,39 +1,39 @@
 
 <file path=ppt/presentation.xml><?xml version="1.0" encoding="utf-8"?>
-<p:presentation xmlns:a="http://schemas.openxmlformats.org/drawingml/2006/main" xmlns:r="http://schemas.openxmlformats.org/officeDocument/2006/relationships" xmlns:mc="http://schemas.openxmlformats.org/markup-compatibility/2006" xmlns:mv="urn:schemas-microsoft-com:mac:vml" xmlns:p="http://schemas.openxmlformats.org/presentationml/2006/main" xmlns:c="http://schemas.openxmlformats.org/drawingml/2006/chart" xmlns:dgm="http://schemas.openxmlformats.org/drawingml/2006/diagram" xmlns:o="urn:schemas-microsoft-com:office:office" xmlns:v="urn:schemas-microsoft-com:vml" xmlns:pvml="urn:schemas-microsoft-com:office:powerpoint" xmlns:com="http://schemas.openxmlformats.org/drawingml/2006/compatibility" xmlns:p14="http://schemas.microsoft.com/office/powerpoint/2010/main" xmlns:p15="http://schemas.microsoft.com/office/powerpoint/2012/main" xmlns:ahyp="http://schemas.microsoft.com/office/drawing/2018/hyperlinkcolor" autoCompressPictures="0" embedTrueTypeFonts="1" strictFirstAndLastChars="0" saveSubsetFonts="1">
+<p:presentation xmlns:a="http://schemas.openxmlformats.org/drawingml/2006/main" xmlns:r="http://schemas.openxmlformats.org/officeDocument/2006/relationships" xmlns:p="http://schemas.openxmlformats.org/presentationml/2006/main" strictFirstAndLastChars="0" embedTrueTypeFonts="1" saveSubsetFonts="1" autoCompressPictures="0">
   <p:sldMasterIdLst>
-    <p:sldMasterId id="2147483659" r:id="rId4"/>
+    <p:sldMasterId id="2147483659" r:id="rId1"/>
   </p:sldMasterIdLst>
   <p:notesMasterIdLst>
-    <p:notesMasterId r:id="rId5"/>
+    <p:notesMasterId r:id="rId7"/>
   </p:notesMasterIdLst>
   <p:sldIdLst>
-    <p:sldId id="256" r:id="rId6"/>
-    <p:sldId id="257" r:id="rId7"/>
-    <p:sldId id="258" r:id="rId8"/>
-    <p:sldId id="259" r:id="rId9"/>
-    <p:sldId id="260" r:id="rId10"/>
+    <p:sldId id="256" r:id="rId2"/>
+    <p:sldId id="257" r:id="rId3"/>
+    <p:sldId id="258" r:id="rId4"/>
+    <p:sldId id="259" r:id="rId5"/>
+    <p:sldId id="260" r:id="rId6"/>
   </p:sldIdLst>
-  <p:sldSz cy="5143500" cx="9144000"/>
+  <p:sldSz cx="9144000" cy="5143500" type="screen16x9"/>
   <p:notesSz cx="6858000" cy="9144000"/>
   <p:embeddedFontLst>
     <p:embeddedFont>
-      <p:font typeface="Montserrat"/>
-      <p:regular r:id="rId11"/>
-      <p:bold r:id="rId12"/>
-      <p:italic r:id="rId13"/>
-      <p:boldItalic r:id="rId14"/>
+      <p:font typeface="Lato" panose="020F0502020204030204" pitchFamily="34" charset="0"/>
+      <p:regular r:id="rId8"/>
+      <p:bold r:id="rId9"/>
+      <p:italic r:id="rId10"/>
+      <p:boldItalic r:id="rId11"/>
     </p:embeddedFont>
     <p:embeddedFont>
-      <p:font typeface="Lato"/>
-      <p:regular r:id="rId15"/>
-      <p:bold r:id="rId16"/>
-      <p:italic r:id="rId17"/>
-      <p:boldItalic r:id="rId18"/>
+      <p:font typeface="Montserrat" panose="020F0502020204030204" pitchFamily="2" charset="0"/>
+      <p:regular r:id="rId12"/>
+      <p:bold r:id="rId13"/>
+      <p:italic r:id="rId14"/>
+      <p:boldItalic r:id="rId15"/>
     </p:embeddedFont>
   </p:embeddedFontLst>
   <p:defaultTextStyle>
-    <a:defPPr lvl="0" marR="0" rtl="0" algn="l">
+    <a:defPPr marR="0" lvl="0" algn="l" rtl="0">
       <a:lnSpc>
         <a:spcPct val="100000"/>
       </a:lnSpc>
@@ -44,7 +44,7 @@
         <a:spcPts val="0"/>
       </a:spcAft>
     </a:defPPr>
-    <a:lvl1pPr lvl="0" marR="0" rtl="0" algn="l">
+    <a:lvl1pPr marR="0" lvl="0" algn="l" rtl="0">
       <a:lnSpc>
         <a:spcPct val="100000"/>
       </a:lnSpc>
@@ -58,7 +58,7 @@
         <a:srgbClr val="000000"/>
       </a:buClr>
       <a:buFont typeface="Arial"/>
-      <a:defRPr b="0" i="0" sz="1400" u="none" cap="none" strike="noStrike">
+      <a:defRPr sz="1400" b="0" i="0" u="none" strike="noStrike" cap="none">
         <a:solidFill>
           <a:srgbClr val="000000"/>
         </a:solidFill>
@@ -68,7 +68,7 @@
         <a:sym typeface="Arial"/>
       </a:defRPr>
     </a:lvl1pPr>
-    <a:lvl2pPr lvl="1" marR="0" rtl="0" algn="l">
+    <a:lvl2pPr marR="0" lvl="1" algn="l" rtl="0">
       <a:lnSpc>
         <a:spcPct val="100000"/>
       </a:lnSpc>
@@ -82,7 +82,7 @@
         <a:srgbClr val="000000"/>
       </a:buClr>
       <a:buFont typeface="Arial"/>
-      <a:defRPr b="0" i="0" sz="1400" u="none" cap="none" strike="noStrike">
+      <a:defRPr sz="1400" b="0" i="0" u="none" strike="noStrike" cap="none">
         <a:solidFill>
           <a:srgbClr val="000000"/>
         </a:solidFill>
@@ -92,7 +92,7 @@
         <a:sym typeface="Arial"/>
       </a:defRPr>
     </a:lvl2pPr>
-    <a:lvl3pPr lvl="2" marR="0" rtl="0" algn="l">
+    <a:lvl3pPr marR="0" lvl="2" algn="l" rtl="0">
       <a:lnSpc>
         <a:spcPct val="100000"/>
       </a:lnSpc>
@@ -106,7 +106,7 @@
         <a:srgbClr val="000000"/>
       </a:buClr>
       <a:buFont typeface="Arial"/>
-      <a:defRPr b="0" i="0" sz="1400" u="none" cap="none" strike="noStrike">
+      <a:defRPr sz="1400" b="0" i="0" u="none" strike="noStrike" cap="none">
         <a:solidFill>
           <a:srgbClr val="000000"/>
         </a:solidFill>
@@ -116,7 +116,7 @@
         <a:sym typeface="Arial"/>
       </a:defRPr>
     </a:lvl3pPr>
-    <a:lvl4pPr lvl="3" marR="0" rtl="0" algn="l">
+    <a:lvl4pPr marR="0" lvl="3" algn="l" rtl="0">
       <a:lnSpc>
         <a:spcPct val="100000"/>
       </a:lnSpc>
@@ -130,7 +130,7 @@
         <a:srgbClr val="000000"/>
       </a:buClr>
       <a:buFont typeface="Arial"/>
-      <a:defRPr b="0" i="0" sz="1400" u="none" cap="none" strike="noStrike">
+      <a:defRPr sz="1400" b="0" i="0" u="none" strike="noStrike" cap="none">
         <a:solidFill>
           <a:srgbClr val="000000"/>
         </a:solidFill>
@@ -140,7 +140,7 @@
         <a:sym typeface="Arial"/>
       </a:defRPr>
     </a:lvl4pPr>
-    <a:lvl5pPr lvl="4" marR="0" rtl="0" algn="l">
+    <a:lvl5pPr marR="0" lvl="4" algn="l" rtl="0">
       <a:lnSpc>
         <a:spcPct val="100000"/>
       </a:lnSpc>
@@ -154,7 +154,7 @@
         <a:srgbClr val="000000"/>
       </a:buClr>
       <a:buFont typeface="Arial"/>
-      <a:defRPr b="0" i="0" sz="1400" u="none" cap="none" strike="noStrike">
+      <a:defRPr sz="1400" b="0" i="0" u="none" strike="noStrike" cap="none">
         <a:solidFill>
           <a:srgbClr val="000000"/>
         </a:solidFill>
@@ -164,7 +164,7 @@
         <a:sym typeface="Arial"/>
       </a:defRPr>
     </a:lvl5pPr>
-    <a:lvl6pPr lvl="5" marR="0" rtl="0" algn="l">
+    <a:lvl6pPr marR="0" lvl="5" algn="l" rtl="0">
       <a:lnSpc>
         <a:spcPct val="100000"/>
       </a:lnSpc>
@@ -178,7 +178,7 @@
         <a:srgbClr val="000000"/>
       </a:buClr>
       <a:buFont typeface="Arial"/>
-      <a:defRPr b="0" i="0" sz="1400" u="none" cap="none" strike="noStrike">
+      <a:defRPr sz="1400" b="0" i="0" u="none" strike="noStrike" cap="none">
         <a:solidFill>
           <a:srgbClr val="000000"/>
         </a:solidFill>
@@ -188,7 +188,7 @@
         <a:sym typeface="Arial"/>
       </a:defRPr>
     </a:lvl6pPr>
-    <a:lvl7pPr lvl="6" marR="0" rtl="0" algn="l">
+    <a:lvl7pPr marR="0" lvl="6" algn="l" rtl="0">
       <a:lnSpc>
         <a:spcPct val="100000"/>
       </a:lnSpc>
@@ -202,7 +202,7 @@
         <a:srgbClr val="000000"/>
       </a:buClr>
       <a:buFont typeface="Arial"/>
-      <a:defRPr b="0" i="0" sz="1400" u="none" cap="none" strike="noStrike">
+      <a:defRPr sz="1400" b="0" i="0" u="none" strike="noStrike" cap="none">
         <a:solidFill>
           <a:srgbClr val="000000"/>
         </a:solidFill>
@@ -212,7 +212,7 @@
         <a:sym typeface="Arial"/>
       </a:defRPr>
     </a:lvl7pPr>
-    <a:lvl8pPr lvl="7" marR="0" rtl="0" algn="l">
+    <a:lvl8pPr marR="0" lvl="7" algn="l" rtl="0">
       <a:lnSpc>
         <a:spcPct val="100000"/>
       </a:lnSpc>
@@ -226,7 +226,7 @@
         <a:srgbClr val="000000"/>
       </a:buClr>
       <a:buFont typeface="Arial"/>
-      <a:defRPr b="0" i="0" sz="1400" u="none" cap="none" strike="noStrike">
+      <a:defRPr sz="1400" b="0" i="0" u="none" strike="noStrike" cap="none">
         <a:solidFill>
           <a:srgbClr val="000000"/>
         </a:solidFill>
@@ -236,7 +236,7 @@
         <a:sym typeface="Arial"/>
       </a:defRPr>
     </a:lvl8pPr>
-    <a:lvl9pPr lvl="8" marR="0" rtl="0" algn="l">
+    <a:lvl9pPr marR="0" lvl="8" algn="l" rtl="0">
       <a:lnSpc>
         <a:spcPct val="100000"/>
       </a:lnSpc>
@@ -250,7 +250,7 @@
         <a:srgbClr val="000000"/>
       </a:buClr>
       <a:buFont typeface="Arial"/>
-      <a:defRPr b="0" i="0" sz="1400" u="none" cap="none" strike="noStrike">
+      <a:defRPr sz="1400" b="0" i="0" u="none" strike="noStrike" cap="none">
         <a:solidFill>
           <a:srgbClr val="000000"/>
         </a:solidFill>
@@ -263,7 +263,7 @@
   </p:defaultTextStyle>
   <p:extLst>
     <p:ext uri="{EFAFB233-063F-42B5-8137-9DF3F51BA10A}">
-      <p15:sldGuideLst>
+      <p15:sldGuideLst xmlns:p15="http://schemas.microsoft.com/office/powerpoint/2012/main">
         <p15:guide id="1" orient="horz" pos="1620">
           <p15:clr>
             <a:srgbClr val="747775"/>
@@ -281,11 +281,16 @@
 </file>
 
 <file path=ppt/notesMasters/notesMaster1.xml><?xml version="1.0" encoding="utf-8"?>
-<p:notesMaster xmlns:a="http://schemas.openxmlformats.org/drawingml/2006/main" xmlns:r="http://schemas.openxmlformats.org/officeDocument/2006/relationships" xmlns:mc="http://schemas.openxmlformats.org/markup-compatibility/2006" xmlns:mv="urn:schemas-microsoft-com:mac:vml" xmlns:p="http://schemas.openxmlformats.org/presentationml/2006/main" xmlns:c="http://schemas.openxmlformats.org/drawingml/2006/chart" xmlns:dgm="http://schemas.openxmlformats.org/drawingml/2006/diagram" xmlns:o="urn:schemas-microsoft-com:office:office" xmlns:v="urn:schemas-microsoft-com:vml" xmlns:pvml="urn:schemas-microsoft-com:office:powerpoint" xmlns:com="http://schemas.openxmlformats.org/drawingml/2006/compatibility" xmlns:p14="http://schemas.microsoft.com/office/powerpoint/2010/main" xmlns:p15="http://schemas.microsoft.com/office/powerpoint/2012/main" xmlns:ahyp="http://schemas.microsoft.com/office/drawing/2018/hyperlinkcolor">
+<p:notesMaster xmlns:a="http://schemas.openxmlformats.org/drawingml/2006/main" xmlns:r="http://schemas.openxmlformats.org/officeDocument/2006/relationships" xmlns:p="http://schemas.openxmlformats.org/presentationml/2006/main">
   <p:cSld>
+    <p:bg>
+      <p:bgRef idx="1001">
+        <a:schemeClr val="bg1"/>
+      </p:bgRef>
+    </p:bg>
     <p:spTree>
       <p:nvGrpSpPr>
-        <p:cNvPr id="2" name="Shape 2"/>
+        <p:cNvPr id="1" name="Shape 2"/>
         <p:cNvGrpSpPr/>
         <p:nvPr/>
       </p:nvGrpSpPr>
@@ -300,9 +305,11 @@
       <p:sp>
         <p:nvSpPr>
           <p:cNvPr id="3" name="Google Shape;3;n"/>
-          <p:cNvSpPr/>
+          <p:cNvSpPr>
+            <a:spLocks noGrp="1" noRot="1" noChangeAspect="1"/>
+          </p:cNvSpPr>
           <p:nvPr>
-            <p:ph idx="2" type="sldImg"/>
+            <p:ph type="sldImg" idx="2"/>
           </p:nvPr>
         </p:nvSpPr>
         <p:spPr>
@@ -311,9 +318,13 @@
             <a:ext cx="6096075" cy="3429000"/>
           </a:xfrm>
           <a:custGeom>
-            <a:rect b="b" l="l" r="r" t="t"/>
+            <a:avLst/>
+            <a:gdLst/>
+            <a:ahLst/>
+            <a:cxnLst/>
+            <a:rect l="l" t="t" r="r" b="b"/>
             <a:pathLst>
-              <a:path extrusionOk="0" h="120000" w="120000">
+              <a:path w="120000" h="120000" extrusionOk="0">
                 <a:moveTo>
                   <a:pt x="0" y="0"/>
                 </a:moveTo>
@@ -331,23 +342,25 @@
             </a:pathLst>
           </a:custGeom>
           <a:noFill/>
-          <a:ln cap="flat" cmpd="sng" w="9525">
+          <a:ln w="9525" cap="flat" cmpd="sng">
             <a:solidFill>
               <a:srgbClr val="000000"/>
             </a:solidFill>
             <a:prstDash val="solid"/>
             <a:round/>
-            <a:headEnd len="sm" w="sm" type="none"/>
-            <a:tailEnd len="sm" w="sm" type="none"/>
+            <a:headEnd type="none" w="sm" len="sm"/>
+            <a:tailEnd type="none" w="sm" len="sm"/>
           </a:ln>
         </p:spPr>
       </p:sp>
       <p:sp>
         <p:nvSpPr>
           <p:cNvPr id="4" name="Google Shape;4;n"/>
-          <p:cNvSpPr txBox="1"/>
+          <p:cNvSpPr txBox="1">
+            <a:spLocks noGrp="1"/>
+          </p:cNvSpPr>
           <p:nvPr>
-            <p:ph idx="1" type="body"/>
+            <p:ph type="body" idx="1"/>
           </p:nvPr>
         </p:nvSpPr>
         <p:spPr>
@@ -364,11 +377,11 @@
           </a:ln>
         </p:spPr>
         <p:txBody>
-          <a:bodyPr anchorCtr="0" anchor="t" bIns="91425" lIns="91425" spcFirstLastPara="1" rIns="91425" wrap="square" tIns="91425">
+          <a:bodyPr spcFirstLastPara="1" wrap="square" lIns="91425" tIns="91425" rIns="91425" bIns="91425" anchor="t" anchorCtr="0">
             <a:noAutofit/>
           </a:bodyPr>
           <a:lstStyle>
-            <a:lvl1pPr indent="-298450" lvl="0" marL="457200">
+            <a:lvl1pPr marL="457200" lvl="0" indent="-298450">
               <a:spcBef>
                 <a:spcPts val="0"/>
               </a:spcBef>
@@ -379,7 +392,7 @@
               <a:buChar char="●"/>
               <a:defRPr sz="1100"/>
             </a:lvl1pPr>
-            <a:lvl2pPr indent="-298450" lvl="1" marL="914400">
+            <a:lvl2pPr marL="914400" lvl="1" indent="-298450">
               <a:spcBef>
                 <a:spcPts val="0"/>
               </a:spcBef>
@@ -390,7 +403,7 @@
               <a:buChar char="○"/>
               <a:defRPr sz="1100"/>
             </a:lvl2pPr>
-            <a:lvl3pPr indent="-298450" lvl="2" marL="1371600">
+            <a:lvl3pPr marL="1371600" lvl="2" indent="-298450">
               <a:spcBef>
                 <a:spcPts val="0"/>
               </a:spcBef>
@@ -401,7 +414,7 @@
               <a:buChar char="■"/>
               <a:defRPr sz="1100"/>
             </a:lvl3pPr>
-            <a:lvl4pPr indent="-298450" lvl="3" marL="1828800">
+            <a:lvl4pPr marL="1828800" lvl="3" indent="-298450">
               <a:spcBef>
                 <a:spcPts val="0"/>
               </a:spcBef>
@@ -412,7 +425,7 @@
               <a:buChar char="●"/>
               <a:defRPr sz="1100"/>
             </a:lvl4pPr>
-            <a:lvl5pPr indent="-298450" lvl="4" marL="2286000">
+            <a:lvl5pPr marL="2286000" lvl="4" indent="-298450">
               <a:spcBef>
                 <a:spcPts val="0"/>
               </a:spcBef>
@@ -423,7 +436,7 @@
               <a:buChar char="○"/>
               <a:defRPr sz="1100"/>
             </a:lvl5pPr>
-            <a:lvl6pPr indent="-298450" lvl="5" marL="2743200">
+            <a:lvl6pPr marL="2743200" lvl="5" indent="-298450">
               <a:spcBef>
                 <a:spcPts val="0"/>
               </a:spcBef>
@@ -434,7 +447,7 @@
               <a:buChar char="■"/>
               <a:defRPr sz="1100"/>
             </a:lvl6pPr>
-            <a:lvl7pPr indent="-298450" lvl="6" marL="3200400">
+            <a:lvl7pPr marL="3200400" lvl="6" indent="-298450">
               <a:spcBef>
                 <a:spcPts val="0"/>
               </a:spcBef>
@@ -445,7 +458,7 @@
               <a:buChar char="●"/>
               <a:defRPr sz="1100"/>
             </a:lvl7pPr>
-            <a:lvl8pPr indent="-298450" lvl="7" marL="3657600">
+            <a:lvl8pPr marL="3657600" lvl="7" indent="-298450">
               <a:spcBef>
                 <a:spcPts val="0"/>
               </a:spcBef>
@@ -456,7 +469,7 @@
               <a:buChar char="○"/>
               <a:defRPr sz="1100"/>
             </a:lvl8pPr>
-            <a:lvl9pPr indent="-298450" lvl="8" marL="4114800">
+            <a:lvl9pPr marL="4114800" lvl="8" indent="-298450">
               <a:spcBef>
                 <a:spcPts val="0"/>
               </a:spcBef>
@@ -468,14 +481,16 @@
               <a:defRPr sz="1100"/>
             </a:lvl9pPr>
           </a:lstStyle>
-          <a:p/>
+          <a:p>
+            <a:endParaRPr/>
+          </a:p>
         </p:txBody>
       </p:sp>
     </p:spTree>
   </p:cSld>
-  <p:clrMap accent1="accent1" accent2="accent2" accent3="accent3" accent4="accent4" accent5="accent5" accent6="accent6" bg1="lt1" bg2="dk2" tx1="dk1" tx2="lt2" folHlink="folHlink" hlink="hlink"/>
+  <p:clrMap bg1="lt1" tx1="dk1" bg2="dk2" tx2="lt2" accent1="accent1" accent2="accent2" accent3="accent3" accent4="accent4" accent5="accent5" accent6="accent6" hlink="hlink" folHlink="folHlink"/>
   <p:notesStyle>
-    <a:defPPr lvl="0" marR="0" rtl="0" algn="l">
+    <a:defPPr marR="0" lvl="0" algn="l" rtl="0">
       <a:lnSpc>
         <a:spcPct val="100000"/>
       </a:lnSpc>
@@ -486,7 +501,7 @@
         <a:spcPts val="0"/>
       </a:spcAft>
     </a:defPPr>
-    <a:lvl1pPr lvl="0" marR="0" rtl="0" algn="l">
+    <a:lvl1pPr marR="0" lvl="0" algn="l" rtl="0">
       <a:lnSpc>
         <a:spcPct val="100000"/>
       </a:lnSpc>
@@ -500,7 +515,7 @@
         <a:srgbClr val="000000"/>
       </a:buClr>
       <a:buFont typeface="Arial"/>
-      <a:defRPr b="0" i="0" sz="1400" u="none" cap="none" strike="noStrike">
+      <a:defRPr sz="1400" b="0" i="0" u="none" strike="noStrike" cap="none">
         <a:solidFill>
           <a:srgbClr val="000000"/>
         </a:solidFill>
@@ -510,7 +525,7 @@
         <a:sym typeface="Arial"/>
       </a:defRPr>
     </a:lvl1pPr>
-    <a:lvl2pPr lvl="1" marR="0" rtl="0" algn="l">
+    <a:lvl2pPr marR="0" lvl="1" algn="l" rtl="0">
       <a:lnSpc>
         <a:spcPct val="100000"/>
       </a:lnSpc>
@@ -524,7 +539,7 @@
         <a:srgbClr val="000000"/>
       </a:buClr>
       <a:buFont typeface="Arial"/>
-      <a:defRPr b="0" i="0" sz="1400" u="none" cap="none" strike="noStrike">
+      <a:defRPr sz="1400" b="0" i="0" u="none" strike="noStrike" cap="none">
         <a:solidFill>
           <a:srgbClr val="000000"/>
         </a:solidFill>
@@ -534,7 +549,7 @@
         <a:sym typeface="Arial"/>
       </a:defRPr>
     </a:lvl2pPr>
-    <a:lvl3pPr lvl="2" marR="0" rtl="0" algn="l">
+    <a:lvl3pPr marR="0" lvl="2" algn="l" rtl="0">
       <a:lnSpc>
         <a:spcPct val="100000"/>
       </a:lnSpc>
@@ -548,7 +563,7 @@
         <a:srgbClr val="000000"/>
       </a:buClr>
       <a:buFont typeface="Arial"/>
-      <a:defRPr b="0" i="0" sz="1400" u="none" cap="none" strike="noStrike">
+      <a:defRPr sz="1400" b="0" i="0" u="none" strike="noStrike" cap="none">
         <a:solidFill>
           <a:srgbClr val="000000"/>
         </a:solidFill>
@@ -558,7 +573,7 @@
         <a:sym typeface="Arial"/>
       </a:defRPr>
     </a:lvl3pPr>
-    <a:lvl4pPr lvl="3" marR="0" rtl="0" algn="l">
+    <a:lvl4pPr marR="0" lvl="3" algn="l" rtl="0">
       <a:lnSpc>
         <a:spcPct val="100000"/>
       </a:lnSpc>
@@ -572,7 +587,7 @@
         <a:srgbClr val="000000"/>
       </a:buClr>
       <a:buFont typeface="Arial"/>
-      <a:defRPr b="0" i="0" sz="1400" u="none" cap="none" strike="noStrike">
+      <a:defRPr sz="1400" b="0" i="0" u="none" strike="noStrike" cap="none">
         <a:solidFill>
           <a:srgbClr val="000000"/>
         </a:solidFill>
@@ -582,7 +597,7 @@
         <a:sym typeface="Arial"/>
       </a:defRPr>
     </a:lvl4pPr>
-    <a:lvl5pPr lvl="4" marR="0" rtl="0" algn="l">
+    <a:lvl5pPr marR="0" lvl="4" algn="l" rtl="0">
       <a:lnSpc>
         <a:spcPct val="100000"/>
       </a:lnSpc>
@@ -596,7 +611,7 @@
         <a:srgbClr val="000000"/>
       </a:buClr>
       <a:buFont typeface="Arial"/>
-      <a:defRPr b="0" i="0" sz="1400" u="none" cap="none" strike="noStrike">
+      <a:defRPr sz="1400" b="0" i="0" u="none" strike="noStrike" cap="none">
         <a:solidFill>
           <a:srgbClr val="000000"/>
         </a:solidFill>
@@ -606,7 +621,7 @@
         <a:sym typeface="Arial"/>
       </a:defRPr>
     </a:lvl5pPr>
-    <a:lvl6pPr lvl="5" marR="0" rtl="0" algn="l">
+    <a:lvl6pPr marR="0" lvl="5" algn="l" rtl="0">
       <a:lnSpc>
         <a:spcPct val="100000"/>
       </a:lnSpc>
@@ -620,7 +635,7 @@
         <a:srgbClr val="000000"/>
       </a:buClr>
       <a:buFont typeface="Arial"/>
-      <a:defRPr b="0" i="0" sz="1400" u="none" cap="none" strike="noStrike">
+      <a:defRPr sz="1400" b="0" i="0" u="none" strike="noStrike" cap="none">
         <a:solidFill>
           <a:srgbClr val="000000"/>
         </a:solidFill>
@@ -630,7 +645,7 @@
         <a:sym typeface="Arial"/>
       </a:defRPr>
     </a:lvl6pPr>
-    <a:lvl7pPr lvl="6" marR="0" rtl="0" algn="l">
+    <a:lvl7pPr marR="0" lvl="6" algn="l" rtl="0">
       <a:lnSpc>
         <a:spcPct val="100000"/>
       </a:lnSpc>
@@ -644,7 +659,7 @@
         <a:srgbClr val="000000"/>
       </a:buClr>
       <a:buFont typeface="Arial"/>
-      <a:defRPr b="0" i="0" sz="1400" u="none" cap="none" strike="noStrike">
+      <a:defRPr sz="1400" b="0" i="0" u="none" strike="noStrike" cap="none">
         <a:solidFill>
           <a:srgbClr val="000000"/>
         </a:solidFill>
@@ -654,7 +669,7 @@
         <a:sym typeface="Arial"/>
       </a:defRPr>
     </a:lvl7pPr>
-    <a:lvl8pPr lvl="7" marR="0" rtl="0" algn="l">
+    <a:lvl8pPr marR="0" lvl="7" algn="l" rtl="0">
       <a:lnSpc>
         <a:spcPct val="100000"/>
       </a:lnSpc>
@@ -668,7 +683,7 @@
         <a:srgbClr val="000000"/>
       </a:buClr>
       <a:buFont typeface="Arial"/>
-      <a:defRPr b="0" i="0" sz="1400" u="none" cap="none" strike="noStrike">
+      <a:defRPr sz="1400" b="0" i="0" u="none" strike="noStrike" cap="none">
         <a:solidFill>
           <a:srgbClr val="000000"/>
         </a:solidFill>
@@ -678,7 +693,7 @@
         <a:sym typeface="Arial"/>
       </a:defRPr>
     </a:lvl8pPr>
-    <a:lvl9pPr lvl="8" marR="0" rtl="0" algn="l">
+    <a:lvl9pPr marR="0" lvl="8" algn="l" rtl="0">
       <a:lnSpc>
         <a:spcPct val="100000"/>
       </a:lnSpc>
@@ -692,7 +707,7 @@
         <a:srgbClr val="000000"/>
       </a:buClr>
       <a:buFont typeface="Arial"/>
-      <a:defRPr b="0" i="0" sz="1400" u="none" cap="none" strike="noStrike">
+      <a:defRPr sz="1400" b="0" i="0" u="none" strike="noStrike" cap="none">
         <a:solidFill>
           <a:srgbClr val="000000"/>
         </a:solidFill>
@@ -707,11 +722,11 @@
 </file>
 
 <file path=ppt/notesSlides/notesSlide1.xml><?xml version="1.0" encoding="utf-8"?>
-<p:notes xmlns:a="http://schemas.openxmlformats.org/drawingml/2006/main" xmlns:r="http://schemas.openxmlformats.org/officeDocument/2006/relationships" xmlns:mc="http://schemas.openxmlformats.org/markup-compatibility/2006" xmlns:mv="urn:schemas-microsoft-com:mac:vml" xmlns:p="http://schemas.openxmlformats.org/presentationml/2006/main" xmlns:c="http://schemas.openxmlformats.org/drawingml/2006/chart" xmlns:dgm="http://schemas.openxmlformats.org/drawingml/2006/diagram" xmlns:o="urn:schemas-microsoft-com:office:office" xmlns:v="urn:schemas-microsoft-com:vml" xmlns:pvml="urn:schemas-microsoft-com:office:powerpoint" xmlns:com="http://schemas.openxmlformats.org/drawingml/2006/compatibility" xmlns:p14="http://schemas.microsoft.com/office/powerpoint/2010/main" xmlns:p15="http://schemas.microsoft.com/office/powerpoint/2012/main" xmlns:ahyp="http://schemas.microsoft.com/office/drawing/2018/hyperlinkcolor" showMasterPhAnim="0" showMasterSp="0">
+<p:notes xmlns:a="http://schemas.openxmlformats.org/drawingml/2006/main" xmlns:r="http://schemas.openxmlformats.org/officeDocument/2006/relationships" xmlns:p="http://schemas.openxmlformats.org/presentationml/2006/main" showMasterSp="0" showMasterPhAnim="0">
   <p:cSld>
     <p:spTree>
       <p:nvGrpSpPr>
-        <p:cNvPr id="130" name="Shape 130"/>
+        <p:cNvPr id="1" name="Shape 130"/>
         <p:cNvGrpSpPr/>
         <p:nvPr/>
       </p:nvGrpSpPr>
@@ -726,9 +741,11 @@
       <p:sp>
         <p:nvSpPr>
           <p:cNvPr id="131" name="Google Shape;131;g34d0640d9ff_2_0:notes"/>
-          <p:cNvSpPr/>
+          <p:cNvSpPr>
+            <a:spLocks noGrp="1" noRot="1" noChangeAspect="1"/>
+          </p:cNvSpPr>
           <p:nvPr>
-            <p:ph idx="2" type="sldImg"/>
+            <p:ph type="sldImg" idx="2"/>
           </p:nvPr>
         </p:nvSpPr>
         <p:spPr>
@@ -737,9 +754,13 @@
             <a:ext cx="6096000" cy="3429000"/>
           </a:xfrm>
           <a:custGeom>
-            <a:rect b="b" l="l" r="r" t="t"/>
+            <a:avLst/>
+            <a:gdLst/>
+            <a:ahLst/>
+            <a:cxnLst/>
+            <a:rect l="l" t="t" r="r" b="b"/>
             <a:pathLst>
-              <a:path extrusionOk="0" h="120000" w="120000">
+              <a:path w="120000" h="120000" extrusionOk="0">
                 <a:moveTo>
                   <a:pt x="0" y="0"/>
                 </a:moveTo>
@@ -761,9 +782,11 @@
       <p:sp>
         <p:nvSpPr>
           <p:cNvPr id="132" name="Google Shape;132;g34d0640d9ff_2_0:notes"/>
-          <p:cNvSpPr txBox="1"/>
+          <p:cNvSpPr txBox="1">
+            <a:spLocks noGrp="1"/>
+          </p:cNvSpPr>
           <p:nvPr>
-            <p:ph idx="1" type="body"/>
+            <p:ph type="body" idx="1"/>
           </p:nvPr>
         </p:nvSpPr>
         <p:spPr>
@@ -776,12 +799,12 @@
           </a:prstGeom>
         </p:spPr>
         <p:txBody>
-          <a:bodyPr anchorCtr="0" anchor="t" bIns="91425" lIns="91425" spcFirstLastPara="1" rIns="91425" wrap="square" tIns="91425">
+          <a:bodyPr spcFirstLastPara="1" wrap="square" lIns="91425" tIns="91425" rIns="91425" bIns="91425" anchor="t" anchorCtr="0">
             <a:noAutofit/>
           </a:bodyPr>
           <a:lstStyle/>
           <a:p>
-            <a:pPr indent="0" lvl="0" marL="0" rtl="0" algn="l">
+            <a:pPr marL="0" lvl="0" indent="0" algn="l" rtl="0">
               <a:spcBef>
                 <a:spcPts val="0"/>
               </a:spcBef>
@@ -790,9 +813,6 @@
               </a:spcAft>
               <a:buNone/>
             </a:pPr>
-            <a:r>
-              <a:t/>
-            </a:r>
             <a:endParaRPr/>
           </a:p>
         </p:txBody>
@@ -806,11 +826,11 @@
 </file>
 
 <file path=ppt/notesSlides/notesSlide2.xml><?xml version="1.0" encoding="utf-8"?>
-<p:notes xmlns:a="http://schemas.openxmlformats.org/drawingml/2006/main" xmlns:r="http://schemas.openxmlformats.org/officeDocument/2006/relationships" xmlns:mc="http://schemas.openxmlformats.org/markup-compatibility/2006" xmlns:mv="urn:schemas-microsoft-com:mac:vml" xmlns:p="http://schemas.openxmlformats.org/presentationml/2006/main" xmlns:c="http://schemas.openxmlformats.org/drawingml/2006/chart" xmlns:dgm="http://schemas.openxmlformats.org/drawingml/2006/diagram" xmlns:o="urn:schemas-microsoft-com:office:office" xmlns:v="urn:schemas-microsoft-com:vml" xmlns:pvml="urn:schemas-microsoft-com:office:powerpoint" xmlns:com="http://schemas.openxmlformats.org/drawingml/2006/compatibility" xmlns:p14="http://schemas.microsoft.com/office/powerpoint/2010/main" xmlns:p15="http://schemas.microsoft.com/office/powerpoint/2012/main" xmlns:ahyp="http://schemas.microsoft.com/office/drawing/2018/hyperlinkcolor" showMasterPhAnim="0" showMasterSp="0">
+<p:notes xmlns:a="http://schemas.openxmlformats.org/drawingml/2006/main" xmlns:r="http://schemas.openxmlformats.org/officeDocument/2006/relationships" xmlns:p="http://schemas.openxmlformats.org/presentationml/2006/main" showMasterSp="0" showMasterPhAnim="0">
   <p:cSld>
     <p:spTree>
       <p:nvGrpSpPr>
-        <p:cNvPr id="137" name="Shape 137"/>
+        <p:cNvPr id="1" name="Shape 137"/>
         <p:cNvGrpSpPr/>
         <p:nvPr/>
       </p:nvGrpSpPr>
@@ -825,20 +845,26 @@
       <p:sp>
         <p:nvSpPr>
           <p:cNvPr id="138" name="Google Shape;138;g34d0640d9ff_2_132:notes"/>
-          <p:cNvSpPr/>
+          <p:cNvSpPr>
+            <a:spLocks noGrp="1" noRot="1" noChangeAspect="1"/>
+          </p:cNvSpPr>
           <p:nvPr>
-            <p:ph idx="2" type="sldImg"/>
+            <p:ph type="sldImg" idx="2"/>
           </p:nvPr>
         </p:nvSpPr>
         <p:spPr>
           <a:xfrm>
-            <a:off x="381300" y="685800"/>
+            <a:off x="381000" y="685800"/>
             <a:ext cx="6096000" cy="3429000"/>
           </a:xfrm>
           <a:custGeom>
-            <a:rect b="b" l="l" r="r" t="t"/>
+            <a:avLst/>
+            <a:gdLst/>
+            <a:ahLst/>
+            <a:cxnLst/>
+            <a:rect l="l" t="t" r="r" b="b"/>
             <a:pathLst>
-              <a:path extrusionOk="0" h="120000" w="120000">
+              <a:path w="120000" h="120000" extrusionOk="0">
                 <a:moveTo>
                   <a:pt x="0" y="0"/>
                 </a:moveTo>
@@ -860,9 +886,11 @@
       <p:sp>
         <p:nvSpPr>
           <p:cNvPr id="139" name="Google Shape;139;g34d0640d9ff_2_132:notes"/>
-          <p:cNvSpPr txBox="1"/>
+          <p:cNvSpPr txBox="1">
+            <a:spLocks noGrp="1"/>
+          </p:cNvSpPr>
           <p:nvPr>
-            <p:ph idx="1" type="body"/>
+            <p:ph type="body" idx="1"/>
           </p:nvPr>
         </p:nvSpPr>
         <p:spPr>
@@ -875,12 +903,12 @@
           </a:prstGeom>
         </p:spPr>
         <p:txBody>
-          <a:bodyPr anchorCtr="0" anchor="t" bIns="91425" lIns="91425" spcFirstLastPara="1" rIns="91425" wrap="square" tIns="91425">
+          <a:bodyPr spcFirstLastPara="1" wrap="square" lIns="91425" tIns="91425" rIns="91425" bIns="91425" anchor="t" anchorCtr="0">
             <a:noAutofit/>
           </a:bodyPr>
           <a:lstStyle/>
           <a:p>
-            <a:pPr indent="0" lvl="0" marL="0" rtl="0" algn="l">
+            <a:pPr marL="0" lvl="0" indent="0" algn="l" rtl="0">
               <a:spcBef>
                 <a:spcPts val="0"/>
               </a:spcBef>
@@ -889,9 +917,6 @@
               </a:spcAft>
               <a:buNone/>
             </a:pPr>
-            <a:r>
-              <a:t/>
-            </a:r>
             <a:endParaRPr/>
           </a:p>
         </p:txBody>
@@ -905,11 +930,11 @@
 </file>
 
 <file path=ppt/notesSlides/notesSlide3.xml><?xml version="1.0" encoding="utf-8"?>
-<p:notes xmlns:a="http://schemas.openxmlformats.org/drawingml/2006/main" xmlns:r="http://schemas.openxmlformats.org/officeDocument/2006/relationships" xmlns:mc="http://schemas.openxmlformats.org/markup-compatibility/2006" xmlns:mv="urn:schemas-microsoft-com:mac:vml" xmlns:p="http://schemas.openxmlformats.org/presentationml/2006/main" xmlns:c="http://schemas.openxmlformats.org/drawingml/2006/chart" xmlns:dgm="http://schemas.openxmlformats.org/drawingml/2006/diagram" xmlns:o="urn:schemas-microsoft-com:office:office" xmlns:v="urn:schemas-microsoft-com:vml" xmlns:pvml="urn:schemas-microsoft-com:office:powerpoint" xmlns:com="http://schemas.openxmlformats.org/drawingml/2006/compatibility" xmlns:p14="http://schemas.microsoft.com/office/powerpoint/2010/main" xmlns:p15="http://schemas.microsoft.com/office/powerpoint/2012/main" xmlns:ahyp="http://schemas.microsoft.com/office/drawing/2018/hyperlinkcolor" showMasterPhAnim="0" showMasterSp="0">
+<p:notes xmlns:a="http://schemas.openxmlformats.org/drawingml/2006/main" xmlns:r="http://schemas.openxmlformats.org/officeDocument/2006/relationships" xmlns:p="http://schemas.openxmlformats.org/presentationml/2006/main" showMasterSp="0" showMasterPhAnim="0">
   <p:cSld>
     <p:spTree>
       <p:nvGrpSpPr>
-        <p:cNvPr id="143" name="Shape 143"/>
+        <p:cNvPr id="1" name="Shape 143"/>
         <p:cNvGrpSpPr/>
         <p:nvPr/>
       </p:nvGrpSpPr>
@@ -924,20 +949,26 @@
       <p:sp>
         <p:nvSpPr>
           <p:cNvPr id="144" name="Google Shape;144;g34d0640d9ff_2_137:notes"/>
-          <p:cNvSpPr/>
+          <p:cNvSpPr>
+            <a:spLocks noGrp="1" noRot="1" noChangeAspect="1"/>
+          </p:cNvSpPr>
           <p:nvPr>
-            <p:ph idx="2" type="sldImg"/>
+            <p:ph type="sldImg" idx="2"/>
           </p:nvPr>
         </p:nvSpPr>
         <p:spPr>
           <a:xfrm>
-            <a:off x="381300" y="685800"/>
+            <a:off x="381000" y="685800"/>
             <a:ext cx="6096000" cy="3429000"/>
           </a:xfrm>
           <a:custGeom>
-            <a:rect b="b" l="l" r="r" t="t"/>
+            <a:avLst/>
+            <a:gdLst/>
+            <a:ahLst/>
+            <a:cxnLst/>
+            <a:rect l="l" t="t" r="r" b="b"/>
             <a:pathLst>
-              <a:path extrusionOk="0" h="120000" w="120000">
+              <a:path w="120000" h="120000" extrusionOk="0">
                 <a:moveTo>
                   <a:pt x="0" y="0"/>
                 </a:moveTo>
@@ -959,9 +990,11 @@
       <p:sp>
         <p:nvSpPr>
           <p:cNvPr id="145" name="Google Shape;145;g34d0640d9ff_2_137:notes"/>
-          <p:cNvSpPr txBox="1"/>
+          <p:cNvSpPr txBox="1">
+            <a:spLocks noGrp="1"/>
+          </p:cNvSpPr>
           <p:nvPr>
-            <p:ph idx="1" type="body"/>
+            <p:ph type="body" idx="1"/>
           </p:nvPr>
         </p:nvSpPr>
         <p:spPr>
@@ -974,12 +1007,12 @@
           </a:prstGeom>
         </p:spPr>
         <p:txBody>
-          <a:bodyPr anchorCtr="0" anchor="t" bIns="91425" lIns="91425" spcFirstLastPara="1" rIns="91425" wrap="square" tIns="91425">
+          <a:bodyPr spcFirstLastPara="1" wrap="square" lIns="91425" tIns="91425" rIns="91425" bIns="91425" anchor="t" anchorCtr="0">
             <a:noAutofit/>
           </a:bodyPr>
           <a:lstStyle/>
           <a:p>
-            <a:pPr indent="0" lvl="0" marL="0" rtl="0" algn="l">
+            <a:pPr marL="0" lvl="0" indent="0" algn="l" rtl="0">
               <a:spcBef>
                 <a:spcPts val="0"/>
               </a:spcBef>
@@ -988,9 +1021,6 @@
               </a:spcAft>
               <a:buNone/>
             </a:pPr>
-            <a:r>
-              <a:t/>
-            </a:r>
             <a:endParaRPr/>
           </a:p>
         </p:txBody>
@@ -1004,11 +1034,11 @@
 </file>
 
 <file path=ppt/notesSlides/notesSlide4.xml><?xml version="1.0" encoding="utf-8"?>
-<p:notes xmlns:a="http://schemas.openxmlformats.org/drawingml/2006/main" xmlns:r="http://schemas.openxmlformats.org/officeDocument/2006/relationships" xmlns:mc="http://schemas.openxmlformats.org/markup-compatibility/2006" xmlns:mv="urn:schemas-microsoft-com:mac:vml" xmlns:p="http://schemas.openxmlformats.org/presentationml/2006/main" xmlns:c="http://schemas.openxmlformats.org/drawingml/2006/chart" xmlns:dgm="http://schemas.openxmlformats.org/drawingml/2006/diagram" xmlns:o="urn:schemas-microsoft-com:office:office" xmlns:v="urn:schemas-microsoft-com:vml" xmlns:pvml="urn:schemas-microsoft-com:office:powerpoint" xmlns:com="http://schemas.openxmlformats.org/drawingml/2006/compatibility" xmlns:p14="http://schemas.microsoft.com/office/powerpoint/2010/main" xmlns:p15="http://schemas.microsoft.com/office/powerpoint/2012/main" xmlns:ahyp="http://schemas.microsoft.com/office/drawing/2018/hyperlinkcolor" showMasterPhAnim="0" showMasterSp="0">
+<p:notes xmlns:a="http://schemas.openxmlformats.org/drawingml/2006/main" xmlns:r="http://schemas.openxmlformats.org/officeDocument/2006/relationships" xmlns:p="http://schemas.openxmlformats.org/presentationml/2006/main" showMasterSp="0" showMasterPhAnim="0">
   <p:cSld>
     <p:spTree>
       <p:nvGrpSpPr>
-        <p:cNvPr id="149" name="Shape 149"/>
+        <p:cNvPr id="1" name="Shape 149"/>
         <p:cNvGrpSpPr/>
         <p:nvPr/>
       </p:nvGrpSpPr>
@@ -1023,20 +1053,26 @@
       <p:sp>
         <p:nvSpPr>
           <p:cNvPr id="150" name="Google Shape;150;g34d0640d9ff_2_142:notes"/>
-          <p:cNvSpPr/>
+          <p:cNvSpPr>
+            <a:spLocks noGrp="1" noRot="1" noChangeAspect="1"/>
+          </p:cNvSpPr>
           <p:nvPr>
-            <p:ph idx="2" type="sldImg"/>
+            <p:ph type="sldImg" idx="2"/>
           </p:nvPr>
         </p:nvSpPr>
         <p:spPr>
           <a:xfrm>
-            <a:off x="381300" y="685800"/>
+            <a:off x="381000" y="685800"/>
             <a:ext cx="6096000" cy="3429000"/>
           </a:xfrm>
           <a:custGeom>
-            <a:rect b="b" l="l" r="r" t="t"/>
+            <a:avLst/>
+            <a:gdLst/>
+            <a:ahLst/>
+            <a:cxnLst/>
+            <a:rect l="l" t="t" r="r" b="b"/>
             <a:pathLst>
-              <a:path extrusionOk="0" h="120000" w="120000">
+              <a:path w="120000" h="120000" extrusionOk="0">
                 <a:moveTo>
                   <a:pt x="0" y="0"/>
                 </a:moveTo>
@@ -1058,9 +1094,11 @@
       <p:sp>
         <p:nvSpPr>
           <p:cNvPr id="151" name="Google Shape;151;g34d0640d9ff_2_142:notes"/>
-          <p:cNvSpPr txBox="1"/>
+          <p:cNvSpPr txBox="1">
+            <a:spLocks noGrp="1"/>
+          </p:cNvSpPr>
           <p:nvPr>
-            <p:ph idx="1" type="body"/>
+            <p:ph type="body" idx="1"/>
           </p:nvPr>
         </p:nvSpPr>
         <p:spPr>
@@ -1073,12 +1111,12 @@
           </a:prstGeom>
         </p:spPr>
         <p:txBody>
-          <a:bodyPr anchorCtr="0" anchor="t" bIns="91425" lIns="91425" spcFirstLastPara="1" rIns="91425" wrap="square" tIns="91425">
+          <a:bodyPr spcFirstLastPara="1" wrap="square" lIns="91425" tIns="91425" rIns="91425" bIns="91425" anchor="t" anchorCtr="0">
             <a:noAutofit/>
           </a:bodyPr>
           <a:lstStyle/>
           <a:p>
-            <a:pPr indent="0" lvl="0" marL="0" rtl="0" algn="l">
+            <a:pPr marL="0" lvl="0" indent="0" algn="l" rtl="0">
               <a:spcBef>
                 <a:spcPts val="0"/>
               </a:spcBef>
@@ -1087,9 +1125,6 @@
               </a:spcAft>
               <a:buNone/>
             </a:pPr>
-            <a:r>
-              <a:t/>
-            </a:r>
             <a:endParaRPr/>
           </a:p>
         </p:txBody>
@@ -1103,11 +1138,11 @@
 </file>
 
 <file path=ppt/notesSlides/notesSlide5.xml><?xml version="1.0" encoding="utf-8"?>
-<p:notes xmlns:a="http://schemas.openxmlformats.org/drawingml/2006/main" xmlns:r="http://schemas.openxmlformats.org/officeDocument/2006/relationships" xmlns:mc="http://schemas.openxmlformats.org/markup-compatibility/2006" xmlns:mv="urn:schemas-microsoft-com:mac:vml" xmlns:p="http://schemas.openxmlformats.org/presentationml/2006/main" xmlns:c="http://schemas.openxmlformats.org/drawingml/2006/chart" xmlns:dgm="http://schemas.openxmlformats.org/drawingml/2006/diagram" xmlns:o="urn:schemas-microsoft-com:office:office" xmlns:v="urn:schemas-microsoft-com:vml" xmlns:pvml="urn:schemas-microsoft-com:office:powerpoint" xmlns:com="http://schemas.openxmlformats.org/drawingml/2006/compatibility" xmlns:p14="http://schemas.microsoft.com/office/powerpoint/2010/main" xmlns:p15="http://schemas.microsoft.com/office/powerpoint/2012/main" xmlns:ahyp="http://schemas.microsoft.com/office/drawing/2018/hyperlinkcolor" showMasterPhAnim="0" showMasterSp="0">
+<p:notes xmlns:a="http://schemas.openxmlformats.org/drawingml/2006/main" xmlns:r="http://schemas.openxmlformats.org/officeDocument/2006/relationships" xmlns:p="http://schemas.openxmlformats.org/presentationml/2006/main" showMasterSp="0" showMasterPhAnim="0">
   <p:cSld>
     <p:spTree>
       <p:nvGrpSpPr>
-        <p:cNvPr id="155" name="Shape 155"/>
+        <p:cNvPr id="1" name="Shape 155"/>
         <p:cNvGrpSpPr/>
         <p:nvPr/>
       </p:nvGrpSpPr>
@@ -1122,9 +1157,11 @@
       <p:sp>
         <p:nvSpPr>
           <p:cNvPr id="156" name="Google Shape;156;g34d0640d9ff_2_159:notes"/>
-          <p:cNvSpPr/>
+          <p:cNvSpPr>
+            <a:spLocks noGrp="1" noRot="1" noChangeAspect="1"/>
+          </p:cNvSpPr>
           <p:nvPr>
-            <p:ph idx="2" type="sldImg"/>
+            <p:ph type="sldImg" idx="2"/>
           </p:nvPr>
         </p:nvSpPr>
         <p:spPr>
@@ -1133,9 +1170,13 @@
             <a:ext cx="6096000" cy="3429000"/>
           </a:xfrm>
           <a:custGeom>
-            <a:rect b="b" l="l" r="r" t="t"/>
+            <a:avLst/>
+            <a:gdLst/>
+            <a:ahLst/>
+            <a:cxnLst/>
+            <a:rect l="l" t="t" r="r" b="b"/>
             <a:pathLst>
-              <a:path extrusionOk="0" h="120000" w="120000">
+              <a:path w="120000" h="120000" extrusionOk="0">
                 <a:moveTo>
                   <a:pt x="0" y="0"/>
                 </a:moveTo>
@@ -1157,9 +1198,11 @@
       <p:sp>
         <p:nvSpPr>
           <p:cNvPr id="157" name="Google Shape;157;g34d0640d9ff_2_159:notes"/>
-          <p:cNvSpPr txBox="1"/>
+          <p:cNvSpPr txBox="1">
+            <a:spLocks noGrp="1"/>
+          </p:cNvSpPr>
           <p:nvPr>
-            <p:ph idx="1" type="body"/>
+            <p:ph type="body" idx="1"/>
           </p:nvPr>
         </p:nvSpPr>
         <p:spPr>
@@ -1172,12 +1215,12 @@
           </a:prstGeom>
         </p:spPr>
         <p:txBody>
-          <a:bodyPr anchorCtr="0" anchor="t" bIns="91425" lIns="91425" spcFirstLastPara="1" rIns="91425" wrap="square" tIns="91425">
+          <a:bodyPr spcFirstLastPara="1" wrap="square" lIns="91425" tIns="91425" rIns="91425" bIns="91425" anchor="t" anchorCtr="0">
             <a:noAutofit/>
           </a:bodyPr>
           <a:lstStyle/>
           <a:p>
-            <a:pPr indent="0" lvl="0" marL="0" rtl="0" algn="l">
+            <a:pPr marL="0" lvl="0" indent="0" algn="l" rtl="0">
               <a:spcBef>
                 <a:spcPts val="0"/>
               </a:spcBef>
@@ -1186,9 +1229,6 @@
               </a:spcAft>
               <a:buNone/>
             </a:pPr>
-            <a:r>
-              <a:t/>
-            </a:r>
             <a:endParaRPr/>
           </a:p>
         </p:txBody>
@@ -1202,11 +1242,11 @@
 </file>
 
 <file path=ppt/slideLayouts/slideLayout1.xml><?xml version="1.0" encoding="utf-8"?>
-<p:sldLayout xmlns:a="http://schemas.openxmlformats.org/drawingml/2006/main" xmlns:r="http://schemas.openxmlformats.org/officeDocument/2006/relationships" xmlns:mc="http://schemas.openxmlformats.org/markup-compatibility/2006" xmlns:mv="urn:schemas-microsoft-com:mac:vml" xmlns:p="http://schemas.openxmlformats.org/presentationml/2006/main" xmlns:c="http://schemas.openxmlformats.org/drawingml/2006/chart" xmlns:dgm="http://schemas.openxmlformats.org/drawingml/2006/diagram" xmlns:o="urn:schemas-microsoft-com:office:office" xmlns:v="urn:schemas-microsoft-com:vml" xmlns:pvml="urn:schemas-microsoft-com:office:powerpoint" xmlns:com="http://schemas.openxmlformats.org/drawingml/2006/compatibility" xmlns:p14="http://schemas.microsoft.com/office/powerpoint/2010/main" xmlns:p15="http://schemas.microsoft.com/office/powerpoint/2012/main" xmlns:ahyp="http://schemas.microsoft.com/office/drawing/2018/hyperlinkcolor" matchingName="Title slide" type="title">
+<p:sldLayout xmlns:a="http://schemas.openxmlformats.org/drawingml/2006/main" xmlns:r="http://schemas.openxmlformats.org/officeDocument/2006/relationships" xmlns:p="http://schemas.openxmlformats.org/presentationml/2006/main" matchingName="Title slide" type="title">
   <p:cSld name="TITLE">
     <p:spTree>
       <p:nvGrpSpPr>
-        <p:cNvPr id="9" name="Shape 9"/>
+        <p:cNvPr id="1" name="Shape 9"/>
         <p:cNvGrpSpPr/>
         <p:nvPr/>
       </p:nvGrpSpPr>
@@ -1231,7 +1271,7 @@
           </a:xfrm>
           <a:prstGeom prst="diagStripe">
             <a:avLst>
-              <a:gd fmla="val 0" name="adj"/>
+              <a:gd name="adj" fmla="val 0"/>
             </a:avLst>
           </a:prstGeom>
           <a:solidFill>
@@ -1244,12 +1284,12 @@
           </a:ln>
         </p:spPr>
         <p:txBody>
-          <a:bodyPr anchorCtr="0" anchor="ctr" bIns="91425" lIns="91425" spcFirstLastPara="1" rIns="91425" wrap="square" tIns="91425">
+          <a:bodyPr spcFirstLastPara="1" wrap="square" lIns="91425" tIns="91425" rIns="91425" bIns="91425" anchor="ctr" anchorCtr="0">
             <a:noAutofit/>
           </a:bodyPr>
           <a:lstStyle/>
           <a:p>
-            <a:pPr indent="0" lvl="0" marL="0" rtl="0" algn="l">
+            <a:pPr marL="0" lvl="0" indent="0" algn="l" rtl="0">
               <a:spcBef>
                 <a:spcPts val="0"/>
               </a:spcBef>
@@ -1258,9 +1298,6 @@
               </a:spcAft>
               <a:buNone/>
             </a:pPr>
-            <a:r>
-              <a:t/>
-            </a:r>
             <a:endParaRPr/>
           </a:p>
         </p:txBody>
@@ -1292,7 +1329,7 @@
             </a:xfrm>
             <a:prstGeom prst="diagStripe">
               <a:avLst>
-                <a:gd fmla="val 50000" name="adj"/>
+                <a:gd name="adj" fmla="val 50000"/>
               </a:avLst>
             </a:prstGeom>
             <a:solidFill>
@@ -1305,12 +1342,12 @@
             </a:ln>
           </p:spPr>
           <p:txBody>
-            <a:bodyPr anchorCtr="0" anchor="ctr" bIns="91425" lIns="91425" spcFirstLastPara="1" rIns="91425" wrap="square" tIns="91425">
+            <a:bodyPr spcFirstLastPara="1" wrap="square" lIns="91425" tIns="91425" rIns="91425" bIns="91425" anchor="ctr" anchorCtr="0">
               <a:noAutofit/>
             </a:bodyPr>
             <a:lstStyle/>
             <a:p>
-              <a:pPr indent="0" lvl="0" marL="0" rtl="0" algn="l">
+              <a:pPr marL="0" lvl="0" indent="0" algn="l" rtl="0">
                 <a:spcBef>
                   <a:spcPts val="0"/>
                 </a:spcBef>
@@ -1319,9 +1356,6 @@
                 </a:spcAft>
                 <a:buNone/>
               </a:pPr>
-              <a:r>
-                <a:t/>
-              </a:r>
               <a:endParaRPr/>
             </a:p>
           </p:txBody>
@@ -1339,7 +1373,7 @@
             </a:xfrm>
             <a:prstGeom prst="diagStripe">
               <a:avLst>
-                <a:gd fmla="val 58774" name="adj"/>
+                <a:gd name="adj" fmla="val 58774"/>
               </a:avLst>
             </a:prstGeom>
             <a:solidFill>
@@ -1352,12 +1386,12 @@
             </a:ln>
           </p:spPr>
           <p:txBody>
-            <a:bodyPr anchorCtr="0" anchor="ctr" bIns="91425" lIns="91425" spcFirstLastPara="1" rIns="91425" wrap="square" tIns="91425">
+            <a:bodyPr spcFirstLastPara="1" wrap="square" lIns="91425" tIns="91425" rIns="91425" bIns="91425" anchor="ctr" anchorCtr="0">
               <a:noAutofit/>
             </a:bodyPr>
             <a:lstStyle/>
             <a:p>
-              <a:pPr indent="0" lvl="0" marL="0" rtl="0" algn="l">
+              <a:pPr marL="0" lvl="0" indent="0" algn="l" rtl="0">
                 <a:spcBef>
                   <a:spcPts val="0"/>
                 </a:spcBef>
@@ -1366,9 +1400,6 @@
                 </a:spcAft>
                 <a:buNone/>
               </a:pPr>
-              <a:r>
-                <a:t/>
-              </a:r>
               <a:endParaRPr/>
             </a:p>
           </p:txBody>
@@ -1386,7 +1417,7 @@
             </a:xfrm>
             <a:prstGeom prst="diagStripe">
               <a:avLst>
-                <a:gd fmla="val 50000" name="adj"/>
+                <a:gd name="adj" fmla="val 50000"/>
               </a:avLst>
             </a:prstGeom>
             <a:solidFill>
@@ -1397,12 +1428,12 @@
             </a:ln>
           </p:spPr>
           <p:txBody>
-            <a:bodyPr anchorCtr="0" anchor="ctr" bIns="91425" lIns="91425" spcFirstLastPara="1" rIns="91425" wrap="square" tIns="91425">
+            <a:bodyPr spcFirstLastPara="1" wrap="square" lIns="91425" tIns="91425" rIns="91425" bIns="91425" anchor="ctr" anchorCtr="0">
               <a:noAutofit/>
             </a:bodyPr>
             <a:lstStyle/>
             <a:p>
-              <a:pPr indent="0" lvl="0" marL="0" rtl="0" algn="l">
+              <a:pPr marL="0" lvl="0" indent="0" algn="l" rtl="0">
                 <a:spcBef>
                   <a:spcPts val="0"/>
                 </a:spcBef>
@@ -1411,9 +1442,6 @@
                 </a:spcAft>
                 <a:buNone/>
               </a:pPr>
-              <a:r>
-                <a:t/>
-              </a:r>
               <a:endParaRPr/>
             </a:p>
           </p:txBody>
@@ -1431,7 +1459,7 @@
             </a:xfrm>
             <a:prstGeom prst="diagStripe">
               <a:avLst>
-                <a:gd fmla="val 50000" name="adj"/>
+                <a:gd name="adj" fmla="val 50000"/>
               </a:avLst>
             </a:prstGeom>
             <a:solidFill>
@@ -1442,12 +1470,12 @@
             </a:ln>
           </p:spPr>
           <p:txBody>
-            <a:bodyPr anchorCtr="0" anchor="ctr" bIns="91425" lIns="91425" spcFirstLastPara="1" rIns="91425" wrap="square" tIns="91425">
+            <a:bodyPr spcFirstLastPara="1" wrap="square" lIns="91425" tIns="91425" rIns="91425" bIns="91425" anchor="ctr" anchorCtr="0">
               <a:noAutofit/>
             </a:bodyPr>
             <a:lstStyle/>
             <a:p>
-              <a:pPr indent="0" lvl="0" marL="0" rtl="0" algn="l">
+              <a:pPr marL="0" lvl="0" indent="0" algn="l" rtl="0">
                 <a:spcBef>
                   <a:spcPts val="0"/>
                 </a:spcBef>
@@ -1456,9 +1484,6 @@
                 </a:spcAft>
                 <a:buNone/>
               </a:pPr>
-              <a:r>
-                <a:t/>
-              </a:r>
               <a:endParaRPr/>
             </a:p>
           </p:txBody>
@@ -1467,7 +1492,9 @@
       <p:sp>
         <p:nvSpPr>
           <p:cNvPr id="16" name="Google Shape;16;p2"/>
-          <p:cNvSpPr txBox="1"/>
+          <p:cNvSpPr txBox="1">
+            <a:spLocks noGrp="1"/>
+          </p:cNvSpPr>
           <p:nvPr>
             <p:ph type="ctrTitle"/>
           </p:nvPr>
@@ -1482,7 +1509,7 @@
           </a:prstGeom>
         </p:spPr>
         <p:txBody>
-          <a:bodyPr anchorCtr="0" anchor="t" bIns="91425" lIns="91425" spcFirstLastPara="1" rIns="91425" wrap="square" tIns="91425">
+          <a:bodyPr spcFirstLastPara="1" wrap="square" lIns="91425" tIns="91425" rIns="91425" bIns="91425" anchor="t" anchorCtr="0">
             <a:normAutofit/>
           </a:bodyPr>
           <a:lstStyle>
@@ -1586,15 +1613,19 @@
               <a:defRPr sz="4000"/>
             </a:lvl9pPr>
           </a:lstStyle>
-          <a:p/>
+          <a:p>
+            <a:endParaRPr/>
+          </a:p>
         </p:txBody>
       </p:sp>
       <p:sp>
         <p:nvSpPr>
           <p:cNvPr id="17" name="Google Shape;17;p2"/>
-          <p:cNvSpPr txBox="1"/>
+          <p:cNvSpPr txBox="1">
+            <a:spLocks noGrp="1"/>
+          </p:cNvSpPr>
           <p:nvPr>
-            <p:ph idx="1" type="subTitle"/>
+            <p:ph type="subTitle" idx="1"/>
           </p:nvPr>
         </p:nvSpPr>
         <p:spPr>
@@ -1607,7 +1638,7 @@
           </a:prstGeom>
         </p:spPr>
         <p:txBody>
-          <a:bodyPr anchorCtr="0" anchor="t" bIns="91425" lIns="91425" spcFirstLastPara="1" rIns="91425" wrap="square" tIns="91425">
+          <a:bodyPr spcFirstLastPara="1" wrap="square" lIns="91425" tIns="91425" rIns="91425" bIns="91425" anchor="t" anchorCtr="0">
             <a:normAutofit/>
           </a:bodyPr>
           <a:lstStyle>
@@ -1738,15 +1769,19 @@
               <a:defRPr sz="1300"/>
             </a:lvl9pPr>
           </a:lstStyle>
-          <a:p/>
+          <a:p>
+            <a:endParaRPr/>
+          </a:p>
         </p:txBody>
       </p:sp>
       <p:sp>
         <p:nvSpPr>
           <p:cNvPr id="18" name="Google Shape;18;p2"/>
-          <p:cNvSpPr txBox="1"/>
+          <p:cNvSpPr txBox="1">
+            <a:spLocks noGrp="1"/>
+          </p:cNvSpPr>
           <p:nvPr>
-            <p:ph idx="12" type="sldNum"/>
+            <p:ph type="sldNum" idx="12"/>
           </p:nvPr>
         </p:nvSpPr>
         <p:spPr>
@@ -1759,7 +1794,7 @@
           </a:prstGeom>
         </p:spPr>
         <p:txBody>
-          <a:bodyPr anchorCtr="0" anchor="ctr" bIns="91425" lIns="91425" spcFirstLastPara="1" rIns="91425" wrap="square" tIns="91425">
+          <a:bodyPr spcFirstLastPara="1" wrap="square" lIns="91425" tIns="91425" rIns="91425" bIns="91425" anchor="ctr" anchorCtr="0">
             <a:normAutofit/>
           </a:bodyPr>
           <a:lstStyle>
@@ -1801,7 +1836,7 @@
             </a:lvl9pPr>
           </a:lstStyle>
           <a:p>
-            <a:pPr indent="0" lvl="0" marL="0" rtl="0" algn="r">
+            <a:pPr marL="0" lvl="0" indent="0" algn="r" rtl="0">
               <a:spcBef>
                 <a:spcPts val="0"/>
               </a:spcBef>
@@ -1827,11 +1862,11 @@
 </file>
 
 <file path=ppt/slideLayouts/slideLayout10.xml><?xml version="1.0" encoding="utf-8"?>
-<p:sldLayout xmlns:a="http://schemas.openxmlformats.org/drawingml/2006/main" xmlns:r="http://schemas.openxmlformats.org/officeDocument/2006/relationships" xmlns:mc="http://schemas.openxmlformats.org/markup-compatibility/2006" xmlns:mv="urn:schemas-microsoft-com:mac:vml" xmlns:p="http://schemas.openxmlformats.org/presentationml/2006/main" xmlns:c="http://schemas.openxmlformats.org/drawingml/2006/chart" xmlns:dgm="http://schemas.openxmlformats.org/drawingml/2006/diagram" xmlns:o="urn:schemas-microsoft-com:office:office" xmlns:v="urn:schemas-microsoft-com:vml" xmlns:pvml="urn:schemas-microsoft-com:office:powerpoint" xmlns:com="http://schemas.openxmlformats.org/drawingml/2006/compatibility" xmlns:p14="http://schemas.microsoft.com/office/powerpoint/2010/main" xmlns:p15="http://schemas.microsoft.com/office/powerpoint/2012/main" xmlns:ahyp="http://schemas.microsoft.com/office/drawing/2018/hyperlinkcolor" matchingName="Big number">
+<p:sldLayout xmlns:a="http://schemas.openxmlformats.org/drawingml/2006/main" xmlns:r="http://schemas.openxmlformats.org/officeDocument/2006/relationships" xmlns:p="http://schemas.openxmlformats.org/presentationml/2006/main" matchingName="Big number">
   <p:cSld name="BIG_NUMBER">
     <p:spTree>
       <p:nvGrpSpPr>
-        <p:cNvPr id="105" name="Shape 105"/>
+        <p:cNvPr id="1" name="Shape 105"/>
         <p:cNvGrpSpPr/>
         <p:nvPr/>
       </p:nvGrpSpPr>
@@ -1870,7 +1905,7 @@
             </a:xfrm>
             <a:prstGeom prst="diagStripe">
               <a:avLst>
-                <a:gd fmla="val 49469" name="adj"/>
+                <a:gd name="adj" fmla="val 49469"/>
               </a:avLst>
             </a:prstGeom>
             <a:solidFill>
@@ -1883,12 +1918,12 @@
             </a:ln>
           </p:spPr>
           <p:txBody>
-            <a:bodyPr anchorCtr="0" anchor="ctr" bIns="91425" lIns="91425" spcFirstLastPara="1" rIns="91425" wrap="square" tIns="91425">
+            <a:bodyPr spcFirstLastPara="1" wrap="square" lIns="91425" tIns="91425" rIns="91425" bIns="91425" anchor="ctr" anchorCtr="0">
               <a:noAutofit/>
             </a:bodyPr>
             <a:lstStyle/>
             <a:p>
-              <a:pPr indent="0" lvl="0" marL="0" rtl="0" algn="l">
+              <a:pPr marL="0" lvl="0" indent="0" algn="l" rtl="0">
                 <a:spcBef>
                   <a:spcPts val="0"/>
                 </a:spcBef>
@@ -1897,9 +1932,6 @@
                 </a:spcAft>
                 <a:buNone/>
               </a:pPr>
-              <a:r>
-                <a:t/>
-              </a:r>
               <a:endParaRPr/>
             </a:p>
           </p:txBody>
@@ -1917,7 +1949,7 @@
             </a:xfrm>
             <a:prstGeom prst="diagStripe">
               <a:avLst>
-                <a:gd fmla="val 0" name="adj"/>
+                <a:gd name="adj" fmla="val 0"/>
               </a:avLst>
             </a:prstGeom>
             <a:solidFill>
@@ -1930,12 +1962,12 @@
             </a:ln>
           </p:spPr>
           <p:txBody>
-            <a:bodyPr anchorCtr="0" anchor="ctr" bIns="91425" lIns="91425" spcFirstLastPara="1" rIns="91425" wrap="square" tIns="91425">
+            <a:bodyPr spcFirstLastPara="1" wrap="square" lIns="91425" tIns="91425" rIns="91425" bIns="91425" anchor="ctr" anchorCtr="0">
               <a:noAutofit/>
             </a:bodyPr>
             <a:lstStyle/>
             <a:p>
-              <a:pPr indent="0" lvl="0" marL="0" rtl="0" algn="l">
+              <a:pPr marL="0" lvl="0" indent="0" algn="l" rtl="0">
                 <a:spcBef>
                   <a:spcPts val="0"/>
                 </a:spcBef>
@@ -1944,9 +1976,6 @@
                 </a:spcAft>
                 <a:buNone/>
               </a:pPr>
-              <a:r>
-                <a:t/>
-              </a:r>
               <a:endParaRPr/>
             </a:p>
           </p:txBody>
@@ -1964,7 +1993,7 @@
             </a:xfrm>
             <a:prstGeom prst="diagStripe">
               <a:avLst>
-                <a:gd fmla="val 50000" name="adj"/>
+                <a:gd name="adj" fmla="val 50000"/>
               </a:avLst>
             </a:prstGeom>
             <a:solidFill>
@@ -1977,12 +2006,12 @@
             </a:ln>
           </p:spPr>
           <p:txBody>
-            <a:bodyPr anchorCtr="0" anchor="ctr" bIns="91425" lIns="91425" spcFirstLastPara="1" rIns="91425" wrap="square" tIns="91425">
+            <a:bodyPr spcFirstLastPara="1" wrap="square" lIns="91425" tIns="91425" rIns="91425" bIns="91425" anchor="ctr" anchorCtr="0">
               <a:noAutofit/>
             </a:bodyPr>
             <a:lstStyle/>
             <a:p>
-              <a:pPr indent="0" lvl="0" marL="0" rtl="0" algn="l">
+              <a:pPr marL="0" lvl="0" indent="0" algn="l" rtl="0">
                 <a:spcBef>
                   <a:spcPts val="0"/>
                 </a:spcBef>
@@ -1991,9 +2020,6 @@
                 </a:spcAft>
                 <a:buNone/>
               </a:pPr>
-              <a:r>
-                <a:t/>
-              </a:r>
               <a:endParaRPr/>
             </a:p>
           </p:txBody>
@@ -2011,7 +2037,7 @@
             </a:xfrm>
             <a:prstGeom prst="diagStripe">
               <a:avLst>
-                <a:gd fmla="val 50000" name="adj"/>
+                <a:gd name="adj" fmla="val 50000"/>
               </a:avLst>
             </a:prstGeom>
             <a:solidFill>
@@ -2024,12 +2050,12 @@
             </a:ln>
           </p:spPr>
           <p:txBody>
-            <a:bodyPr anchorCtr="0" anchor="ctr" bIns="91425" lIns="91425" spcFirstLastPara="1" rIns="91425" wrap="square" tIns="91425">
+            <a:bodyPr spcFirstLastPara="1" wrap="square" lIns="91425" tIns="91425" rIns="91425" bIns="91425" anchor="ctr" anchorCtr="0">
               <a:noAutofit/>
             </a:bodyPr>
             <a:lstStyle/>
             <a:p>
-              <a:pPr indent="0" lvl="0" marL="0" rtl="0" algn="l">
+              <a:pPr marL="0" lvl="0" indent="0" algn="l" rtl="0">
                 <a:spcBef>
                   <a:spcPts val="0"/>
                 </a:spcBef>
@@ -2038,9 +2064,6 @@
                 </a:spcAft>
                 <a:buNone/>
               </a:pPr>
-              <a:r>
-                <a:t/>
-              </a:r>
               <a:endParaRPr/>
             </a:p>
           </p:txBody>
@@ -2058,7 +2081,7 @@
             </a:xfrm>
             <a:prstGeom prst="diagStripe">
               <a:avLst>
-                <a:gd fmla="val 50000" name="adj"/>
+                <a:gd name="adj" fmla="val 50000"/>
               </a:avLst>
             </a:prstGeom>
             <a:solidFill>
@@ -2071,12 +2094,12 @@
             </a:ln>
           </p:spPr>
           <p:txBody>
-            <a:bodyPr anchorCtr="0" anchor="ctr" bIns="91425" lIns="91425" spcFirstLastPara="1" rIns="91425" wrap="square" tIns="91425">
+            <a:bodyPr spcFirstLastPara="1" wrap="square" lIns="91425" tIns="91425" rIns="91425" bIns="91425" anchor="ctr" anchorCtr="0">
               <a:noAutofit/>
             </a:bodyPr>
             <a:lstStyle/>
             <a:p>
-              <a:pPr indent="0" lvl="0" marL="0" rtl="0" algn="l">
+              <a:pPr marL="0" lvl="0" indent="0" algn="l" rtl="0">
                 <a:spcBef>
                   <a:spcPts val="0"/>
                 </a:spcBef>
@@ -2085,9 +2108,6 @@
                 </a:spcAft>
                 <a:buNone/>
               </a:pPr>
-              <a:r>
-                <a:t/>
-              </a:r>
               <a:endParaRPr/>
             </a:p>
           </p:txBody>
@@ -2105,7 +2125,7 @@
             </a:xfrm>
             <a:prstGeom prst="diagStripe">
               <a:avLst>
-                <a:gd fmla="val 50000" name="adj"/>
+                <a:gd name="adj" fmla="val 50000"/>
               </a:avLst>
             </a:prstGeom>
             <a:solidFill>
@@ -2118,12 +2138,12 @@
             </a:ln>
           </p:spPr>
           <p:txBody>
-            <a:bodyPr anchorCtr="0" anchor="ctr" bIns="91425" lIns="91425" spcFirstLastPara="1" rIns="91425" wrap="square" tIns="91425">
+            <a:bodyPr spcFirstLastPara="1" wrap="square" lIns="91425" tIns="91425" rIns="91425" bIns="91425" anchor="ctr" anchorCtr="0">
               <a:noAutofit/>
             </a:bodyPr>
             <a:lstStyle/>
             <a:p>
-              <a:pPr indent="0" lvl="0" marL="0" rtl="0" algn="l">
+              <a:pPr marL="0" lvl="0" indent="0" algn="l" rtl="0">
                 <a:spcBef>
                   <a:spcPts val="0"/>
                 </a:spcBef>
@@ -2132,9 +2152,6 @@
                 </a:spcAft>
                 <a:buNone/>
               </a:pPr>
-              <a:r>
-                <a:t/>
-              </a:r>
               <a:endParaRPr/>
             </a:p>
           </p:txBody>
@@ -2152,7 +2169,7 @@
             </a:xfrm>
             <a:prstGeom prst="diagStripe">
               <a:avLst>
-                <a:gd fmla="val 50000" name="adj"/>
+                <a:gd name="adj" fmla="val 50000"/>
               </a:avLst>
             </a:prstGeom>
             <a:solidFill>
@@ -2165,12 +2182,12 @@
             </a:ln>
           </p:spPr>
           <p:txBody>
-            <a:bodyPr anchorCtr="0" anchor="ctr" bIns="91425" lIns="91425" spcFirstLastPara="1" rIns="91425" wrap="square" tIns="91425">
+            <a:bodyPr spcFirstLastPara="1" wrap="square" lIns="91425" tIns="91425" rIns="91425" bIns="91425" anchor="ctr" anchorCtr="0">
               <a:noAutofit/>
             </a:bodyPr>
             <a:lstStyle/>
             <a:p>
-              <a:pPr indent="0" lvl="0" marL="0" rtl="0" algn="l">
+              <a:pPr marL="0" lvl="0" indent="0" algn="l" rtl="0">
                 <a:spcBef>
                   <a:spcPts val="0"/>
                 </a:spcBef>
@@ -2179,9 +2196,6 @@
                 </a:spcAft>
                 <a:buNone/>
               </a:pPr>
-              <a:r>
-                <a:t/>
-              </a:r>
               <a:endParaRPr/>
             </a:p>
           </p:txBody>
@@ -2199,7 +2213,7 @@
             </a:xfrm>
             <a:prstGeom prst="diagStripe">
               <a:avLst>
-                <a:gd fmla="val 50000" name="adj"/>
+                <a:gd name="adj" fmla="val 50000"/>
               </a:avLst>
             </a:prstGeom>
             <a:solidFill>
@@ -2210,12 +2224,12 @@
             </a:ln>
           </p:spPr>
           <p:txBody>
-            <a:bodyPr anchorCtr="0" anchor="ctr" bIns="91425" lIns="91425" spcFirstLastPara="1" rIns="91425" wrap="square" tIns="91425">
+            <a:bodyPr spcFirstLastPara="1" wrap="square" lIns="91425" tIns="91425" rIns="91425" bIns="91425" anchor="ctr" anchorCtr="0">
               <a:noAutofit/>
             </a:bodyPr>
             <a:lstStyle/>
             <a:p>
-              <a:pPr indent="0" lvl="0" marL="0" rtl="0" algn="l">
+              <a:pPr marL="0" lvl="0" indent="0" algn="l" rtl="0">
                 <a:spcBef>
                   <a:spcPts val="0"/>
                 </a:spcBef>
@@ -2224,9 +2238,6 @@
                 </a:spcAft>
                 <a:buNone/>
               </a:pPr>
-              <a:r>
-                <a:t/>
-              </a:r>
               <a:endParaRPr/>
             </a:p>
           </p:txBody>
@@ -2244,7 +2255,7 @@
             </a:xfrm>
             <a:prstGeom prst="diagStripe">
               <a:avLst>
-                <a:gd fmla="val 50000" name="adj"/>
+                <a:gd name="adj" fmla="val 50000"/>
               </a:avLst>
             </a:prstGeom>
             <a:solidFill>
@@ -2257,12 +2268,12 @@
             </a:ln>
           </p:spPr>
           <p:txBody>
-            <a:bodyPr anchorCtr="0" anchor="ctr" bIns="91425" lIns="91425" spcFirstLastPara="1" rIns="91425" wrap="square" tIns="91425">
+            <a:bodyPr spcFirstLastPara="1" wrap="square" lIns="91425" tIns="91425" rIns="91425" bIns="91425" anchor="ctr" anchorCtr="0">
               <a:noAutofit/>
             </a:bodyPr>
             <a:lstStyle/>
             <a:p>
-              <a:pPr indent="0" lvl="0" marL="0" rtl="0" algn="l">
+              <a:pPr marL="0" lvl="0" indent="0" algn="l" rtl="0">
                 <a:spcBef>
                   <a:spcPts val="0"/>
                 </a:spcBef>
@@ -2271,9 +2282,6 @@
                 </a:spcAft>
                 <a:buNone/>
               </a:pPr>
-              <a:r>
-                <a:t/>
-              </a:r>
               <a:endParaRPr/>
             </a:p>
           </p:txBody>
@@ -2291,7 +2299,7 @@
             </a:xfrm>
             <a:prstGeom prst="diagStripe">
               <a:avLst>
-                <a:gd fmla="val 50000" name="adj"/>
+                <a:gd name="adj" fmla="val 50000"/>
               </a:avLst>
             </a:prstGeom>
             <a:solidFill>
@@ -2304,12 +2312,12 @@
             </a:ln>
           </p:spPr>
           <p:txBody>
-            <a:bodyPr anchorCtr="0" anchor="ctr" bIns="91425" lIns="91425" spcFirstLastPara="1" rIns="91425" wrap="square" tIns="91425">
+            <a:bodyPr spcFirstLastPara="1" wrap="square" lIns="91425" tIns="91425" rIns="91425" bIns="91425" anchor="ctr" anchorCtr="0">
               <a:noAutofit/>
             </a:bodyPr>
             <a:lstStyle/>
             <a:p>
-              <a:pPr indent="0" lvl="0" marL="0" rtl="0" algn="l">
+              <a:pPr marL="0" lvl="0" indent="0" algn="l" rtl="0">
                 <a:spcBef>
                   <a:spcPts val="0"/>
                 </a:spcBef>
@@ -2318,9 +2326,6 @@
                 </a:spcAft>
                 <a:buNone/>
               </a:pPr>
-              <a:r>
-                <a:t/>
-              </a:r>
               <a:endParaRPr/>
             </a:p>
           </p:txBody>
@@ -2338,7 +2343,7 @@
             </a:xfrm>
             <a:prstGeom prst="diagStripe">
               <a:avLst>
-                <a:gd fmla="val 50000" name="adj"/>
+                <a:gd name="adj" fmla="val 50000"/>
               </a:avLst>
             </a:prstGeom>
             <a:solidFill>
@@ -2351,12 +2356,12 @@
             </a:ln>
           </p:spPr>
           <p:txBody>
-            <a:bodyPr anchorCtr="0" anchor="ctr" bIns="91425" lIns="91425" spcFirstLastPara="1" rIns="91425" wrap="square" tIns="91425">
+            <a:bodyPr spcFirstLastPara="1" wrap="square" lIns="91425" tIns="91425" rIns="91425" bIns="91425" anchor="ctr" anchorCtr="0">
               <a:noAutofit/>
             </a:bodyPr>
             <a:lstStyle/>
             <a:p>
-              <a:pPr indent="0" lvl="0" marL="0" rtl="0" algn="l">
+              <a:pPr marL="0" lvl="0" indent="0" algn="l" rtl="0">
                 <a:spcBef>
                   <a:spcPts val="0"/>
                 </a:spcBef>
@@ -2365,9 +2370,6 @@
                 </a:spcAft>
                 <a:buNone/>
               </a:pPr>
-              <a:r>
-                <a:t/>
-              </a:r>
               <a:endParaRPr/>
             </a:p>
           </p:txBody>
@@ -2385,7 +2387,7 @@
             </a:xfrm>
             <a:prstGeom prst="diagStripe">
               <a:avLst>
-                <a:gd fmla="val 50000" name="adj"/>
+                <a:gd name="adj" fmla="val 50000"/>
               </a:avLst>
             </a:prstGeom>
             <a:solidFill>
@@ -2398,12 +2400,12 @@
             </a:ln>
           </p:spPr>
           <p:txBody>
-            <a:bodyPr anchorCtr="0" anchor="ctr" bIns="91425" lIns="91425" spcFirstLastPara="1" rIns="91425" wrap="square" tIns="91425">
+            <a:bodyPr spcFirstLastPara="1" wrap="square" lIns="91425" tIns="91425" rIns="91425" bIns="91425" anchor="ctr" anchorCtr="0">
               <a:noAutofit/>
             </a:bodyPr>
             <a:lstStyle/>
             <a:p>
-              <a:pPr indent="0" lvl="0" marL="0" rtl="0" algn="l">
+              <a:pPr marL="0" lvl="0" indent="0" algn="l" rtl="0">
                 <a:spcBef>
                   <a:spcPts val="0"/>
                 </a:spcBef>
@@ -2412,9 +2414,6 @@
                 </a:spcAft>
                 <a:buNone/>
               </a:pPr>
-              <a:r>
-                <a:t/>
-              </a:r>
               <a:endParaRPr/>
             </a:p>
           </p:txBody>
@@ -2432,7 +2431,7 @@
             </a:xfrm>
             <a:prstGeom prst="diagStripe">
               <a:avLst>
-                <a:gd fmla="val 50000" name="adj"/>
+                <a:gd name="adj" fmla="val 50000"/>
               </a:avLst>
             </a:prstGeom>
             <a:solidFill>
@@ -2445,12 +2444,12 @@
             </a:ln>
           </p:spPr>
           <p:txBody>
-            <a:bodyPr anchorCtr="0" anchor="ctr" bIns="91425" lIns="91425" spcFirstLastPara="1" rIns="91425" wrap="square" tIns="91425">
+            <a:bodyPr spcFirstLastPara="1" wrap="square" lIns="91425" tIns="91425" rIns="91425" bIns="91425" anchor="ctr" anchorCtr="0">
               <a:noAutofit/>
             </a:bodyPr>
             <a:lstStyle/>
             <a:p>
-              <a:pPr indent="0" lvl="0" marL="0" rtl="0" algn="l">
+              <a:pPr marL="0" lvl="0" indent="0" algn="l" rtl="0">
                 <a:spcBef>
                   <a:spcPts val="0"/>
                 </a:spcBef>
@@ -2459,9 +2458,6 @@
                 </a:spcAft>
                 <a:buNone/>
               </a:pPr>
-              <a:r>
-                <a:t/>
-              </a:r>
               <a:endParaRPr/>
             </a:p>
           </p:txBody>
@@ -2479,7 +2475,7 @@
             </a:xfrm>
             <a:prstGeom prst="diagStripe">
               <a:avLst>
-                <a:gd fmla="val 50000" name="adj"/>
+                <a:gd name="adj" fmla="val 50000"/>
               </a:avLst>
             </a:prstGeom>
             <a:solidFill>
@@ -2490,12 +2486,12 @@
             </a:ln>
           </p:spPr>
           <p:txBody>
-            <a:bodyPr anchorCtr="0" anchor="ctr" bIns="91425" lIns="91425" spcFirstLastPara="1" rIns="91425" wrap="square" tIns="91425">
+            <a:bodyPr spcFirstLastPara="1" wrap="square" lIns="91425" tIns="91425" rIns="91425" bIns="91425" anchor="ctr" anchorCtr="0">
               <a:noAutofit/>
             </a:bodyPr>
             <a:lstStyle/>
             <a:p>
-              <a:pPr indent="0" lvl="0" marL="0" rtl="0" algn="l">
+              <a:pPr marL="0" lvl="0" indent="0" algn="l" rtl="0">
                 <a:spcBef>
                   <a:spcPts val="0"/>
                 </a:spcBef>
@@ -2504,9 +2500,6 @@
                 </a:spcAft>
                 <a:buNone/>
               </a:pPr>
-              <a:r>
-                <a:t/>
-              </a:r>
               <a:endParaRPr/>
             </a:p>
           </p:txBody>
@@ -2524,7 +2517,7 @@
             </a:xfrm>
             <a:prstGeom prst="diagStripe">
               <a:avLst>
-                <a:gd fmla="val 50000" name="adj"/>
+                <a:gd name="adj" fmla="val 50000"/>
               </a:avLst>
             </a:prstGeom>
             <a:solidFill>
@@ -2537,12 +2530,12 @@
             </a:ln>
           </p:spPr>
           <p:txBody>
-            <a:bodyPr anchorCtr="0" anchor="ctr" bIns="91425" lIns="91425" spcFirstLastPara="1" rIns="91425" wrap="square" tIns="91425">
+            <a:bodyPr spcFirstLastPara="1" wrap="square" lIns="91425" tIns="91425" rIns="91425" bIns="91425" anchor="ctr" anchorCtr="0">
               <a:noAutofit/>
             </a:bodyPr>
             <a:lstStyle/>
             <a:p>
-              <a:pPr indent="0" lvl="0" marL="0" rtl="0" algn="l">
+              <a:pPr marL="0" lvl="0" indent="0" algn="l" rtl="0">
                 <a:spcBef>
                   <a:spcPts val="0"/>
                 </a:spcBef>
@@ -2551,9 +2544,6 @@
                 </a:spcAft>
                 <a:buNone/>
               </a:pPr>
-              <a:r>
-                <a:t/>
-              </a:r>
               <a:endParaRPr/>
             </a:p>
           </p:txBody>
@@ -2571,7 +2561,7 @@
             </a:xfrm>
             <a:prstGeom prst="diagStripe">
               <a:avLst>
-                <a:gd fmla="val 50000" name="adj"/>
+                <a:gd name="adj" fmla="val 50000"/>
               </a:avLst>
             </a:prstGeom>
             <a:solidFill>
@@ -2584,12 +2574,12 @@
             </a:ln>
           </p:spPr>
           <p:txBody>
-            <a:bodyPr anchorCtr="0" anchor="ctr" bIns="91425" lIns="91425" spcFirstLastPara="1" rIns="91425" wrap="square" tIns="91425">
+            <a:bodyPr spcFirstLastPara="1" wrap="square" lIns="91425" tIns="91425" rIns="91425" bIns="91425" anchor="ctr" anchorCtr="0">
               <a:noAutofit/>
             </a:bodyPr>
             <a:lstStyle/>
             <a:p>
-              <a:pPr indent="0" lvl="0" marL="0" rtl="0" algn="l">
+              <a:pPr marL="0" lvl="0" indent="0" algn="l" rtl="0">
                 <a:spcBef>
                   <a:spcPts val="0"/>
                 </a:spcBef>
@@ -2598,9 +2588,6 @@
                 </a:spcAft>
                 <a:buNone/>
               </a:pPr>
-              <a:r>
-                <a:t/>
-              </a:r>
               <a:endParaRPr/>
             </a:p>
           </p:txBody>
@@ -2618,7 +2605,7 @@
             </a:xfrm>
             <a:prstGeom prst="diagStripe">
               <a:avLst>
-                <a:gd fmla="val 50000" name="adj"/>
+                <a:gd name="adj" fmla="val 50000"/>
               </a:avLst>
             </a:prstGeom>
             <a:solidFill>
@@ -2631,12 +2618,12 @@
             </a:ln>
           </p:spPr>
           <p:txBody>
-            <a:bodyPr anchorCtr="0" anchor="ctr" bIns="91425" lIns="91425" spcFirstLastPara="1" rIns="91425" wrap="square" tIns="91425">
+            <a:bodyPr spcFirstLastPara="1" wrap="square" lIns="91425" tIns="91425" rIns="91425" bIns="91425" anchor="ctr" anchorCtr="0">
               <a:noAutofit/>
             </a:bodyPr>
             <a:lstStyle/>
             <a:p>
-              <a:pPr indent="0" lvl="0" marL="0" rtl="0" algn="l">
+              <a:pPr marL="0" lvl="0" indent="0" algn="l" rtl="0">
                 <a:spcBef>
                   <a:spcPts val="0"/>
                 </a:spcBef>
@@ -2645,9 +2632,6 @@
                 </a:spcAft>
                 <a:buNone/>
               </a:pPr>
-              <a:r>
-                <a:t/>
-              </a:r>
               <a:endParaRPr/>
             </a:p>
           </p:txBody>
@@ -2665,7 +2649,7 @@
             </a:xfrm>
             <a:prstGeom prst="diagStripe">
               <a:avLst>
-                <a:gd fmla="val 50000" name="adj"/>
+                <a:gd name="adj" fmla="val 50000"/>
               </a:avLst>
             </a:prstGeom>
             <a:solidFill>
@@ -2678,12 +2662,12 @@
             </a:ln>
           </p:spPr>
           <p:txBody>
-            <a:bodyPr anchorCtr="0" anchor="ctr" bIns="91425" lIns="91425" spcFirstLastPara="1" rIns="91425" wrap="square" tIns="91425">
+            <a:bodyPr spcFirstLastPara="1" wrap="square" lIns="91425" tIns="91425" rIns="91425" bIns="91425" anchor="ctr" anchorCtr="0">
               <a:noAutofit/>
             </a:bodyPr>
             <a:lstStyle/>
             <a:p>
-              <a:pPr indent="0" lvl="0" marL="0" rtl="0" algn="l">
+              <a:pPr marL="0" lvl="0" indent="0" algn="l" rtl="0">
                 <a:spcBef>
                   <a:spcPts val="0"/>
                 </a:spcBef>
@@ -2692,9 +2676,6 @@
                 </a:spcAft>
                 <a:buNone/>
               </a:pPr>
-              <a:r>
-                <a:t/>
-              </a:r>
               <a:endParaRPr/>
             </a:p>
           </p:txBody>
@@ -2703,9 +2684,11 @@
       <p:sp>
         <p:nvSpPr>
           <p:cNvPr id="125" name="Google Shape;125;p11"/>
-          <p:cNvSpPr txBox="1"/>
+          <p:cNvSpPr txBox="1">
+            <a:spLocks noGrp="1"/>
+          </p:cNvSpPr>
           <p:nvPr>
-            <p:ph hasCustomPrompt="1" type="title"/>
+            <p:ph type="title" hasCustomPrompt="1"/>
           </p:nvPr>
         </p:nvSpPr>
         <p:spPr>
@@ -2718,7 +2701,7 @@
           </a:prstGeom>
         </p:spPr>
         <p:txBody>
-          <a:bodyPr anchorCtr="0" anchor="t" bIns="91425" lIns="91425" spcFirstLastPara="1" rIns="91425" wrap="square" tIns="91425">
+          <a:bodyPr spcFirstLastPara="1" wrap="square" lIns="91425" tIns="91425" rIns="91425" bIns="91425" anchor="t" anchorCtr="0">
             <a:normAutofit/>
           </a:bodyPr>
           <a:lstStyle>
@@ -2832,9 +2815,11 @@
       <p:sp>
         <p:nvSpPr>
           <p:cNvPr id="126" name="Google Shape;126;p11"/>
-          <p:cNvSpPr txBox="1"/>
+          <p:cNvSpPr txBox="1">
+            <a:spLocks noGrp="1"/>
+          </p:cNvSpPr>
           <p:nvPr>
-            <p:ph idx="1" type="body"/>
+            <p:ph type="body" idx="1"/>
           </p:nvPr>
         </p:nvSpPr>
         <p:spPr>
@@ -2847,11 +2832,11 @@
           </a:prstGeom>
         </p:spPr>
         <p:txBody>
-          <a:bodyPr anchorCtr="0" anchor="t" bIns="91425" lIns="91425" spcFirstLastPara="1" rIns="91425" wrap="square" tIns="91425">
+          <a:bodyPr spcFirstLastPara="1" wrap="square" lIns="91425" tIns="91425" rIns="91425" bIns="91425" anchor="t" anchorCtr="0">
             <a:normAutofit/>
           </a:bodyPr>
           <a:lstStyle>
-            <a:lvl1pPr indent="-311150" lvl="0" marL="457200">
+            <a:lvl1pPr marL="457200" lvl="0" indent="-311150">
               <a:spcBef>
                 <a:spcPts val="0"/>
               </a:spcBef>
@@ -2862,7 +2847,7 @@
               <a:buChar char="●"/>
               <a:defRPr/>
             </a:lvl1pPr>
-            <a:lvl2pPr indent="-298450" lvl="1" marL="914400">
+            <a:lvl2pPr marL="914400" lvl="1" indent="-298450">
               <a:spcBef>
                 <a:spcPts val="0"/>
               </a:spcBef>
@@ -2873,7 +2858,7 @@
               <a:buChar char="○"/>
               <a:defRPr/>
             </a:lvl2pPr>
-            <a:lvl3pPr indent="-298450" lvl="2" marL="1371600">
+            <a:lvl3pPr marL="1371600" lvl="2" indent="-298450">
               <a:spcBef>
                 <a:spcPts val="0"/>
               </a:spcBef>
@@ -2884,7 +2869,7 @@
               <a:buChar char="■"/>
               <a:defRPr/>
             </a:lvl3pPr>
-            <a:lvl4pPr indent="-298450" lvl="3" marL="1828800">
+            <a:lvl4pPr marL="1828800" lvl="3" indent="-298450">
               <a:spcBef>
                 <a:spcPts val="0"/>
               </a:spcBef>
@@ -2895,7 +2880,7 @@
               <a:buChar char="●"/>
               <a:defRPr/>
             </a:lvl4pPr>
-            <a:lvl5pPr indent="-298450" lvl="4" marL="2286000">
+            <a:lvl5pPr marL="2286000" lvl="4" indent="-298450">
               <a:spcBef>
                 <a:spcPts val="0"/>
               </a:spcBef>
@@ -2906,7 +2891,7 @@
               <a:buChar char="○"/>
               <a:defRPr/>
             </a:lvl5pPr>
-            <a:lvl6pPr indent="-298450" lvl="5" marL="2743200">
+            <a:lvl6pPr marL="2743200" lvl="5" indent="-298450">
               <a:spcBef>
                 <a:spcPts val="0"/>
               </a:spcBef>
@@ -2917,7 +2902,7 @@
               <a:buChar char="■"/>
               <a:defRPr/>
             </a:lvl6pPr>
-            <a:lvl7pPr indent="-298450" lvl="6" marL="3200400">
+            <a:lvl7pPr marL="3200400" lvl="6" indent="-298450">
               <a:spcBef>
                 <a:spcPts val="0"/>
               </a:spcBef>
@@ -2928,7 +2913,7 @@
               <a:buChar char="●"/>
               <a:defRPr/>
             </a:lvl7pPr>
-            <a:lvl8pPr indent="-298450" lvl="7" marL="3657600">
+            <a:lvl8pPr marL="3657600" lvl="7" indent="-298450">
               <a:spcBef>
                 <a:spcPts val="0"/>
               </a:spcBef>
@@ -2939,7 +2924,7 @@
               <a:buChar char="○"/>
               <a:defRPr/>
             </a:lvl8pPr>
-            <a:lvl9pPr indent="-298450" lvl="8" marL="4114800">
+            <a:lvl9pPr marL="4114800" lvl="8" indent="-298450">
               <a:spcBef>
                 <a:spcPts val="0"/>
               </a:spcBef>
@@ -2951,15 +2936,19 @@
               <a:defRPr/>
             </a:lvl9pPr>
           </a:lstStyle>
-          <a:p/>
+          <a:p>
+            <a:endParaRPr/>
+          </a:p>
         </p:txBody>
       </p:sp>
       <p:sp>
         <p:nvSpPr>
           <p:cNvPr id="127" name="Google Shape;127;p11"/>
-          <p:cNvSpPr txBox="1"/>
+          <p:cNvSpPr txBox="1">
+            <a:spLocks noGrp="1"/>
+          </p:cNvSpPr>
           <p:nvPr>
-            <p:ph idx="12" type="sldNum"/>
+            <p:ph type="sldNum" idx="12"/>
           </p:nvPr>
         </p:nvSpPr>
         <p:spPr>
@@ -2972,7 +2961,7 @@
           </a:prstGeom>
         </p:spPr>
         <p:txBody>
-          <a:bodyPr anchorCtr="0" anchor="ctr" bIns="91425" lIns="91425" spcFirstLastPara="1" rIns="91425" wrap="square" tIns="91425">
+          <a:bodyPr spcFirstLastPara="1" wrap="square" lIns="91425" tIns="91425" rIns="91425" bIns="91425" anchor="ctr" anchorCtr="0">
             <a:normAutofit/>
           </a:bodyPr>
           <a:lstStyle>
@@ -3014,7 +3003,7 @@
             </a:lvl9pPr>
           </a:lstStyle>
           <a:p>
-            <a:pPr indent="0" lvl="0" marL="0" rtl="0" algn="r">
+            <a:pPr marL="0" lvl="0" indent="0" algn="r" rtl="0">
               <a:spcBef>
                 <a:spcPts val="0"/>
               </a:spcBef>
@@ -3040,11 +3029,11 @@
 </file>
 
 <file path=ppt/slideLayouts/slideLayout11.xml><?xml version="1.0" encoding="utf-8"?>
-<p:sldLayout xmlns:a="http://schemas.openxmlformats.org/drawingml/2006/main" xmlns:r="http://schemas.openxmlformats.org/officeDocument/2006/relationships" xmlns:mc="http://schemas.openxmlformats.org/markup-compatibility/2006" xmlns:mv="urn:schemas-microsoft-com:mac:vml" xmlns:p="http://schemas.openxmlformats.org/presentationml/2006/main" xmlns:c="http://schemas.openxmlformats.org/drawingml/2006/chart" xmlns:dgm="http://schemas.openxmlformats.org/drawingml/2006/diagram" xmlns:o="urn:schemas-microsoft-com:office:office" xmlns:v="urn:schemas-microsoft-com:vml" xmlns:pvml="urn:schemas-microsoft-com:office:powerpoint" xmlns:com="http://schemas.openxmlformats.org/drawingml/2006/compatibility" xmlns:p14="http://schemas.microsoft.com/office/powerpoint/2010/main" xmlns:p15="http://schemas.microsoft.com/office/powerpoint/2012/main" xmlns:ahyp="http://schemas.microsoft.com/office/drawing/2018/hyperlinkcolor" matchingName="Blank" type="blank">
+<p:sldLayout xmlns:a="http://schemas.openxmlformats.org/drawingml/2006/main" xmlns:r="http://schemas.openxmlformats.org/officeDocument/2006/relationships" xmlns:p="http://schemas.openxmlformats.org/presentationml/2006/main" matchingName="Blank" type="blank">
   <p:cSld name="BLANK">
     <p:spTree>
       <p:nvGrpSpPr>
-        <p:cNvPr id="128" name="Shape 128"/>
+        <p:cNvPr id="1" name="Shape 128"/>
         <p:cNvGrpSpPr/>
         <p:nvPr/>
       </p:nvGrpSpPr>
@@ -3059,9 +3048,11 @@
       <p:sp>
         <p:nvSpPr>
           <p:cNvPr id="129" name="Google Shape;129;p12"/>
-          <p:cNvSpPr txBox="1"/>
+          <p:cNvSpPr txBox="1">
+            <a:spLocks noGrp="1"/>
+          </p:cNvSpPr>
           <p:nvPr>
-            <p:ph idx="12" type="sldNum"/>
+            <p:ph type="sldNum" idx="12"/>
           </p:nvPr>
         </p:nvSpPr>
         <p:spPr>
@@ -3074,7 +3065,7 @@
           </a:prstGeom>
         </p:spPr>
         <p:txBody>
-          <a:bodyPr anchorCtr="0" anchor="ctr" bIns="91425" lIns="91425" spcFirstLastPara="1" rIns="91425" wrap="square" tIns="91425">
+          <a:bodyPr spcFirstLastPara="1" wrap="square" lIns="91425" tIns="91425" rIns="91425" bIns="91425" anchor="ctr" anchorCtr="0">
             <a:normAutofit/>
           </a:bodyPr>
           <a:lstStyle>
@@ -3116,7 +3107,7 @@
             </a:lvl9pPr>
           </a:lstStyle>
           <a:p>
-            <a:pPr indent="0" lvl="0" marL="0" rtl="0" algn="r">
+            <a:pPr marL="0" lvl="0" indent="0" algn="r" rtl="0">
               <a:spcBef>
                 <a:spcPts val="0"/>
               </a:spcBef>
@@ -3142,11 +3133,11 @@
 </file>
 
 <file path=ppt/slideLayouts/slideLayout2.xml><?xml version="1.0" encoding="utf-8"?>
-<p:sldLayout xmlns:a="http://schemas.openxmlformats.org/drawingml/2006/main" xmlns:r="http://schemas.openxmlformats.org/officeDocument/2006/relationships" xmlns:mc="http://schemas.openxmlformats.org/markup-compatibility/2006" xmlns:mv="urn:schemas-microsoft-com:mac:vml" xmlns:p="http://schemas.openxmlformats.org/presentationml/2006/main" xmlns:c="http://schemas.openxmlformats.org/drawingml/2006/chart" xmlns:dgm="http://schemas.openxmlformats.org/drawingml/2006/diagram" xmlns:o="urn:schemas-microsoft-com:office:office" xmlns:v="urn:schemas-microsoft-com:vml" xmlns:pvml="urn:schemas-microsoft-com:office:powerpoint" xmlns:com="http://schemas.openxmlformats.org/drawingml/2006/compatibility" xmlns:p14="http://schemas.microsoft.com/office/powerpoint/2010/main" xmlns:p15="http://schemas.microsoft.com/office/powerpoint/2012/main" xmlns:ahyp="http://schemas.microsoft.com/office/drawing/2018/hyperlinkcolor" matchingName="Section header" type="secHead">
+<p:sldLayout xmlns:a="http://schemas.openxmlformats.org/drawingml/2006/main" xmlns:r="http://schemas.openxmlformats.org/officeDocument/2006/relationships" xmlns:p="http://schemas.openxmlformats.org/presentationml/2006/main" matchingName="Section header" type="secHead">
   <p:cSld name="SECTION_HEADER">
     <p:spTree>
       <p:nvGrpSpPr>
-        <p:cNvPr id="19" name="Shape 19"/>
+        <p:cNvPr id="1" name="Shape 19"/>
         <p:cNvGrpSpPr/>
         <p:nvPr/>
       </p:nvGrpSpPr>
@@ -3185,7 +3176,7 @@
             </a:xfrm>
             <a:prstGeom prst="diagStripe">
               <a:avLst>
-                <a:gd fmla="val 49469" name="adj"/>
+                <a:gd name="adj" fmla="val 49469"/>
               </a:avLst>
             </a:prstGeom>
             <a:solidFill>
@@ -3198,12 +3189,12 @@
             </a:ln>
           </p:spPr>
           <p:txBody>
-            <a:bodyPr anchorCtr="0" anchor="ctr" bIns="91425" lIns="91425" spcFirstLastPara="1" rIns="91425" wrap="square" tIns="91425">
+            <a:bodyPr spcFirstLastPara="1" wrap="square" lIns="91425" tIns="91425" rIns="91425" bIns="91425" anchor="ctr" anchorCtr="0">
               <a:noAutofit/>
             </a:bodyPr>
             <a:lstStyle/>
             <a:p>
-              <a:pPr indent="0" lvl="0" marL="0" rtl="0" algn="l">
+              <a:pPr marL="0" lvl="0" indent="0" algn="l" rtl="0">
                 <a:spcBef>
                   <a:spcPts val="0"/>
                 </a:spcBef>
@@ -3212,9 +3203,6 @@
                 </a:spcAft>
                 <a:buNone/>
               </a:pPr>
-              <a:r>
-                <a:t/>
-              </a:r>
               <a:endParaRPr/>
             </a:p>
           </p:txBody>
@@ -3232,7 +3220,7 @@
             </a:xfrm>
             <a:prstGeom prst="diagStripe">
               <a:avLst>
-                <a:gd fmla="val 0" name="adj"/>
+                <a:gd name="adj" fmla="val 0"/>
               </a:avLst>
             </a:prstGeom>
             <a:solidFill>
@@ -3245,12 +3233,12 @@
             </a:ln>
           </p:spPr>
           <p:txBody>
-            <a:bodyPr anchorCtr="0" anchor="ctr" bIns="91425" lIns="91425" spcFirstLastPara="1" rIns="91425" wrap="square" tIns="91425">
+            <a:bodyPr spcFirstLastPara="1" wrap="square" lIns="91425" tIns="91425" rIns="91425" bIns="91425" anchor="ctr" anchorCtr="0">
               <a:noAutofit/>
             </a:bodyPr>
             <a:lstStyle/>
             <a:p>
-              <a:pPr indent="0" lvl="0" marL="0" rtl="0" algn="l">
+              <a:pPr marL="0" lvl="0" indent="0" algn="l" rtl="0">
                 <a:spcBef>
                   <a:spcPts val="0"/>
                 </a:spcBef>
@@ -3259,9 +3247,6 @@
                 </a:spcAft>
                 <a:buNone/>
               </a:pPr>
-              <a:r>
-                <a:t/>
-              </a:r>
               <a:endParaRPr/>
             </a:p>
           </p:txBody>
@@ -3279,7 +3264,7 @@
             </a:xfrm>
             <a:prstGeom prst="diagStripe">
               <a:avLst>
-                <a:gd fmla="val 50000" name="adj"/>
+                <a:gd name="adj" fmla="val 50000"/>
               </a:avLst>
             </a:prstGeom>
             <a:solidFill>
@@ -3292,12 +3277,12 @@
             </a:ln>
           </p:spPr>
           <p:txBody>
-            <a:bodyPr anchorCtr="0" anchor="ctr" bIns="91425" lIns="91425" spcFirstLastPara="1" rIns="91425" wrap="square" tIns="91425">
+            <a:bodyPr spcFirstLastPara="1" wrap="square" lIns="91425" tIns="91425" rIns="91425" bIns="91425" anchor="ctr" anchorCtr="0">
               <a:noAutofit/>
             </a:bodyPr>
             <a:lstStyle/>
             <a:p>
-              <a:pPr indent="0" lvl="0" marL="0" rtl="0" algn="l">
+              <a:pPr marL="0" lvl="0" indent="0" algn="l" rtl="0">
                 <a:spcBef>
                   <a:spcPts val="0"/>
                 </a:spcBef>
@@ -3306,9 +3291,6 @@
                 </a:spcAft>
                 <a:buNone/>
               </a:pPr>
-              <a:r>
-                <a:t/>
-              </a:r>
               <a:endParaRPr/>
             </a:p>
           </p:txBody>
@@ -3326,7 +3308,7 @@
             </a:xfrm>
             <a:prstGeom prst="diagStripe">
               <a:avLst>
-                <a:gd fmla="val 50000" name="adj"/>
+                <a:gd name="adj" fmla="val 50000"/>
               </a:avLst>
             </a:prstGeom>
             <a:solidFill>
@@ -3339,12 +3321,12 @@
             </a:ln>
           </p:spPr>
           <p:txBody>
-            <a:bodyPr anchorCtr="0" anchor="ctr" bIns="91425" lIns="91425" spcFirstLastPara="1" rIns="91425" wrap="square" tIns="91425">
+            <a:bodyPr spcFirstLastPara="1" wrap="square" lIns="91425" tIns="91425" rIns="91425" bIns="91425" anchor="ctr" anchorCtr="0">
               <a:noAutofit/>
             </a:bodyPr>
             <a:lstStyle/>
             <a:p>
-              <a:pPr indent="0" lvl="0" marL="0" rtl="0" algn="l">
+              <a:pPr marL="0" lvl="0" indent="0" algn="l" rtl="0">
                 <a:spcBef>
                   <a:spcPts val="0"/>
                 </a:spcBef>
@@ -3353,9 +3335,6 @@
                 </a:spcAft>
                 <a:buNone/>
               </a:pPr>
-              <a:r>
-                <a:t/>
-              </a:r>
               <a:endParaRPr/>
             </a:p>
           </p:txBody>
@@ -3373,7 +3352,7 @@
             </a:xfrm>
             <a:prstGeom prst="diagStripe">
               <a:avLst>
-                <a:gd fmla="val 50000" name="adj"/>
+                <a:gd name="adj" fmla="val 50000"/>
               </a:avLst>
             </a:prstGeom>
             <a:solidFill>
@@ -3386,12 +3365,12 @@
             </a:ln>
           </p:spPr>
           <p:txBody>
-            <a:bodyPr anchorCtr="0" anchor="ctr" bIns="91425" lIns="91425" spcFirstLastPara="1" rIns="91425" wrap="square" tIns="91425">
+            <a:bodyPr spcFirstLastPara="1" wrap="square" lIns="91425" tIns="91425" rIns="91425" bIns="91425" anchor="ctr" anchorCtr="0">
               <a:noAutofit/>
             </a:bodyPr>
             <a:lstStyle/>
             <a:p>
-              <a:pPr indent="0" lvl="0" marL="0" rtl="0" algn="l">
+              <a:pPr marL="0" lvl="0" indent="0" algn="l" rtl="0">
                 <a:spcBef>
                   <a:spcPts val="0"/>
                 </a:spcBef>
@@ -3400,9 +3379,6 @@
                 </a:spcAft>
                 <a:buNone/>
               </a:pPr>
-              <a:r>
-                <a:t/>
-              </a:r>
               <a:endParaRPr/>
             </a:p>
           </p:txBody>
@@ -3420,7 +3396,7 @@
             </a:xfrm>
             <a:prstGeom prst="diagStripe">
               <a:avLst>
-                <a:gd fmla="val 50000" name="adj"/>
+                <a:gd name="adj" fmla="val 50000"/>
               </a:avLst>
             </a:prstGeom>
             <a:solidFill>
@@ -3433,12 +3409,12 @@
             </a:ln>
           </p:spPr>
           <p:txBody>
-            <a:bodyPr anchorCtr="0" anchor="ctr" bIns="91425" lIns="91425" spcFirstLastPara="1" rIns="91425" wrap="square" tIns="91425">
+            <a:bodyPr spcFirstLastPara="1" wrap="square" lIns="91425" tIns="91425" rIns="91425" bIns="91425" anchor="ctr" anchorCtr="0">
               <a:noAutofit/>
             </a:bodyPr>
             <a:lstStyle/>
             <a:p>
-              <a:pPr indent="0" lvl="0" marL="0" rtl="0" algn="l">
+              <a:pPr marL="0" lvl="0" indent="0" algn="l" rtl="0">
                 <a:spcBef>
                   <a:spcPts val="0"/>
                 </a:spcBef>
@@ -3447,9 +3423,6 @@
                 </a:spcAft>
                 <a:buNone/>
               </a:pPr>
-              <a:r>
-                <a:t/>
-              </a:r>
               <a:endParaRPr/>
             </a:p>
           </p:txBody>
@@ -3467,7 +3440,7 @@
             </a:xfrm>
             <a:prstGeom prst="diagStripe">
               <a:avLst>
-                <a:gd fmla="val 50000" name="adj"/>
+                <a:gd name="adj" fmla="val 50000"/>
               </a:avLst>
             </a:prstGeom>
             <a:solidFill>
@@ -3480,12 +3453,12 @@
             </a:ln>
           </p:spPr>
           <p:txBody>
-            <a:bodyPr anchorCtr="0" anchor="ctr" bIns="91425" lIns="91425" spcFirstLastPara="1" rIns="91425" wrap="square" tIns="91425">
+            <a:bodyPr spcFirstLastPara="1" wrap="square" lIns="91425" tIns="91425" rIns="91425" bIns="91425" anchor="ctr" anchorCtr="0">
               <a:noAutofit/>
             </a:bodyPr>
             <a:lstStyle/>
             <a:p>
-              <a:pPr indent="0" lvl="0" marL="0" rtl="0" algn="l">
+              <a:pPr marL="0" lvl="0" indent="0" algn="l" rtl="0">
                 <a:spcBef>
                   <a:spcPts val="0"/>
                 </a:spcBef>
@@ -3494,9 +3467,6 @@
                 </a:spcAft>
                 <a:buNone/>
               </a:pPr>
-              <a:r>
-                <a:t/>
-              </a:r>
               <a:endParaRPr/>
             </a:p>
           </p:txBody>
@@ -3514,7 +3484,7 @@
             </a:xfrm>
             <a:prstGeom prst="diagStripe">
               <a:avLst>
-                <a:gd fmla="val 50000" name="adj"/>
+                <a:gd name="adj" fmla="val 50000"/>
               </a:avLst>
             </a:prstGeom>
             <a:solidFill>
@@ -3525,12 +3495,12 @@
             </a:ln>
           </p:spPr>
           <p:txBody>
-            <a:bodyPr anchorCtr="0" anchor="ctr" bIns="91425" lIns="91425" spcFirstLastPara="1" rIns="91425" wrap="square" tIns="91425">
+            <a:bodyPr spcFirstLastPara="1" wrap="square" lIns="91425" tIns="91425" rIns="91425" bIns="91425" anchor="ctr" anchorCtr="0">
               <a:noAutofit/>
             </a:bodyPr>
             <a:lstStyle/>
             <a:p>
-              <a:pPr indent="0" lvl="0" marL="0" rtl="0" algn="l">
+              <a:pPr marL="0" lvl="0" indent="0" algn="l" rtl="0">
                 <a:spcBef>
                   <a:spcPts val="0"/>
                 </a:spcBef>
@@ -3539,9 +3509,6 @@
                 </a:spcAft>
                 <a:buNone/>
               </a:pPr>
-              <a:r>
-                <a:t/>
-              </a:r>
               <a:endParaRPr/>
             </a:p>
           </p:txBody>
@@ -3559,7 +3526,7 @@
             </a:xfrm>
             <a:prstGeom prst="diagStripe">
               <a:avLst>
-                <a:gd fmla="val 50000" name="adj"/>
+                <a:gd name="adj" fmla="val 50000"/>
               </a:avLst>
             </a:prstGeom>
             <a:solidFill>
@@ -3572,12 +3539,12 @@
             </a:ln>
           </p:spPr>
           <p:txBody>
-            <a:bodyPr anchorCtr="0" anchor="ctr" bIns="91425" lIns="91425" spcFirstLastPara="1" rIns="91425" wrap="square" tIns="91425">
+            <a:bodyPr spcFirstLastPara="1" wrap="square" lIns="91425" tIns="91425" rIns="91425" bIns="91425" anchor="ctr" anchorCtr="0">
               <a:noAutofit/>
             </a:bodyPr>
             <a:lstStyle/>
             <a:p>
-              <a:pPr indent="0" lvl="0" marL="0" rtl="0" algn="l">
+              <a:pPr marL="0" lvl="0" indent="0" algn="l" rtl="0">
                 <a:spcBef>
                   <a:spcPts val="0"/>
                 </a:spcBef>
@@ -3586,9 +3553,6 @@
                 </a:spcAft>
                 <a:buNone/>
               </a:pPr>
-              <a:r>
-                <a:t/>
-              </a:r>
               <a:endParaRPr/>
             </a:p>
           </p:txBody>
@@ -3606,7 +3570,7 @@
             </a:xfrm>
             <a:prstGeom prst="diagStripe">
               <a:avLst>
-                <a:gd fmla="val 50000" name="adj"/>
+                <a:gd name="adj" fmla="val 50000"/>
               </a:avLst>
             </a:prstGeom>
             <a:solidFill>
@@ -3619,12 +3583,12 @@
             </a:ln>
           </p:spPr>
           <p:txBody>
-            <a:bodyPr anchorCtr="0" anchor="ctr" bIns="91425" lIns="91425" spcFirstLastPara="1" rIns="91425" wrap="square" tIns="91425">
+            <a:bodyPr spcFirstLastPara="1" wrap="square" lIns="91425" tIns="91425" rIns="91425" bIns="91425" anchor="ctr" anchorCtr="0">
               <a:noAutofit/>
             </a:bodyPr>
             <a:lstStyle/>
             <a:p>
-              <a:pPr indent="0" lvl="0" marL="0" rtl="0" algn="l">
+              <a:pPr marL="0" lvl="0" indent="0" algn="l" rtl="0">
                 <a:spcBef>
                   <a:spcPts val="0"/>
                 </a:spcBef>
@@ -3633,9 +3597,6 @@
                 </a:spcAft>
                 <a:buNone/>
               </a:pPr>
-              <a:r>
-                <a:t/>
-              </a:r>
               <a:endParaRPr/>
             </a:p>
           </p:txBody>
@@ -3653,7 +3614,7 @@
             </a:xfrm>
             <a:prstGeom prst="diagStripe">
               <a:avLst>
-                <a:gd fmla="val 50000" name="adj"/>
+                <a:gd name="adj" fmla="val 50000"/>
               </a:avLst>
             </a:prstGeom>
             <a:solidFill>
@@ -3666,12 +3627,12 @@
             </a:ln>
           </p:spPr>
           <p:txBody>
-            <a:bodyPr anchorCtr="0" anchor="ctr" bIns="91425" lIns="91425" spcFirstLastPara="1" rIns="91425" wrap="square" tIns="91425">
+            <a:bodyPr spcFirstLastPara="1" wrap="square" lIns="91425" tIns="91425" rIns="91425" bIns="91425" anchor="ctr" anchorCtr="0">
               <a:noAutofit/>
             </a:bodyPr>
             <a:lstStyle/>
             <a:p>
-              <a:pPr indent="0" lvl="0" marL="0" rtl="0" algn="l">
+              <a:pPr marL="0" lvl="0" indent="0" algn="l" rtl="0">
                 <a:spcBef>
                   <a:spcPts val="0"/>
                 </a:spcBef>
@@ -3680,9 +3641,6 @@
                 </a:spcAft>
                 <a:buNone/>
               </a:pPr>
-              <a:r>
-                <a:t/>
-              </a:r>
               <a:endParaRPr/>
             </a:p>
           </p:txBody>
@@ -3700,7 +3658,7 @@
             </a:xfrm>
             <a:prstGeom prst="diagStripe">
               <a:avLst>
-                <a:gd fmla="val 50000" name="adj"/>
+                <a:gd name="adj" fmla="val 50000"/>
               </a:avLst>
             </a:prstGeom>
             <a:solidFill>
@@ -3713,12 +3671,12 @@
             </a:ln>
           </p:spPr>
           <p:txBody>
-            <a:bodyPr anchorCtr="0" anchor="ctr" bIns="91425" lIns="91425" spcFirstLastPara="1" rIns="91425" wrap="square" tIns="91425">
+            <a:bodyPr spcFirstLastPara="1" wrap="square" lIns="91425" tIns="91425" rIns="91425" bIns="91425" anchor="ctr" anchorCtr="0">
               <a:noAutofit/>
             </a:bodyPr>
             <a:lstStyle/>
             <a:p>
-              <a:pPr indent="0" lvl="0" marL="0" rtl="0" algn="l">
+              <a:pPr marL="0" lvl="0" indent="0" algn="l" rtl="0">
                 <a:spcBef>
                   <a:spcPts val="0"/>
                 </a:spcBef>
@@ -3727,9 +3685,6 @@
                 </a:spcAft>
                 <a:buNone/>
               </a:pPr>
-              <a:r>
-                <a:t/>
-              </a:r>
               <a:endParaRPr/>
             </a:p>
           </p:txBody>
@@ -3747,7 +3702,7 @@
             </a:xfrm>
             <a:prstGeom prst="diagStripe">
               <a:avLst>
-                <a:gd fmla="val 50000" name="adj"/>
+                <a:gd name="adj" fmla="val 50000"/>
               </a:avLst>
             </a:prstGeom>
             <a:solidFill>
@@ -3760,12 +3715,12 @@
             </a:ln>
           </p:spPr>
           <p:txBody>
-            <a:bodyPr anchorCtr="0" anchor="ctr" bIns="91425" lIns="91425" spcFirstLastPara="1" rIns="91425" wrap="square" tIns="91425">
+            <a:bodyPr spcFirstLastPara="1" wrap="square" lIns="91425" tIns="91425" rIns="91425" bIns="91425" anchor="ctr" anchorCtr="0">
               <a:noAutofit/>
             </a:bodyPr>
             <a:lstStyle/>
             <a:p>
-              <a:pPr indent="0" lvl="0" marL="0" rtl="0" algn="l">
+              <a:pPr marL="0" lvl="0" indent="0" algn="l" rtl="0">
                 <a:spcBef>
                   <a:spcPts val="0"/>
                 </a:spcBef>
@@ -3774,9 +3729,6 @@
                 </a:spcAft>
                 <a:buNone/>
               </a:pPr>
-              <a:r>
-                <a:t/>
-              </a:r>
               <a:endParaRPr/>
             </a:p>
           </p:txBody>
@@ -3794,7 +3746,7 @@
             </a:xfrm>
             <a:prstGeom prst="diagStripe">
               <a:avLst>
-                <a:gd fmla="val 50000" name="adj"/>
+                <a:gd name="adj" fmla="val 50000"/>
               </a:avLst>
             </a:prstGeom>
             <a:solidFill>
@@ -3805,12 +3757,12 @@
             </a:ln>
           </p:spPr>
           <p:txBody>
-            <a:bodyPr anchorCtr="0" anchor="ctr" bIns="91425" lIns="91425" spcFirstLastPara="1" rIns="91425" wrap="square" tIns="91425">
+            <a:bodyPr spcFirstLastPara="1" wrap="square" lIns="91425" tIns="91425" rIns="91425" bIns="91425" anchor="ctr" anchorCtr="0">
               <a:noAutofit/>
             </a:bodyPr>
             <a:lstStyle/>
             <a:p>
-              <a:pPr indent="0" lvl="0" marL="0" rtl="0" algn="l">
+              <a:pPr marL="0" lvl="0" indent="0" algn="l" rtl="0">
                 <a:spcBef>
                   <a:spcPts val="0"/>
                 </a:spcBef>
@@ -3819,9 +3771,6 @@
                 </a:spcAft>
                 <a:buNone/>
               </a:pPr>
-              <a:r>
-                <a:t/>
-              </a:r>
               <a:endParaRPr/>
             </a:p>
           </p:txBody>
@@ -3839,7 +3788,7 @@
             </a:xfrm>
             <a:prstGeom prst="diagStripe">
               <a:avLst>
-                <a:gd fmla="val 50000" name="adj"/>
+                <a:gd name="adj" fmla="val 50000"/>
               </a:avLst>
             </a:prstGeom>
             <a:solidFill>
@@ -3852,12 +3801,12 @@
             </a:ln>
           </p:spPr>
           <p:txBody>
-            <a:bodyPr anchorCtr="0" anchor="ctr" bIns="91425" lIns="91425" spcFirstLastPara="1" rIns="91425" wrap="square" tIns="91425">
+            <a:bodyPr spcFirstLastPara="1" wrap="square" lIns="91425" tIns="91425" rIns="91425" bIns="91425" anchor="ctr" anchorCtr="0">
               <a:noAutofit/>
             </a:bodyPr>
             <a:lstStyle/>
             <a:p>
-              <a:pPr indent="0" lvl="0" marL="0" rtl="0" algn="l">
+              <a:pPr marL="0" lvl="0" indent="0" algn="l" rtl="0">
                 <a:spcBef>
                   <a:spcPts val="0"/>
                 </a:spcBef>
@@ -3866,9 +3815,6 @@
                 </a:spcAft>
                 <a:buNone/>
               </a:pPr>
-              <a:r>
-                <a:t/>
-              </a:r>
               <a:endParaRPr/>
             </a:p>
           </p:txBody>
@@ -3886,7 +3832,7 @@
             </a:xfrm>
             <a:prstGeom prst="diagStripe">
               <a:avLst>
-                <a:gd fmla="val 50000" name="adj"/>
+                <a:gd name="adj" fmla="val 50000"/>
               </a:avLst>
             </a:prstGeom>
             <a:solidFill>
@@ -3899,12 +3845,12 @@
             </a:ln>
           </p:spPr>
           <p:txBody>
-            <a:bodyPr anchorCtr="0" anchor="ctr" bIns="91425" lIns="91425" spcFirstLastPara="1" rIns="91425" wrap="square" tIns="91425">
+            <a:bodyPr spcFirstLastPara="1" wrap="square" lIns="91425" tIns="91425" rIns="91425" bIns="91425" anchor="ctr" anchorCtr="0">
               <a:noAutofit/>
             </a:bodyPr>
             <a:lstStyle/>
             <a:p>
-              <a:pPr indent="0" lvl="0" marL="0" rtl="0" algn="l">
+              <a:pPr marL="0" lvl="0" indent="0" algn="l" rtl="0">
                 <a:spcBef>
                   <a:spcPts val="0"/>
                 </a:spcBef>
@@ -3913,9 +3859,6 @@
                 </a:spcAft>
                 <a:buNone/>
               </a:pPr>
-              <a:r>
-                <a:t/>
-              </a:r>
               <a:endParaRPr/>
             </a:p>
           </p:txBody>
@@ -3933,7 +3876,7 @@
             </a:xfrm>
             <a:prstGeom prst="diagStripe">
               <a:avLst>
-                <a:gd fmla="val 50000" name="adj"/>
+                <a:gd name="adj" fmla="val 50000"/>
               </a:avLst>
             </a:prstGeom>
             <a:solidFill>
@@ -3946,12 +3889,12 @@
             </a:ln>
           </p:spPr>
           <p:txBody>
-            <a:bodyPr anchorCtr="0" anchor="ctr" bIns="91425" lIns="91425" spcFirstLastPara="1" rIns="91425" wrap="square" tIns="91425">
+            <a:bodyPr spcFirstLastPara="1" wrap="square" lIns="91425" tIns="91425" rIns="91425" bIns="91425" anchor="ctr" anchorCtr="0">
               <a:noAutofit/>
             </a:bodyPr>
             <a:lstStyle/>
             <a:p>
-              <a:pPr indent="0" lvl="0" marL="0" rtl="0" algn="l">
+              <a:pPr marL="0" lvl="0" indent="0" algn="l" rtl="0">
                 <a:spcBef>
                   <a:spcPts val="0"/>
                 </a:spcBef>
@@ -3960,9 +3903,6 @@
                 </a:spcAft>
                 <a:buNone/>
               </a:pPr>
-              <a:r>
-                <a:t/>
-              </a:r>
               <a:endParaRPr/>
             </a:p>
           </p:txBody>
@@ -3980,7 +3920,7 @@
             </a:xfrm>
             <a:prstGeom prst="diagStripe">
               <a:avLst>
-                <a:gd fmla="val 50000" name="adj"/>
+                <a:gd name="adj" fmla="val 50000"/>
               </a:avLst>
             </a:prstGeom>
             <a:solidFill>
@@ -3993,12 +3933,12 @@
             </a:ln>
           </p:spPr>
           <p:txBody>
-            <a:bodyPr anchorCtr="0" anchor="ctr" bIns="91425" lIns="91425" spcFirstLastPara="1" rIns="91425" wrap="square" tIns="91425">
+            <a:bodyPr spcFirstLastPara="1" wrap="square" lIns="91425" tIns="91425" rIns="91425" bIns="91425" anchor="ctr" anchorCtr="0">
               <a:noAutofit/>
             </a:bodyPr>
             <a:lstStyle/>
             <a:p>
-              <a:pPr indent="0" lvl="0" marL="0" rtl="0" algn="l">
+              <a:pPr marL="0" lvl="0" indent="0" algn="l" rtl="0">
                 <a:spcBef>
                   <a:spcPts val="0"/>
                 </a:spcBef>
@@ -4007,9 +3947,6 @@
                 </a:spcAft>
                 <a:buNone/>
               </a:pPr>
-              <a:r>
-                <a:t/>
-              </a:r>
               <a:endParaRPr/>
             </a:p>
           </p:txBody>
@@ -4018,7 +3955,9 @@
       <p:sp>
         <p:nvSpPr>
           <p:cNvPr id="39" name="Google Shape;39;p3"/>
-          <p:cNvSpPr txBox="1"/>
+          <p:cNvSpPr txBox="1">
+            <a:spLocks noGrp="1"/>
+          </p:cNvSpPr>
           <p:nvPr>
             <p:ph type="title"/>
           </p:nvPr>
@@ -4033,7 +3972,7 @@
           </a:prstGeom>
         </p:spPr>
         <p:txBody>
-          <a:bodyPr anchorCtr="0" anchor="ctr" bIns="91425" lIns="91425" spcFirstLastPara="1" rIns="91425" wrap="square" tIns="91425">
+          <a:bodyPr spcFirstLastPara="1" wrap="square" lIns="91425" tIns="91425" rIns="91425" bIns="91425" anchor="ctr" anchorCtr="0">
             <a:normAutofit/>
           </a:bodyPr>
           <a:lstStyle>
@@ -4137,15 +4076,19 @@
               <a:defRPr/>
             </a:lvl9pPr>
           </a:lstStyle>
-          <a:p/>
+          <a:p>
+            <a:endParaRPr/>
+          </a:p>
         </p:txBody>
       </p:sp>
       <p:sp>
         <p:nvSpPr>
           <p:cNvPr id="40" name="Google Shape;40;p3"/>
-          <p:cNvSpPr txBox="1"/>
+          <p:cNvSpPr txBox="1">
+            <a:spLocks noGrp="1"/>
+          </p:cNvSpPr>
           <p:nvPr>
-            <p:ph idx="12" type="sldNum"/>
+            <p:ph type="sldNum" idx="12"/>
           </p:nvPr>
         </p:nvSpPr>
         <p:spPr>
@@ -4158,7 +4101,7 @@
           </a:prstGeom>
         </p:spPr>
         <p:txBody>
-          <a:bodyPr anchorCtr="0" anchor="ctr" bIns="91425" lIns="91425" spcFirstLastPara="1" rIns="91425" wrap="square" tIns="91425">
+          <a:bodyPr spcFirstLastPara="1" wrap="square" lIns="91425" tIns="91425" rIns="91425" bIns="91425" anchor="ctr" anchorCtr="0">
             <a:normAutofit/>
           </a:bodyPr>
           <a:lstStyle>
@@ -4200,7 +4143,7 @@
             </a:lvl9pPr>
           </a:lstStyle>
           <a:p>
-            <a:pPr indent="0" lvl="0" marL="0" rtl="0" algn="r">
+            <a:pPr marL="0" lvl="0" indent="0" algn="r" rtl="0">
               <a:spcBef>
                 <a:spcPts val="0"/>
               </a:spcBef>
@@ -4226,11 +4169,11 @@
 </file>
 
 <file path=ppt/slideLayouts/slideLayout3.xml><?xml version="1.0" encoding="utf-8"?>
-<p:sldLayout xmlns:a="http://schemas.openxmlformats.org/drawingml/2006/main" xmlns:r="http://schemas.openxmlformats.org/officeDocument/2006/relationships" xmlns:mc="http://schemas.openxmlformats.org/markup-compatibility/2006" xmlns:mv="urn:schemas-microsoft-com:mac:vml" xmlns:p="http://schemas.openxmlformats.org/presentationml/2006/main" xmlns:c="http://schemas.openxmlformats.org/drawingml/2006/chart" xmlns:dgm="http://schemas.openxmlformats.org/drawingml/2006/diagram" xmlns:o="urn:schemas-microsoft-com:office:office" xmlns:v="urn:schemas-microsoft-com:vml" xmlns:pvml="urn:schemas-microsoft-com:office:powerpoint" xmlns:com="http://schemas.openxmlformats.org/drawingml/2006/compatibility" xmlns:p14="http://schemas.microsoft.com/office/powerpoint/2010/main" xmlns:p15="http://schemas.microsoft.com/office/powerpoint/2012/main" xmlns:ahyp="http://schemas.microsoft.com/office/drawing/2018/hyperlinkcolor" matchingName="Title and body" type="tx">
+<p:sldLayout xmlns:a="http://schemas.openxmlformats.org/drawingml/2006/main" xmlns:r="http://schemas.openxmlformats.org/officeDocument/2006/relationships" xmlns:p="http://schemas.openxmlformats.org/presentationml/2006/main" matchingName="Title and body" type="tx">
   <p:cSld name="TITLE_AND_BODY">
     <p:spTree>
       <p:nvGrpSpPr>
-        <p:cNvPr id="41" name="Shape 41"/>
+        <p:cNvPr id="1" name="Shape 41"/>
         <p:cNvGrpSpPr/>
         <p:nvPr/>
       </p:nvGrpSpPr>
@@ -4269,7 +4212,7 @@
             </a:xfrm>
             <a:prstGeom prst="diagStripe">
               <a:avLst>
-                <a:gd fmla="val 50000" name="adj"/>
+                <a:gd name="adj" fmla="val 50000"/>
               </a:avLst>
             </a:prstGeom>
             <a:solidFill>
@@ -4280,12 +4223,12 @@
             </a:ln>
           </p:spPr>
           <p:txBody>
-            <a:bodyPr anchorCtr="0" anchor="ctr" bIns="91425" lIns="91425" spcFirstLastPara="1" rIns="91425" wrap="square" tIns="91425">
+            <a:bodyPr spcFirstLastPara="1" wrap="square" lIns="91425" tIns="91425" rIns="91425" bIns="91425" anchor="ctr" anchorCtr="0">
               <a:noAutofit/>
             </a:bodyPr>
             <a:lstStyle/>
             <a:p>
-              <a:pPr indent="0" lvl="0" marL="0" rtl="0" algn="l">
+              <a:pPr marL="0" lvl="0" indent="0" algn="l" rtl="0">
                 <a:spcBef>
                   <a:spcPts val="0"/>
                 </a:spcBef>
@@ -4294,9 +4237,6 @@
                 </a:spcAft>
                 <a:buNone/>
               </a:pPr>
-              <a:r>
-                <a:t/>
-              </a:r>
               <a:endParaRPr/>
             </a:p>
           </p:txBody>
@@ -4314,7 +4254,7 @@
             </a:xfrm>
             <a:prstGeom prst="diagStripe">
               <a:avLst>
-                <a:gd fmla="val 50000" name="adj"/>
+                <a:gd name="adj" fmla="val 50000"/>
               </a:avLst>
             </a:prstGeom>
             <a:solidFill>
@@ -4325,12 +4265,12 @@
             </a:ln>
           </p:spPr>
           <p:txBody>
-            <a:bodyPr anchorCtr="0" anchor="ctr" bIns="91425" lIns="91425" spcFirstLastPara="1" rIns="91425" wrap="square" tIns="91425">
+            <a:bodyPr spcFirstLastPara="1" wrap="square" lIns="91425" tIns="91425" rIns="91425" bIns="91425" anchor="ctr" anchorCtr="0">
               <a:noAutofit/>
             </a:bodyPr>
             <a:lstStyle/>
             <a:p>
-              <a:pPr indent="0" lvl="0" marL="0" rtl="0" algn="l">
+              <a:pPr marL="0" lvl="0" indent="0" algn="l" rtl="0">
                 <a:spcBef>
                   <a:spcPts val="0"/>
                 </a:spcBef>
@@ -4339,9 +4279,6 @@
                 </a:spcAft>
                 <a:buNone/>
               </a:pPr>
-              <a:r>
-                <a:t/>
-              </a:r>
               <a:endParaRPr/>
             </a:p>
           </p:txBody>
@@ -4350,7 +4287,9 @@
       <p:sp>
         <p:nvSpPr>
           <p:cNvPr id="45" name="Google Shape;45;p4"/>
-          <p:cNvSpPr txBox="1"/>
+          <p:cNvSpPr txBox="1">
+            <a:spLocks noGrp="1"/>
+          </p:cNvSpPr>
           <p:nvPr>
             <p:ph type="title"/>
           </p:nvPr>
@@ -4365,7 +4304,7 @@
           </a:prstGeom>
         </p:spPr>
         <p:txBody>
-          <a:bodyPr anchorCtr="0" anchor="t" bIns="91425" lIns="91425" spcFirstLastPara="1" rIns="91425" wrap="square" tIns="91425">
+          <a:bodyPr spcFirstLastPara="1" wrap="square" lIns="91425" tIns="91425" rIns="91425" bIns="91425" anchor="t" anchorCtr="0">
             <a:normAutofit/>
           </a:bodyPr>
           <a:lstStyle>
@@ -4469,15 +4408,19 @@
               <a:defRPr sz="2400"/>
             </a:lvl9pPr>
           </a:lstStyle>
-          <a:p/>
+          <a:p>
+            <a:endParaRPr/>
+          </a:p>
         </p:txBody>
       </p:sp>
       <p:sp>
         <p:nvSpPr>
           <p:cNvPr id="46" name="Google Shape;46;p4"/>
-          <p:cNvSpPr txBox="1"/>
+          <p:cNvSpPr txBox="1">
+            <a:spLocks noGrp="1"/>
+          </p:cNvSpPr>
           <p:nvPr>
-            <p:ph idx="1" type="body"/>
+            <p:ph type="body" idx="1"/>
           </p:nvPr>
         </p:nvSpPr>
         <p:spPr>
@@ -4490,11 +4433,11 @@
           </a:prstGeom>
         </p:spPr>
         <p:txBody>
-          <a:bodyPr anchorCtr="0" anchor="t" bIns="91425" lIns="91425" spcFirstLastPara="1" rIns="91425" wrap="square" tIns="91425">
+          <a:bodyPr spcFirstLastPara="1" wrap="square" lIns="91425" tIns="91425" rIns="91425" bIns="91425" anchor="t" anchorCtr="0">
             <a:normAutofit/>
           </a:bodyPr>
           <a:lstStyle>
-            <a:lvl1pPr indent="-311150" lvl="0" marL="457200">
+            <a:lvl1pPr marL="457200" lvl="0" indent="-311150">
               <a:spcBef>
                 <a:spcPts val="0"/>
               </a:spcBef>
@@ -4505,7 +4448,7 @@
               <a:buChar char="●"/>
               <a:defRPr/>
             </a:lvl1pPr>
-            <a:lvl2pPr indent="-298450" lvl="1" marL="914400">
+            <a:lvl2pPr marL="914400" lvl="1" indent="-298450">
               <a:spcBef>
                 <a:spcPts val="0"/>
               </a:spcBef>
@@ -4516,7 +4459,7 @@
               <a:buChar char="○"/>
               <a:defRPr/>
             </a:lvl2pPr>
-            <a:lvl3pPr indent="-298450" lvl="2" marL="1371600">
+            <a:lvl3pPr marL="1371600" lvl="2" indent="-298450">
               <a:spcBef>
                 <a:spcPts val="0"/>
               </a:spcBef>
@@ -4527,7 +4470,7 @@
               <a:buChar char="■"/>
               <a:defRPr/>
             </a:lvl3pPr>
-            <a:lvl4pPr indent="-298450" lvl="3" marL="1828800">
+            <a:lvl4pPr marL="1828800" lvl="3" indent="-298450">
               <a:spcBef>
                 <a:spcPts val="0"/>
               </a:spcBef>
@@ -4538,7 +4481,7 @@
               <a:buChar char="●"/>
               <a:defRPr/>
             </a:lvl4pPr>
-            <a:lvl5pPr indent="-298450" lvl="4" marL="2286000">
+            <a:lvl5pPr marL="2286000" lvl="4" indent="-298450">
               <a:spcBef>
                 <a:spcPts val="0"/>
               </a:spcBef>
@@ -4549,7 +4492,7 @@
               <a:buChar char="○"/>
               <a:defRPr/>
             </a:lvl5pPr>
-            <a:lvl6pPr indent="-298450" lvl="5" marL="2743200">
+            <a:lvl6pPr marL="2743200" lvl="5" indent="-298450">
               <a:spcBef>
                 <a:spcPts val="0"/>
               </a:spcBef>
@@ -4560,7 +4503,7 @@
               <a:buChar char="■"/>
               <a:defRPr/>
             </a:lvl6pPr>
-            <a:lvl7pPr indent="-298450" lvl="6" marL="3200400">
+            <a:lvl7pPr marL="3200400" lvl="6" indent="-298450">
               <a:spcBef>
                 <a:spcPts val="0"/>
               </a:spcBef>
@@ -4571,7 +4514,7 @@
               <a:buChar char="●"/>
               <a:defRPr/>
             </a:lvl7pPr>
-            <a:lvl8pPr indent="-298450" lvl="7" marL="3657600">
+            <a:lvl8pPr marL="3657600" lvl="7" indent="-298450">
               <a:spcBef>
                 <a:spcPts val="0"/>
               </a:spcBef>
@@ -4582,7 +4525,7 @@
               <a:buChar char="○"/>
               <a:defRPr/>
             </a:lvl8pPr>
-            <a:lvl9pPr indent="-298450" lvl="8" marL="4114800">
+            <a:lvl9pPr marL="4114800" lvl="8" indent="-298450">
               <a:spcBef>
                 <a:spcPts val="0"/>
               </a:spcBef>
@@ -4594,15 +4537,19 @@
               <a:defRPr/>
             </a:lvl9pPr>
           </a:lstStyle>
-          <a:p/>
+          <a:p>
+            <a:endParaRPr/>
+          </a:p>
         </p:txBody>
       </p:sp>
       <p:sp>
         <p:nvSpPr>
           <p:cNvPr id="47" name="Google Shape;47;p4"/>
-          <p:cNvSpPr txBox="1"/>
+          <p:cNvSpPr txBox="1">
+            <a:spLocks noGrp="1"/>
+          </p:cNvSpPr>
           <p:nvPr>
-            <p:ph idx="12" type="sldNum"/>
+            <p:ph type="sldNum" idx="12"/>
           </p:nvPr>
         </p:nvSpPr>
         <p:spPr>
@@ -4615,7 +4562,7 @@
           </a:prstGeom>
         </p:spPr>
         <p:txBody>
-          <a:bodyPr anchorCtr="0" anchor="ctr" bIns="91425" lIns="91425" spcFirstLastPara="1" rIns="91425" wrap="square" tIns="91425">
+          <a:bodyPr spcFirstLastPara="1" wrap="square" lIns="91425" tIns="91425" rIns="91425" bIns="91425" anchor="ctr" anchorCtr="0">
             <a:normAutofit/>
           </a:bodyPr>
           <a:lstStyle>
@@ -4657,7 +4604,7 @@
             </a:lvl9pPr>
           </a:lstStyle>
           <a:p>
-            <a:pPr indent="0" lvl="0" marL="0" rtl="0" algn="r">
+            <a:pPr marL="0" lvl="0" indent="0" algn="r" rtl="0">
               <a:spcBef>
                 <a:spcPts val="0"/>
               </a:spcBef>
@@ -4683,11 +4630,11 @@
 </file>
 
 <file path=ppt/slideLayouts/slideLayout4.xml><?xml version="1.0" encoding="utf-8"?>
-<p:sldLayout xmlns:a="http://schemas.openxmlformats.org/drawingml/2006/main" xmlns:r="http://schemas.openxmlformats.org/officeDocument/2006/relationships" xmlns:mc="http://schemas.openxmlformats.org/markup-compatibility/2006" xmlns:mv="urn:schemas-microsoft-com:mac:vml" xmlns:p="http://schemas.openxmlformats.org/presentationml/2006/main" xmlns:c="http://schemas.openxmlformats.org/drawingml/2006/chart" xmlns:dgm="http://schemas.openxmlformats.org/drawingml/2006/diagram" xmlns:o="urn:schemas-microsoft-com:office:office" xmlns:v="urn:schemas-microsoft-com:vml" xmlns:pvml="urn:schemas-microsoft-com:office:powerpoint" xmlns:com="http://schemas.openxmlformats.org/drawingml/2006/compatibility" xmlns:p14="http://schemas.microsoft.com/office/powerpoint/2010/main" xmlns:p15="http://schemas.microsoft.com/office/powerpoint/2012/main" xmlns:ahyp="http://schemas.microsoft.com/office/drawing/2018/hyperlinkcolor" matchingName="Title and two columns" type="twoColTx">
+<p:sldLayout xmlns:a="http://schemas.openxmlformats.org/drawingml/2006/main" xmlns:r="http://schemas.openxmlformats.org/officeDocument/2006/relationships" xmlns:p="http://schemas.openxmlformats.org/presentationml/2006/main" matchingName="Title and two columns" type="twoColTx">
   <p:cSld name="TITLE_AND_TWO_COLUMNS">
     <p:spTree>
       <p:nvGrpSpPr>
-        <p:cNvPr id="48" name="Shape 48"/>
+        <p:cNvPr id="1" name="Shape 48"/>
         <p:cNvGrpSpPr/>
         <p:nvPr/>
       </p:nvGrpSpPr>
@@ -4726,7 +4673,7 @@
             </a:xfrm>
             <a:prstGeom prst="diagStripe">
               <a:avLst>
-                <a:gd fmla="val 50000" name="adj"/>
+                <a:gd name="adj" fmla="val 50000"/>
               </a:avLst>
             </a:prstGeom>
             <a:solidFill>
@@ -4737,12 +4684,12 @@
             </a:ln>
           </p:spPr>
           <p:txBody>
-            <a:bodyPr anchorCtr="0" anchor="ctr" bIns="91425" lIns="91425" spcFirstLastPara="1" rIns="91425" wrap="square" tIns="91425">
+            <a:bodyPr spcFirstLastPara="1" wrap="square" lIns="91425" tIns="91425" rIns="91425" bIns="91425" anchor="ctr" anchorCtr="0">
               <a:noAutofit/>
             </a:bodyPr>
             <a:lstStyle/>
             <a:p>
-              <a:pPr indent="0" lvl="0" marL="0" rtl="0" algn="l">
+              <a:pPr marL="0" lvl="0" indent="0" algn="l" rtl="0">
                 <a:spcBef>
                   <a:spcPts val="0"/>
                 </a:spcBef>
@@ -4751,9 +4698,6 @@
                 </a:spcAft>
                 <a:buNone/>
               </a:pPr>
-              <a:r>
-                <a:t/>
-              </a:r>
               <a:endParaRPr/>
             </a:p>
           </p:txBody>
@@ -4771,7 +4715,7 @@
             </a:xfrm>
             <a:prstGeom prst="diagStripe">
               <a:avLst>
-                <a:gd fmla="val 50000" name="adj"/>
+                <a:gd name="adj" fmla="val 50000"/>
               </a:avLst>
             </a:prstGeom>
             <a:solidFill>
@@ -4782,12 +4726,12 @@
             </a:ln>
           </p:spPr>
           <p:txBody>
-            <a:bodyPr anchorCtr="0" anchor="ctr" bIns="91425" lIns="91425" spcFirstLastPara="1" rIns="91425" wrap="square" tIns="91425">
+            <a:bodyPr spcFirstLastPara="1" wrap="square" lIns="91425" tIns="91425" rIns="91425" bIns="91425" anchor="ctr" anchorCtr="0">
               <a:noAutofit/>
             </a:bodyPr>
             <a:lstStyle/>
             <a:p>
-              <a:pPr indent="0" lvl="0" marL="0" rtl="0" algn="l">
+              <a:pPr marL="0" lvl="0" indent="0" algn="l" rtl="0">
                 <a:spcBef>
                   <a:spcPts val="0"/>
                 </a:spcBef>
@@ -4796,9 +4740,6 @@
                 </a:spcAft>
                 <a:buNone/>
               </a:pPr>
-              <a:r>
-                <a:t/>
-              </a:r>
               <a:endParaRPr/>
             </a:p>
           </p:txBody>
@@ -4807,7 +4748,9 @@
       <p:sp>
         <p:nvSpPr>
           <p:cNvPr id="52" name="Google Shape;52;p5"/>
-          <p:cNvSpPr txBox="1"/>
+          <p:cNvSpPr txBox="1">
+            <a:spLocks noGrp="1"/>
+          </p:cNvSpPr>
           <p:nvPr>
             <p:ph type="title"/>
           </p:nvPr>
@@ -4822,7 +4765,7 @@
           </a:prstGeom>
         </p:spPr>
         <p:txBody>
-          <a:bodyPr anchorCtr="0" anchor="t" bIns="91425" lIns="91425" spcFirstLastPara="1" rIns="91425" wrap="square" tIns="91425">
+          <a:bodyPr spcFirstLastPara="1" wrap="square" lIns="91425" tIns="91425" rIns="91425" bIns="91425" anchor="t" anchorCtr="0">
             <a:normAutofit/>
           </a:bodyPr>
           <a:lstStyle>
@@ -4926,15 +4869,19 @@
               <a:defRPr sz="2400"/>
             </a:lvl9pPr>
           </a:lstStyle>
-          <a:p/>
+          <a:p>
+            <a:endParaRPr/>
+          </a:p>
         </p:txBody>
       </p:sp>
       <p:sp>
         <p:nvSpPr>
           <p:cNvPr id="53" name="Google Shape;53;p5"/>
-          <p:cNvSpPr txBox="1"/>
+          <p:cNvSpPr txBox="1">
+            <a:spLocks noGrp="1"/>
+          </p:cNvSpPr>
           <p:nvPr>
-            <p:ph idx="1" type="body"/>
+            <p:ph type="body" idx="1"/>
           </p:nvPr>
         </p:nvSpPr>
         <p:spPr>
@@ -4947,11 +4894,11 @@
           </a:prstGeom>
         </p:spPr>
         <p:txBody>
-          <a:bodyPr anchorCtr="0" anchor="t" bIns="91425" lIns="91425" spcFirstLastPara="1" rIns="91425" wrap="square" tIns="91425">
+          <a:bodyPr spcFirstLastPara="1" wrap="square" lIns="91425" tIns="91425" rIns="91425" bIns="91425" anchor="t" anchorCtr="0">
             <a:normAutofit/>
           </a:bodyPr>
           <a:lstStyle>
-            <a:lvl1pPr indent="-311150" lvl="0" marL="457200">
+            <a:lvl1pPr marL="457200" lvl="0" indent="-311150">
               <a:spcBef>
                 <a:spcPts val="0"/>
               </a:spcBef>
@@ -4962,7 +4909,7 @@
               <a:buChar char="●"/>
               <a:defRPr/>
             </a:lvl1pPr>
-            <a:lvl2pPr indent="-298450" lvl="1" marL="914400">
+            <a:lvl2pPr marL="914400" lvl="1" indent="-298450">
               <a:spcBef>
                 <a:spcPts val="0"/>
               </a:spcBef>
@@ -4973,7 +4920,7 @@
               <a:buChar char="○"/>
               <a:defRPr/>
             </a:lvl2pPr>
-            <a:lvl3pPr indent="-298450" lvl="2" marL="1371600">
+            <a:lvl3pPr marL="1371600" lvl="2" indent="-298450">
               <a:spcBef>
                 <a:spcPts val="0"/>
               </a:spcBef>
@@ -4984,7 +4931,7 @@
               <a:buChar char="■"/>
               <a:defRPr/>
             </a:lvl3pPr>
-            <a:lvl4pPr indent="-298450" lvl="3" marL="1828800">
+            <a:lvl4pPr marL="1828800" lvl="3" indent="-298450">
               <a:spcBef>
                 <a:spcPts val="0"/>
               </a:spcBef>
@@ -4995,7 +4942,7 @@
               <a:buChar char="●"/>
               <a:defRPr/>
             </a:lvl4pPr>
-            <a:lvl5pPr indent="-298450" lvl="4" marL="2286000">
+            <a:lvl5pPr marL="2286000" lvl="4" indent="-298450">
               <a:spcBef>
                 <a:spcPts val="0"/>
               </a:spcBef>
@@ -5006,7 +4953,7 @@
               <a:buChar char="○"/>
               <a:defRPr/>
             </a:lvl5pPr>
-            <a:lvl6pPr indent="-298450" lvl="5" marL="2743200">
+            <a:lvl6pPr marL="2743200" lvl="5" indent="-298450">
               <a:spcBef>
                 <a:spcPts val="0"/>
               </a:spcBef>
@@ -5017,7 +4964,7 @@
               <a:buChar char="■"/>
               <a:defRPr/>
             </a:lvl6pPr>
-            <a:lvl7pPr indent="-298450" lvl="6" marL="3200400">
+            <a:lvl7pPr marL="3200400" lvl="6" indent="-298450">
               <a:spcBef>
                 <a:spcPts val="0"/>
               </a:spcBef>
@@ -5028,7 +4975,7 @@
               <a:buChar char="●"/>
               <a:defRPr/>
             </a:lvl7pPr>
-            <a:lvl8pPr indent="-298450" lvl="7" marL="3657600">
+            <a:lvl8pPr marL="3657600" lvl="7" indent="-298450">
               <a:spcBef>
                 <a:spcPts val="0"/>
               </a:spcBef>
@@ -5039,7 +4986,7 @@
               <a:buChar char="○"/>
               <a:defRPr/>
             </a:lvl8pPr>
-            <a:lvl9pPr indent="-298450" lvl="8" marL="4114800">
+            <a:lvl9pPr marL="4114800" lvl="8" indent="-298450">
               <a:spcBef>
                 <a:spcPts val="0"/>
               </a:spcBef>
@@ -5051,15 +4998,19 @@
               <a:defRPr/>
             </a:lvl9pPr>
           </a:lstStyle>
-          <a:p/>
+          <a:p>
+            <a:endParaRPr/>
+          </a:p>
         </p:txBody>
       </p:sp>
       <p:sp>
         <p:nvSpPr>
           <p:cNvPr id="54" name="Google Shape;54;p5"/>
-          <p:cNvSpPr txBox="1"/>
+          <p:cNvSpPr txBox="1">
+            <a:spLocks noGrp="1"/>
+          </p:cNvSpPr>
           <p:nvPr>
-            <p:ph idx="2" type="body"/>
+            <p:ph type="body" idx="2"/>
           </p:nvPr>
         </p:nvSpPr>
         <p:spPr>
@@ -5072,11 +5023,11 @@
           </a:prstGeom>
         </p:spPr>
         <p:txBody>
-          <a:bodyPr anchorCtr="0" anchor="t" bIns="91425" lIns="91425" spcFirstLastPara="1" rIns="91425" wrap="square" tIns="91425">
+          <a:bodyPr spcFirstLastPara="1" wrap="square" lIns="91425" tIns="91425" rIns="91425" bIns="91425" anchor="t" anchorCtr="0">
             <a:normAutofit/>
           </a:bodyPr>
           <a:lstStyle>
-            <a:lvl1pPr indent="-311150" lvl="0" marL="457200">
+            <a:lvl1pPr marL="457200" lvl="0" indent="-311150">
               <a:spcBef>
                 <a:spcPts val="0"/>
               </a:spcBef>
@@ -5087,7 +5038,7 @@
               <a:buChar char="●"/>
               <a:defRPr/>
             </a:lvl1pPr>
-            <a:lvl2pPr indent="-298450" lvl="1" marL="914400">
+            <a:lvl2pPr marL="914400" lvl="1" indent="-298450">
               <a:spcBef>
                 <a:spcPts val="0"/>
               </a:spcBef>
@@ -5098,7 +5049,7 @@
               <a:buChar char="○"/>
               <a:defRPr/>
             </a:lvl2pPr>
-            <a:lvl3pPr indent="-298450" lvl="2" marL="1371600">
+            <a:lvl3pPr marL="1371600" lvl="2" indent="-298450">
               <a:spcBef>
                 <a:spcPts val="0"/>
               </a:spcBef>
@@ -5109,7 +5060,7 @@
               <a:buChar char="■"/>
               <a:defRPr/>
             </a:lvl3pPr>
-            <a:lvl4pPr indent="-298450" lvl="3" marL="1828800">
+            <a:lvl4pPr marL="1828800" lvl="3" indent="-298450">
               <a:spcBef>
                 <a:spcPts val="0"/>
               </a:spcBef>
@@ -5120,7 +5071,7 @@
               <a:buChar char="●"/>
               <a:defRPr/>
             </a:lvl4pPr>
-            <a:lvl5pPr indent="-298450" lvl="4" marL="2286000">
+            <a:lvl5pPr marL="2286000" lvl="4" indent="-298450">
               <a:spcBef>
                 <a:spcPts val="0"/>
               </a:spcBef>
@@ -5131,7 +5082,7 @@
               <a:buChar char="○"/>
               <a:defRPr/>
             </a:lvl5pPr>
-            <a:lvl6pPr indent="-298450" lvl="5" marL="2743200">
+            <a:lvl6pPr marL="2743200" lvl="5" indent="-298450">
               <a:spcBef>
                 <a:spcPts val="0"/>
               </a:spcBef>
@@ -5142,7 +5093,7 @@
               <a:buChar char="■"/>
               <a:defRPr/>
             </a:lvl6pPr>
-            <a:lvl7pPr indent="-298450" lvl="6" marL="3200400">
+            <a:lvl7pPr marL="3200400" lvl="6" indent="-298450">
               <a:spcBef>
                 <a:spcPts val="0"/>
               </a:spcBef>
@@ -5153,7 +5104,7 @@
               <a:buChar char="●"/>
               <a:defRPr/>
             </a:lvl7pPr>
-            <a:lvl8pPr indent="-298450" lvl="7" marL="3657600">
+            <a:lvl8pPr marL="3657600" lvl="7" indent="-298450">
               <a:spcBef>
                 <a:spcPts val="0"/>
               </a:spcBef>
@@ -5164,7 +5115,7 @@
               <a:buChar char="○"/>
               <a:defRPr/>
             </a:lvl8pPr>
-            <a:lvl9pPr indent="-298450" lvl="8" marL="4114800">
+            <a:lvl9pPr marL="4114800" lvl="8" indent="-298450">
               <a:spcBef>
                 <a:spcPts val="0"/>
               </a:spcBef>
@@ -5176,15 +5127,19 @@
               <a:defRPr/>
             </a:lvl9pPr>
           </a:lstStyle>
-          <a:p/>
+          <a:p>
+            <a:endParaRPr/>
+          </a:p>
         </p:txBody>
       </p:sp>
       <p:sp>
         <p:nvSpPr>
           <p:cNvPr id="55" name="Google Shape;55;p5"/>
-          <p:cNvSpPr txBox="1"/>
+          <p:cNvSpPr txBox="1">
+            <a:spLocks noGrp="1"/>
+          </p:cNvSpPr>
           <p:nvPr>
-            <p:ph idx="12" type="sldNum"/>
+            <p:ph type="sldNum" idx="12"/>
           </p:nvPr>
         </p:nvSpPr>
         <p:spPr>
@@ -5197,7 +5152,7 @@
           </a:prstGeom>
         </p:spPr>
         <p:txBody>
-          <a:bodyPr anchorCtr="0" anchor="ctr" bIns="91425" lIns="91425" spcFirstLastPara="1" rIns="91425" wrap="square" tIns="91425">
+          <a:bodyPr spcFirstLastPara="1" wrap="square" lIns="91425" tIns="91425" rIns="91425" bIns="91425" anchor="ctr" anchorCtr="0">
             <a:normAutofit/>
           </a:bodyPr>
           <a:lstStyle>
@@ -5239,7 +5194,7 @@
             </a:lvl9pPr>
           </a:lstStyle>
           <a:p>
-            <a:pPr indent="0" lvl="0" marL="0" rtl="0" algn="r">
+            <a:pPr marL="0" lvl="0" indent="0" algn="r" rtl="0">
               <a:spcBef>
                 <a:spcPts val="0"/>
               </a:spcBef>
@@ -5265,11 +5220,11 @@
 </file>
 
 <file path=ppt/slideLayouts/slideLayout5.xml><?xml version="1.0" encoding="utf-8"?>
-<p:sldLayout xmlns:a="http://schemas.openxmlformats.org/drawingml/2006/main" xmlns:r="http://schemas.openxmlformats.org/officeDocument/2006/relationships" xmlns:mc="http://schemas.openxmlformats.org/markup-compatibility/2006" xmlns:mv="urn:schemas-microsoft-com:mac:vml" xmlns:p="http://schemas.openxmlformats.org/presentationml/2006/main" xmlns:c="http://schemas.openxmlformats.org/drawingml/2006/chart" xmlns:dgm="http://schemas.openxmlformats.org/drawingml/2006/diagram" xmlns:o="urn:schemas-microsoft-com:office:office" xmlns:v="urn:schemas-microsoft-com:vml" xmlns:pvml="urn:schemas-microsoft-com:office:powerpoint" xmlns:com="http://schemas.openxmlformats.org/drawingml/2006/compatibility" xmlns:p14="http://schemas.microsoft.com/office/powerpoint/2010/main" xmlns:p15="http://schemas.microsoft.com/office/powerpoint/2012/main" xmlns:ahyp="http://schemas.microsoft.com/office/drawing/2018/hyperlinkcolor" matchingName="Title only" type="titleOnly">
+<p:sldLayout xmlns:a="http://schemas.openxmlformats.org/drawingml/2006/main" xmlns:r="http://schemas.openxmlformats.org/officeDocument/2006/relationships" xmlns:p="http://schemas.openxmlformats.org/presentationml/2006/main" matchingName="Title only" type="titleOnly">
   <p:cSld name="TITLE_ONLY">
     <p:spTree>
       <p:nvGrpSpPr>
-        <p:cNvPr id="56" name="Shape 56"/>
+        <p:cNvPr id="1" name="Shape 56"/>
         <p:cNvGrpSpPr/>
         <p:nvPr/>
       </p:nvGrpSpPr>
@@ -5308,7 +5263,7 @@
             </a:xfrm>
             <a:prstGeom prst="diagStripe">
               <a:avLst>
-                <a:gd fmla="val 50000" name="adj"/>
+                <a:gd name="adj" fmla="val 50000"/>
               </a:avLst>
             </a:prstGeom>
             <a:solidFill>
@@ -5319,12 +5274,12 @@
             </a:ln>
           </p:spPr>
           <p:txBody>
-            <a:bodyPr anchorCtr="0" anchor="ctr" bIns="91425" lIns="91425" spcFirstLastPara="1" rIns="91425" wrap="square" tIns="91425">
+            <a:bodyPr spcFirstLastPara="1" wrap="square" lIns="91425" tIns="91425" rIns="91425" bIns="91425" anchor="ctr" anchorCtr="0">
               <a:noAutofit/>
             </a:bodyPr>
             <a:lstStyle/>
             <a:p>
-              <a:pPr indent="0" lvl="0" marL="0" rtl="0" algn="l">
+              <a:pPr marL="0" lvl="0" indent="0" algn="l" rtl="0">
                 <a:spcBef>
                   <a:spcPts val="0"/>
                 </a:spcBef>
@@ -5333,9 +5288,6 @@
                 </a:spcAft>
                 <a:buNone/>
               </a:pPr>
-              <a:r>
-                <a:t/>
-              </a:r>
               <a:endParaRPr/>
             </a:p>
           </p:txBody>
@@ -5353,7 +5305,7 @@
             </a:xfrm>
             <a:prstGeom prst="diagStripe">
               <a:avLst>
-                <a:gd fmla="val 50000" name="adj"/>
+                <a:gd name="adj" fmla="val 50000"/>
               </a:avLst>
             </a:prstGeom>
             <a:solidFill>
@@ -5364,12 +5316,12 @@
             </a:ln>
           </p:spPr>
           <p:txBody>
-            <a:bodyPr anchorCtr="0" anchor="ctr" bIns="91425" lIns="91425" spcFirstLastPara="1" rIns="91425" wrap="square" tIns="91425">
+            <a:bodyPr spcFirstLastPara="1" wrap="square" lIns="91425" tIns="91425" rIns="91425" bIns="91425" anchor="ctr" anchorCtr="0">
               <a:noAutofit/>
             </a:bodyPr>
             <a:lstStyle/>
             <a:p>
-              <a:pPr indent="0" lvl="0" marL="0" rtl="0" algn="l">
+              <a:pPr marL="0" lvl="0" indent="0" algn="l" rtl="0">
                 <a:spcBef>
                   <a:spcPts val="0"/>
                 </a:spcBef>
@@ -5378,9 +5330,6 @@
                 </a:spcAft>
                 <a:buNone/>
               </a:pPr>
-              <a:r>
-                <a:t/>
-              </a:r>
               <a:endParaRPr/>
             </a:p>
           </p:txBody>
@@ -5389,7 +5338,9 @@
       <p:sp>
         <p:nvSpPr>
           <p:cNvPr id="60" name="Google Shape;60;p6"/>
-          <p:cNvSpPr txBox="1"/>
+          <p:cNvSpPr txBox="1">
+            <a:spLocks noGrp="1"/>
+          </p:cNvSpPr>
           <p:nvPr>
             <p:ph type="title"/>
           </p:nvPr>
@@ -5404,7 +5355,7 @@
           </a:prstGeom>
         </p:spPr>
         <p:txBody>
-          <a:bodyPr anchorCtr="0" anchor="t" bIns="91425" lIns="91425" spcFirstLastPara="1" rIns="91425" wrap="square" tIns="91425">
+          <a:bodyPr spcFirstLastPara="1" wrap="square" lIns="91425" tIns="91425" rIns="91425" bIns="91425" anchor="t" anchorCtr="0">
             <a:normAutofit/>
           </a:bodyPr>
           <a:lstStyle>
@@ -5508,15 +5459,19 @@
               <a:defRPr sz="2400"/>
             </a:lvl9pPr>
           </a:lstStyle>
-          <a:p/>
+          <a:p>
+            <a:endParaRPr/>
+          </a:p>
         </p:txBody>
       </p:sp>
       <p:sp>
         <p:nvSpPr>
           <p:cNvPr id="61" name="Google Shape;61;p6"/>
-          <p:cNvSpPr txBox="1"/>
+          <p:cNvSpPr txBox="1">
+            <a:spLocks noGrp="1"/>
+          </p:cNvSpPr>
           <p:nvPr>
-            <p:ph idx="12" type="sldNum"/>
+            <p:ph type="sldNum" idx="12"/>
           </p:nvPr>
         </p:nvSpPr>
         <p:spPr>
@@ -5529,7 +5484,7 @@
           </a:prstGeom>
         </p:spPr>
         <p:txBody>
-          <a:bodyPr anchorCtr="0" anchor="ctr" bIns="91425" lIns="91425" spcFirstLastPara="1" rIns="91425" wrap="square" tIns="91425">
+          <a:bodyPr spcFirstLastPara="1" wrap="square" lIns="91425" tIns="91425" rIns="91425" bIns="91425" anchor="ctr" anchorCtr="0">
             <a:normAutofit/>
           </a:bodyPr>
           <a:lstStyle>
@@ -5571,7 +5526,7 @@
             </a:lvl9pPr>
           </a:lstStyle>
           <a:p>
-            <a:pPr indent="0" lvl="0" marL="0" rtl="0" algn="r">
+            <a:pPr marL="0" lvl="0" indent="0" algn="r" rtl="0">
               <a:spcBef>
                 <a:spcPts val="0"/>
               </a:spcBef>
@@ -5597,11 +5552,11 @@
 </file>
 
 <file path=ppt/slideLayouts/slideLayout6.xml><?xml version="1.0" encoding="utf-8"?>
-<p:sldLayout xmlns:a="http://schemas.openxmlformats.org/drawingml/2006/main" xmlns:r="http://schemas.openxmlformats.org/officeDocument/2006/relationships" xmlns:mc="http://schemas.openxmlformats.org/markup-compatibility/2006" xmlns:mv="urn:schemas-microsoft-com:mac:vml" xmlns:p="http://schemas.openxmlformats.org/presentationml/2006/main" xmlns:c="http://schemas.openxmlformats.org/drawingml/2006/chart" xmlns:dgm="http://schemas.openxmlformats.org/drawingml/2006/diagram" xmlns:o="urn:schemas-microsoft-com:office:office" xmlns:v="urn:schemas-microsoft-com:vml" xmlns:pvml="urn:schemas-microsoft-com:office:powerpoint" xmlns:com="http://schemas.openxmlformats.org/drawingml/2006/compatibility" xmlns:p14="http://schemas.microsoft.com/office/powerpoint/2010/main" xmlns:p15="http://schemas.microsoft.com/office/powerpoint/2012/main" xmlns:ahyp="http://schemas.microsoft.com/office/drawing/2018/hyperlinkcolor" matchingName="One column text">
+<p:sldLayout xmlns:a="http://schemas.openxmlformats.org/drawingml/2006/main" xmlns:r="http://schemas.openxmlformats.org/officeDocument/2006/relationships" xmlns:p="http://schemas.openxmlformats.org/presentationml/2006/main" matchingName="One column text">
   <p:cSld name="ONE_COLUMN_TEXT">
     <p:spTree>
       <p:nvGrpSpPr>
-        <p:cNvPr id="62" name="Shape 62"/>
+        <p:cNvPr id="1" name="Shape 62"/>
         <p:cNvGrpSpPr/>
         <p:nvPr/>
       </p:nvGrpSpPr>
@@ -5640,7 +5595,7 @@
             </a:xfrm>
             <a:prstGeom prst="diagStripe">
               <a:avLst>
-                <a:gd fmla="val 50000" name="adj"/>
+                <a:gd name="adj" fmla="val 50000"/>
               </a:avLst>
             </a:prstGeom>
             <a:solidFill>
@@ -5651,12 +5606,12 @@
             </a:ln>
           </p:spPr>
           <p:txBody>
-            <a:bodyPr anchorCtr="0" anchor="ctr" bIns="91425" lIns="91425" spcFirstLastPara="1" rIns="91425" wrap="square" tIns="91425">
+            <a:bodyPr spcFirstLastPara="1" wrap="square" lIns="91425" tIns="91425" rIns="91425" bIns="91425" anchor="ctr" anchorCtr="0">
               <a:noAutofit/>
             </a:bodyPr>
             <a:lstStyle/>
             <a:p>
-              <a:pPr indent="0" lvl="0" marL="0" rtl="0" algn="l">
+              <a:pPr marL="0" lvl="0" indent="0" algn="l" rtl="0">
                 <a:spcBef>
                   <a:spcPts val="0"/>
                 </a:spcBef>
@@ -5665,9 +5620,6 @@
                 </a:spcAft>
                 <a:buNone/>
               </a:pPr>
-              <a:r>
-                <a:t/>
-              </a:r>
               <a:endParaRPr/>
             </a:p>
           </p:txBody>
@@ -5685,7 +5637,7 @@
             </a:xfrm>
             <a:prstGeom prst="diagStripe">
               <a:avLst>
-                <a:gd fmla="val 50000" name="adj"/>
+                <a:gd name="adj" fmla="val 50000"/>
               </a:avLst>
             </a:prstGeom>
             <a:solidFill>
@@ -5696,12 +5648,12 @@
             </a:ln>
           </p:spPr>
           <p:txBody>
-            <a:bodyPr anchorCtr="0" anchor="ctr" bIns="91425" lIns="91425" spcFirstLastPara="1" rIns="91425" wrap="square" tIns="91425">
+            <a:bodyPr spcFirstLastPara="1" wrap="square" lIns="91425" tIns="91425" rIns="91425" bIns="91425" anchor="ctr" anchorCtr="0">
               <a:noAutofit/>
             </a:bodyPr>
             <a:lstStyle/>
             <a:p>
-              <a:pPr indent="0" lvl="0" marL="0" rtl="0" algn="l">
+              <a:pPr marL="0" lvl="0" indent="0" algn="l" rtl="0">
                 <a:spcBef>
                   <a:spcPts val="0"/>
                 </a:spcBef>
@@ -5710,9 +5662,6 @@
                 </a:spcAft>
                 <a:buNone/>
               </a:pPr>
-              <a:r>
-                <a:t/>
-              </a:r>
               <a:endParaRPr/>
             </a:p>
           </p:txBody>
@@ -5721,7 +5670,9 @@
       <p:sp>
         <p:nvSpPr>
           <p:cNvPr id="66" name="Google Shape;66;p7"/>
-          <p:cNvSpPr txBox="1"/>
+          <p:cNvSpPr txBox="1">
+            <a:spLocks noGrp="1"/>
+          </p:cNvSpPr>
           <p:nvPr>
             <p:ph type="title"/>
           </p:nvPr>
@@ -5736,7 +5687,7 @@
           </a:prstGeom>
         </p:spPr>
         <p:txBody>
-          <a:bodyPr anchorCtr="0" anchor="t" bIns="91425" lIns="91425" spcFirstLastPara="1" rIns="91425" wrap="square" tIns="91425">
+          <a:bodyPr spcFirstLastPara="1" wrap="square" lIns="91425" tIns="91425" rIns="91425" bIns="91425" anchor="t" anchorCtr="0">
             <a:normAutofit/>
           </a:bodyPr>
           <a:lstStyle>
@@ -5840,15 +5791,19 @@
               <a:defRPr sz="2400"/>
             </a:lvl9pPr>
           </a:lstStyle>
-          <a:p/>
+          <a:p>
+            <a:endParaRPr/>
+          </a:p>
         </p:txBody>
       </p:sp>
       <p:sp>
         <p:nvSpPr>
           <p:cNvPr id="67" name="Google Shape;67;p7"/>
-          <p:cNvSpPr txBox="1"/>
+          <p:cNvSpPr txBox="1">
+            <a:spLocks noGrp="1"/>
+          </p:cNvSpPr>
           <p:nvPr>
-            <p:ph idx="1" type="body"/>
+            <p:ph type="body" idx="1"/>
           </p:nvPr>
         </p:nvSpPr>
         <p:spPr>
@@ -5861,11 +5816,11 @@
           </a:prstGeom>
         </p:spPr>
         <p:txBody>
-          <a:bodyPr anchorCtr="0" anchor="t" bIns="91425" lIns="91425" spcFirstLastPara="1" rIns="91425" wrap="square" tIns="91425">
+          <a:bodyPr spcFirstLastPara="1" wrap="square" lIns="91425" tIns="91425" rIns="91425" bIns="91425" anchor="t" anchorCtr="0">
             <a:normAutofit/>
           </a:bodyPr>
           <a:lstStyle>
-            <a:lvl1pPr indent="-311150" lvl="0" marL="457200">
+            <a:lvl1pPr marL="457200" lvl="0" indent="-311150">
               <a:spcBef>
                 <a:spcPts val="0"/>
               </a:spcBef>
@@ -5876,7 +5831,7 @@
               <a:buChar char="●"/>
               <a:defRPr/>
             </a:lvl1pPr>
-            <a:lvl2pPr indent="-298450" lvl="1" marL="914400">
+            <a:lvl2pPr marL="914400" lvl="1" indent="-298450">
               <a:spcBef>
                 <a:spcPts val="0"/>
               </a:spcBef>
@@ -5887,7 +5842,7 @@
               <a:buChar char="○"/>
               <a:defRPr/>
             </a:lvl2pPr>
-            <a:lvl3pPr indent="-298450" lvl="2" marL="1371600">
+            <a:lvl3pPr marL="1371600" lvl="2" indent="-298450">
               <a:spcBef>
                 <a:spcPts val="0"/>
               </a:spcBef>
@@ -5898,7 +5853,7 @@
               <a:buChar char="■"/>
               <a:defRPr/>
             </a:lvl3pPr>
-            <a:lvl4pPr indent="-298450" lvl="3" marL="1828800">
+            <a:lvl4pPr marL="1828800" lvl="3" indent="-298450">
               <a:spcBef>
                 <a:spcPts val="0"/>
               </a:spcBef>
@@ -5909,7 +5864,7 @@
               <a:buChar char="●"/>
               <a:defRPr/>
             </a:lvl4pPr>
-            <a:lvl5pPr indent="-298450" lvl="4" marL="2286000">
+            <a:lvl5pPr marL="2286000" lvl="4" indent="-298450">
               <a:spcBef>
                 <a:spcPts val="0"/>
               </a:spcBef>
@@ -5920,7 +5875,7 @@
               <a:buChar char="○"/>
               <a:defRPr/>
             </a:lvl5pPr>
-            <a:lvl6pPr indent="-298450" lvl="5" marL="2743200">
+            <a:lvl6pPr marL="2743200" lvl="5" indent="-298450">
               <a:spcBef>
                 <a:spcPts val="0"/>
               </a:spcBef>
@@ -5931,7 +5886,7 @@
               <a:buChar char="■"/>
               <a:defRPr/>
             </a:lvl6pPr>
-            <a:lvl7pPr indent="-298450" lvl="6" marL="3200400">
+            <a:lvl7pPr marL="3200400" lvl="6" indent="-298450">
               <a:spcBef>
                 <a:spcPts val="0"/>
               </a:spcBef>
@@ -5942,7 +5897,7 @@
               <a:buChar char="●"/>
               <a:defRPr/>
             </a:lvl7pPr>
-            <a:lvl8pPr indent="-298450" lvl="7" marL="3657600">
+            <a:lvl8pPr marL="3657600" lvl="7" indent="-298450">
               <a:spcBef>
                 <a:spcPts val="0"/>
               </a:spcBef>
@@ -5953,7 +5908,7 @@
               <a:buChar char="○"/>
               <a:defRPr/>
             </a:lvl8pPr>
-            <a:lvl9pPr indent="-298450" lvl="8" marL="4114800">
+            <a:lvl9pPr marL="4114800" lvl="8" indent="-298450">
               <a:spcBef>
                 <a:spcPts val="0"/>
               </a:spcBef>
@@ -5965,15 +5920,19 @@
               <a:defRPr/>
             </a:lvl9pPr>
           </a:lstStyle>
-          <a:p/>
+          <a:p>
+            <a:endParaRPr/>
+          </a:p>
         </p:txBody>
       </p:sp>
       <p:sp>
         <p:nvSpPr>
           <p:cNvPr id="68" name="Google Shape;68;p7"/>
-          <p:cNvSpPr txBox="1"/>
+          <p:cNvSpPr txBox="1">
+            <a:spLocks noGrp="1"/>
+          </p:cNvSpPr>
           <p:nvPr>
-            <p:ph idx="12" type="sldNum"/>
+            <p:ph type="sldNum" idx="12"/>
           </p:nvPr>
         </p:nvSpPr>
         <p:spPr>
@@ -5986,7 +5945,7 @@
           </a:prstGeom>
         </p:spPr>
         <p:txBody>
-          <a:bodyPr anchorCtr="0" anchor="ctr" bIns="91425" lIns="91425" spcFirstLastPara="1" rIns="91425" wrap="square" tIns="91425">
+          <a:bodyPr spcFirstLastPara="1" wrap="square" lIns="91425" tIns="91425" rIns="91425" bIns="91425" anchor="ctr" anchorCtr="0">
             <a:normAutofit/>
           </a:bodyPr>
           <a:lstStyle>
@@ -6028,7 +5987,7 @@
             </a:lvl9pPr>
           </a:lstStyle>
           <a:p>
-            <a:pPr indent="0" lvl="0" marL="0" rtl="0" algn="r">
+            <a:pPr marL="0" lvl="0" indent="0" algn="r" rtl="0">
               <a:spcBef>
                 <a:spcPts val="0"/>
               </a:spcBef>
@@ -6054,11 +6013,11 @@
 </file>
 
 <file path=ppt/slideLayouts/slideLayout7.xml><?xml version="1.0" encoding="utf-8"?>
-<p:sldLayout xmlns:a="http://schemas.openxmlformats.org/drawingml/2006/main" xmlns:r="http://schemas.openxmlformats.org/officeDocument/2006/relationships" xmlns:mc="http://schemas.openxmlformats.org/markup-compatibility/2006" xmlns:mv="urn:schemas-microsoft-com:mac:vml" xmlns:p="http://schemas.openxmlformats.org/presentationml/2006/main" xmlns:c="http://schemas.openxmlformats.org/drawingml/2006/chart" xmlns:dgm="http://schemas.openxmlformats.org/drawingml/2006/diagram" xmlns:o="urn:schemas-microsoft-com:office:office" xmlns:v="urn:schemas-microsoft-com:vml" xmlns:pvml="urn:schemas-microsoft-com:office:powerpoint" xmlns:com="http://schemas.openxmlformats.org/drawingml/2006/compatibility" xmlns:p14="http://schemas.microsoft.com/office/powerpoint/2010/main" xmlns:p15="http://schemas.microsoft.com/office/powerpoint/2012/main" xmlns:ahyp="http://schemas.microsoft.com/office/drawing/2018/hyperlinkcolor" matchingName="Main point">
+<p:sldLayout xmlns:a="http://schemas.openxmlformats.org/drawingml/2006/main" xmlns:r="http://schemas.openxmlformats.org/officeDocument/2006/relationships" xmlns:p="http://schemas.openxmlformats.org/presentationml/2006/main" matchingName="Main point">
   <p:cSld name="MAIN_POINT">
     <p:spTree>
       <p:nvGrpSpPr>
-        <p:cNvPr id="69" name="Shape 69"/>
+        <p:cNvPr id="1" name="Shape 69"/>
         <p:cNvGrpSpPr/>
         <p:nvPr/>
       </p:nvGrpSpPr>
@@ -6097,7 +6056,7 @@
             </a:xfrm>
             <a:prstGeom prst="diagStripe">
               <a:avLst>
-                <a:gd fmla="val 49469" name="adj"/>
+                <a:gd name="adj" fmla="val 49469"/>
               </a:avLst>
             </a:prstGeom>
             <a:solidFill>
@@ -6110,12 +6069,12 @@
             </a:ln>
           </p:spPr>
           <p:txBody>
-            <a:bodyPr anchorCtr="0" anchor="ctr" bIns="91425" lIns="91425" spcFirstLastPara="1" rIns="91425" wrap="square" tIns="91425">
+            <a:bodyPr spcFirstLastPara="1" wrap="square" lIns="91425" tIns="91425" rIns="91425" bIns="91425" anchor="ctr" anchorCtr="0">
               <a:noAutofit/>
             </a:bodyPr>
             <a:lstStyle/>
             <a:p>
-              <a:pPr indent="0" lvl="0" marL="0" rtl="0" algn="l">
+              <a:pPr marL="0" lvl="0" indent="0" algn="l" rtl="0">
                 <a:spcBef>
                   <a:spcPts val="0"/>
                 </a:spcBef>
@@ -6124,9 +6083,6 @@
                 </a:spcAft>
                 <a:buNone/>
               </a:pPr>
-              <a:r>
-                <a:t/>
-              </a:r>
               <a:endParaRPr/>
             </a:p>
           </p:txBody>
@@ -6144,7 +6100,7 @@
             </a:xfrm>
             <a:prstGeom prst="diagStripe">
               <a:avLst>
-                <a:gd fmla="val 0" name="adj"/>
+                <a:gd name="adj" fmla="val 0"/>
               </a:avLst>
             </a:prstGeom>
             <a:solidFill>
@@ -6157,12 +6113,12 @@
             </a:ln>
           </p:spPr>
           <p:txBody>
-            <a:bodyPr anchorCtr="0" anchor="ctr" bIns="91425" lIns="91425" spcFirstLastPara="1" rIns="91425" wrap="square" tIns="91425">
+            <a:bodyPr spcFirstLastPara="1" wrap="square" lIns="91425" tIns="91425" rIns="91425" bIns="91425" anchor="ctr" anchorCtr="0">
               <a:noAutofit/>
             </a:bodyPr>
             <a:lstStyle/>
             <a:p>
-              <a:pPr indent="0" lvl="0" marL="0" rtl="0" algn="l">
+              <a:pPr marL="0" lvl="0" indent="0" algn="l" rtl="0">
                 <a:spcBef>
                   <a:spcPts val="0"/>
                 </a:spcBef>
@@ -6171,9 +6127,6 @@
                 </a:spcAft>
                 <a:buNone/>
               </a:pPr>
-              <a:r>
-                <a:t/>
-              </a:r>
               <a:endParaRPr/>
             </a:p>
           </p:txBody>
@@ -6191,7 +6144,7 @@
             </a:xfrm>
             <a:prstGeom prst="diagStripe">
               <a:avLst>
-                <a:gd fmla="val 50000" name="adj"/>
+                <a:gd name="adj" fmla="val 50000"/>
               </a:avLst>
             </a:prstGeom>
             <a:solidFill>
@@ -6204,12 +6157,12 @@
             </a:ln>
           </p:spPr>
           <p:txBody>
-            <a:bodyPr anchorCtr="0" anchor="ctr" bIns="91425" lIns="91425" spcFirstLastPara="1" rIns="91425" wrap="square" tIns="91425">
+            <a:bodyPr spcFirstLastPara="1" wrap="square" lIns="91425" tIns="91425" rIns="91425" bIns="91425" anchor="ctr" anchorCtr="0">
               <a:noAutofit/>
             </a:bodyPr>
             <a:lstStyle/>
             <a:p>
-              <a:pPr indent="0" lvl="0" marL="0" rtl="0" algn="l">
+              <a:pPr marL="0" lvl="0" indent="0" algn="l" rtl="0">
                 <a:spcBef>
                   <a:spcPts val="0"/>
                 </a:spcBef>
@@ -6218,9 +6171,6 @@
                 </a:spcAft>
                 <a:buNone/>
               </a:pPr>
-              <a:r>
-                <a:t/>
-              </a:r>
               <a:endParaRPr/>
             </a:p>
           </p:txBody>
@@ -6238,7 +6188,7 @@
             </a:xfrm>
             <a:prstGeom prst="diagStripe">
               <a:avLst>
-                <a:gd fmla="val 50000" name="adj"/>
+                <a:gd name="adj" fmla="val 50000"/>
               </a:avLst>
             </a:prstGeom>
             <a:solidFill>
@@ -6251,12 +6201,12 @@
             </a:ln>
           </p:spPr>
           <p:txBody>
-            <a:bodyPr anchorCtr="0" anchor="ctr" bIns="91425" lIns="91425" spcFirstLastPara="1" rIns="91425" wrap="square" tIns="91425">
+            <a:bodyPr spcFirstLastPara="1" wrap="square" lIns="91425" tIns="91425" rIns="91425" bIns="91425" anchor="ctr" anchorCtr="0">
               <a:noAutofit/>
             </a:bodyPr>
             <a:lstStyle/>
             <a:p>
-              <a:pPr indent="0" lvl="0" marL="0" rtl="0" algn="l">
+              <a:pPr marL="0" lvl="0" indent="0" algn="l" rtl="0">
                 <a:spcBef>
                   <a:spcPts val="0"/>
                 </a:spcBef>
@@ -6265,9 +6215,6 @@
                 </a:spcAft>
                 <a:buNone/>
               </a:pPr>
-              <a:r>
-                <a:t/>
-              </a:r>
               <a:endParaRPr/>
             </a:p>
           </p:txBody>
@@ -6285,7 +6232,7 @@
             </a:xfrm>
             <a:prstGeom prst="diagStripe">
               <a:avLst>
-                <a:gd fmla="val 50000" name="adj"/>
+                <a:gd name="adj" fmla="val 50000"/>
               </a:avLst>
             </a:prstGeom>
             <a:solidFill>
@@ -6298,12 +6245,12 @@
             </a:ln>
           </p:spPr>
           <p:txBody>
-            <a:bodyPr anchorCtr="0" anchor="ctr" bIns="91425" lIns="91425" spcFirstLastPara="1" rIns="91425" wrap="square" tIns="91425">
+            <a:bodyPr spcFirstLastPara="1" wrap="square" lIns="91425" tIns="91425" rIns="91425" bIns="91425" anchor="ctr" anchorCtr="0">
               <a:noAutofit/>
             </a:bodyPr>
             <a:lstStyle/>
             <a:p>
-              <a:pPr indent="0" lvl="0" marL="0" rtl="0" algn="l">
+              <a:pPr marL="0" lvl="0" indent="0" algn="l" rtl="0">
                 <a:spcBef>
                   <a:spcPts val="0"/>
                 </a:spcBef>
@@ -6312,9 +6259,6 @@
                 </a:spcAft>
                 <a:buNone/>
               </a:pPr>
-              <a:r>
-                <a:t/>
-              </a:r>
               <a:endParaRPr/>
             </a:p>
           </p:txBody>
@@ -6332,7 +6276,7 @@
             </a:xfrm>
             <a:prstGeom prst="diagStripe">
               <a:avLst>
-                <a:gd fmla="val 50000" name="adj"/>
+                <a:gd name="adj" fmla="val 50000"/>
               </a:avLst>
             </a:prstGeom>
             <a:solidFill>
@@ -6345,12 +6289,12 @@
             </a:ln>
           </p:spPr>
           <p:txBody>
-            <a:bodyPr anchorCtr="0" anchor="ctr" bIns="91425" lIns="91425" spcFirstLastPara="1" rIns="91425" wrap="square" tIns="91425">
+            <a:bodyPr spcFirstLastPara="1" wrap="square" lIns="91425" tIns="91425" rIns="91425" bIns="91425" anchor="ctr" anchorCtr="0">
               <a:noAutofit/>
             </a:bodyPr>
             <a:lstStyle/>
             <a:p>
-              <a:pPr indent="0" lvl="0" marL="0" rtl="0" algn="l">
+              <a:pPr marL="0" lvl="0" indent="0" algn="l" rtl="0">
                 <a:spcBef>
                   <a:spcPts val="0"/>
                 </a:spcBef>
@@ -6359,9 +6303,6 @@
                 </a:spcAft>
                 <a:buNone/>
               </a:pPr>
-              <a:r>
-                <a:t/>
-              </a:r>
               <a:endParaRPr/>
             </a:p>
           </p:txBody>
@@ -6379,7 +6320,7 @@
             </a:xfrm>
             <a:prstGeom prst="diagStripe">
               <a:avLst>
-                <a:gd fmla="val 50000" name="adj"/>
+                <a:gd name="adj" fmla="val 50000"/>
               </a:avLst>
             </a:prstGeom>
             <a:solidFill>
@@ -6392,12 +6333,12 @@
             </a:ln>
           </p:spPr>
           <p:txBody>
-            <a:bodyPr anchorCtr="0" anchor="ctr" bIns="91425" lIns="91425" spcFirstLastPara="1" rIns="91425" wrap="square" tIns="91425">
+            <a:bodyPr spcFirstLastPara="1" wrap="square" lIns="91425" tIns="91425" rIns="91425" bIns="91425" anchor="ctr" anchorCtr="0">
               <a:noAutofit/>
             </a:bodyPr>
             <a:lstStyle/>
             <a:p>
-              <a:pPr indent="0" lvl="0" marL="0" rtl="0" algn="l">
+              <a:pPr marL="0" lvl="0" indent="0" algn="l" rtl="0">
                 <a:spcBef>
                   <a:spcPts val="0"/>
                 </a:spcBef>
@@ -6406,9 +6347,6 @@
                 </a:spcAft>
                 <a:buNone/>
               </a:pPr>
-              <a:r>
-                <a:t/>
-              </a:r>
               <a:endParaRPr/>
             </a:p>
           </p:txBody>
@@ -6426,7 +6364,7 @@
             </a:xfrm>
             <a:prstGeom prst="diagStripe">
               <a:avLst>
-                <a:gd fmla="val 50000" name="adj"/>
+                <a:gd name="adj" fmla="val 50000"/>
               </a:avLst>
             </a:prstGeom>
             <a:solidFill>
@@ -6437,12 +6375,12 @@
             </a:ln>
           </p:spPr>
           <p:txBody>
-            <a:bodyPr anchorCtr="0" anchor="ctr" bIns="91425" lIns="91425" spcFirstLastPara="1" rIns="91425" wrap="square" tIns="91425">
+            <a:bodyPr spcFirstLastPara="1" wrap="square" lIns="91425" tIns="91425" rIns="91425" bIns="91425" anchor="ctr" anchorCtr="0">
               <a:noAutofit/>
             </a:bodyPr>
             <a:lstStyle/>
             <a:p>
-              <a:pPr indent="0" lvl="0" marL="0" rtl="0" algn="l">
+              <a:pPr marL="0" lvl="0" indent="0" algn="l" rtl="0">
                 <a:spcBef>
                   <a:spcPts val="0"/>
                 </a:spcBef>
@@ -6451,9 +6389,6 @@
                 </a:spcAft>
                 <a:buNone/>
               </a:pPr>
-              <a:r>
-                <a:t/>
-              </a:r>
               <a:endParaRPr/>
             </a:p>
           </p:txBody>
@@ -6471,7 +6406,7 @@
             </a:xfrm>
             <a:prstGeom prst="diagStripe">
               <a:avLst>
-                <a:gd fmla="val 50000" name="adj"/>
+                <a:gd name="adj" fmla="val 50000"/>
               </a:avLst>
             </a:prstGeom>
             <a:solidFill>
@@ -6484,12 +6419,12 @@
             </a:ln>
           </p:spPr>
           <p:txBody>
-            <a:bodyPr anchorCtr="0" anchor="ctr" bIns="91425" lIns="91425" spcFirstLastPara="1" rIns="91425" wrap="square" tIns="91425">
+            <a:bodyPr spcFirstLastPara="1" wrap="square" lIns="91425" tIns="91425" rIns="91425" bIns="91425" anchor="ctr" anchorCtr="0">
               <a:noAutofit/>
             </a:bodyPr>
             <a:lstStyle/>
             <a:p>
-              <a:pPr indent="0" lvl="0" marL="0" rtl="0" algn="l">
+              <a:pPr marL="0" lvl="0" indent="0" algn="l" rtl="0">
                 <a:spcBef>
                   <a:spcPts val="0"/>
                 </a:spcBef>
@@ -6498,9 +6433,6 @@
                 </a:spcAft>
                 <a:buNone/>
               </a:pPr>
-              <a:r>
-                <a:t/>
-              </a:r>
               <a:endParaRPr/>
             </a:p>
           </p:txBody>
@@ -6518,7 +6450,7 @@
             </a:xfrm>
             <a:prstGeom prst="diagStripe">
               <a:avLst>
-                <a:gd fmla="val 50000" name="adj"/>
+                <a:gd name="adj" fmla="val 50000"/>
               </a:avLst>
             </a:prstGeom>
             <a:solidFill>
@@ -6531,12 +6463,12 @@
             </a:ln>
           </p:spPr>
           <p:txBody>
-            <a:bodyPr anchorCtr="0" anchor="ctr" bIns="91425" lIns="91425" spcFirstLastPara="1" rIns="91425" wrap="square" tIns="91425">
+            <a:bodyPr spcFirstLastPara="1" wrap="square" lIns="91425" tIns="91425" rIns="91425" bIns="91425" anchor="ctr" anchorCtr="0">
               <a:noAutofit/>
             </a:bodyPr>
             <a:lstStyle/>
             <a:p>
-              <a:pPr indent="0" lvl="0" marL="0" rtl="0" algn="l">
+              <a:pPr marL="0" lvl="0" indent="0" algn="l" rtl="0">
                 <a:spcBef>
                   <a:spcPts val="0"/>
                 </a:spcBef>
@@ -6545,9 +6477,6 @@
                 </a:spcAft>
                 <a:buNone/>
               </a:pPr>
-              <a:r>
-                <a:t/>
-              </a:r>
               <a:endParaRPr/>
             </a:p>
           </p:txBody>
@@ -6565,7 +6494,7 @@
             </a:xfrm>
             <a:prstGeom prst="diagStripe">
               <a:avLst>
-                <a:gd fmla="val 50000" name="adj"/>
+                <a:gd name="adj" fmla="val 50000"/>
               </a:avLst>
             </a:prstGeom>
             <a:solidFill>
@@ -6578,12 +6507,12 @@
             </a:ln>
           </p:spPr>
           <p:txBody>
-            <a:bodyPr anchorCtr="0" anchor="ctr" bIns="91425" lIns="91425" spcFirstLastPara="1" rIns="91425" wrap="square" tIns="91425">
+            <a:bodyPr spcFirstLastPara="1" wrap="square" lIns="91425" tIns="91425" rIns="91425" bIns="91425" anchor="ctr" anchorCtr="0">
               <a:noAutofit/>
             </a:bodyPr>
             <a:lstStyle/>
             <a:p>
-              <a:pPr indent="0" lvl="0" marL="0" rtl="0" algn="l">
+              <a:pPr marL="0" lvl="0" indent="0" algn="l" rtl="0">
                 <a:spcBef>
                   <a:spcPts val="0"/>
                 </a:spcBef>
@@ -6592,9 +6521,6 @@
                 </a:spcAft>
                 <a:buNone/>
               </a:pPr>
-              <a:r>
-                <a:t/>
-              </a:r>
               <a:endParaRPr/>
             </a:p>
           </p:txBody>
@@ -6612,7 +6538,7 @@
             </a:xfrm>
             <a:prstGeom prst="diagStripe">
               <a:avLst>
-                <a:gd fmla="val 50000" name="adj"/>
+                <a:gd name="adj" fmla="val 50000"/>
               </a:avLst>
             </a:prstGeom>
             <a:solidFill>
@@ -6625,12 +6551,12 @@
             </a:ln>
           </p:spPr>
           <p:txBody>
-            <a:bodyPr anchorCtr="0" anchor="ctr" bIns="91425" lIns="91425" spcFirstLastPara="1" rIns="91425" wrap="square" tIns="91425">
+            <a:bodyPr spcFirstLastPara="1" wrap="square" lIns="91425" tIns="91425" rIns="91425" bIns="91425" anchor="ctr" anchorCtr="0">
               <a:noAutofit/>
             </a:bodyPr>
             <a:lstStyle/>
             <a:p>
-              <a:pPr indent="0" lvl="0" marL="0" rtl="0" algn="l">
+              <a:pPr marL="0" lvl="0" indent="0" algn="l" rtl="0">
                 <a:spcBef>
                   <a:spcPts val="0"/>
                 </a:spcBef>
@@ -6639,9 +6565,6 @@
                 </a:spcAft>
                 <a:buNone/>
               </a:pPr>
-              <a:r>
-                <a:t/>
-              </a:r>
               <a:endParaRPr/>
             </a:p>
           </p:txBody>
@@ -6659,7 +6582,7 @@
             </a:xfrm>
             <a:prstGeom prst="diagStripe">
               <a:avLst>
-                <a:gd fmla="val 50000" name="adj"/>
+                <a:gd name="adj" fmla="val 50000"/>
               </a:avLst>
             </a:prstGeom>
             <a:solidFill>
@@ -6672,12 +6595,12 @@
             </a:ln>
           </p:spPr>
           <p:txBody>
-            <a:bodyPr anchorCtr="0" anchor="ctr" bIns="91425" lIns="91425" spcFirstLastPara="1" rIns="91425" wrap="square" tIns="91425">
+            <a:bodyPr spcFirstLastPara="1" wrap="square" lIns="91425" tIns="91425" rIns="91425" bIns="91425" anchor="ctr" anchorCtr="0">
               <a:noAutofit/>
             </a:bodyPr>
             <a:lstStyle/>
             <a:p>
-              <a:pPr indent="0" lvl="0" marL="0" rtl="0" algn="l">
+              <a:pPr marL="0" lvl="0" indent="0" algn="l" rtl="0">
                 <a:spcBef>
                   <a:spcPts val="0"/>
                 </a:spcBef>
@@ -6686,9 +6609,6 @@
                 </a:spcAft>
                 <a:buNone/>
               </a:pPr>
-              <a:r>
-                <a:t/>
-              </a:r>
               <a:endParaRPr/>
             </a:p>
           </p:txBody>
@@ -6706,7 +6626,7 @@
             </a:xfrm>
             <a:prstGeom prst="diagStripe">
               <a:avLst>
-                <a:gd fmla="val 50000" name="adj"/>
+                <a:gd name="adj" fmla="val 50000"/>
               </a:avLst>
             </a:prstGeom>
             <a:solidFill>
@@ -6717,12 +6637,12 @@
             </a:ln>
           </p:spPr>
           <p:txBody>
-            <a:bodyPr anchorCtr="0" anchor="ctr" bIns="91425" lIns="91425" spcFirstLastPara="1" rIns="91425" wrap="square" tIns="91425">
+            <a:bodyPr spcFirstLastPara="1" wrap="square" lIns="91425" tIns="91425" rIns="91425" bIns="91425" anchor="ctr" anchorCtr="0">
               <a:noAutofit/>
             </a:bodyPr>
             <a:lstStyle/>
             <a:p>
-              <a:pPr indent="0" lvl="0" marL="0" rtl="0" algn="l">
+              <a:pPr marL="0" lvl="0" indent="0" algn="l" rtl="0">
                 <a:spcBef>
                   <a:spcPts val="0"/>
                 </a:spcBef>
@@ -6731,9 +6651,6 @@
                 </a:spcAft>
                 <a:buNone/>
               </a:pPr>
-              <a:r>
-                <a:t/>
-              </a:r>
               <a:endParaRPr/>
             </a:p>
           </p:txBody>
@@ -6751,7 +6668,7 @@
             </a:xfrm>
             <a:prstGeom prst="diagStripe">
               <a:avLst>
-                <a:gd fmla="val 50000" name="adj"/>
+                <a:gd name="adj" fmla="val 50000"/>
               </a:avLst>
             </a:prstGeom>
             <a:solidFill>
@@ -6764,12 +6681,12 @@
             </a:ln>
           </p:spPr>
           <p:txBody>
-            <a:bodyPr anchorCtr="0" anchor="ctr" bIns="91425" lIns="91425" spcFirstLastPara="1" rIns="91425" wrap="square" tIns="91425">
+            <a:bodyPr spcFirstLastPara="1" wrap="square" lIns="91425" tIns="91425" rIns="91425" bIns="91425" anchor="ctr" anchorCtr="0">
               <a:noAutofit/>
             </a:bodyPr>
             <a:lstStyle/>
             <a:p>
-              <a:pPr indent="0" lvl="0" marL="0" rtl="0" algn="l">
+              <a:pPr marL="0" lvl="0" indent="0" algn="l" rtl="0">
                 <a:spcBef>
                   <a:spcPts val="0"/>
                 </a:spcBef>
@@ -6778,9 +6695,6 @@
                 </a:spcAft>
                 <a:buNone/>
               </a:pPr>
-              <a:r>
-                <a:t/>
-              </a:r>
               <a:endParaRPr/>
             </a:p>
           </p:txBody>
@@ -6798,7 +6712,7 @@
             </a:xfrm>
             <a:prstGeom prst="diagStripe">
               <a:avLst>
-                <a:gd fmla="val 50000" name="adj"/>
+                <a:gd name="adj" fmla="val 50000"/>
               </a:avLst>
             </a:prstGeom>
             <a:solidFill>
@@ -6811,12 +6725,12 @@
             </a:ln>
           </p:spPr>
           <p:txBody>
-            <a:bodyPr anchorCtr="0" anchor="ctr" bIns="91425" lIns="91425" spcFirstLastPara="1" rIns="91425" wrap="square" tIns="91425">
+            <a:bodyPr spcFirstLastPara="1" wrap="square" lIns="91425" tIns="91425" rIns="91425" bIns="91425" anchor="ctr" anchorCtr="0">
               <a:noAutofit/>
             </a:bodyPr>
             <a:lstStyle/>
             <a:p>
-              <a:pPr indent="0" lvl="0" marL="0" rtl="0" algn="l">
+              <a:pPr marL="0" lvl="0" indent="0" algn="l" rtl="0">
                 <a:spcBef>
                   <a:spcPts val="0"/>
                 </a:spcBef>
@@ -6825,9 +6739,6 @@
                 </a:spcAft>
                 <a:buNone/>
               </a:pPr>
-              <a:r>
-                <a:t/>
-              </a:r>
               <a:endParaRPr/>
             </a:p>
           </p:txBody>
@@ -6845,7 +6756,7 @@
             </a:xfrm>
             <a:prstGeom prst="diagStripe">
               <a:avLst>
-                <a:gd fmla="val 50000" name="adj"/>
+                <a:gd name="adj" fmla="val 50000"/>
               </a:avLst>
             </a:prstGeom>
             <a:solidFill>
@@ -6858,12 +6769,12 @@
             </a:ln>
           </p:spPr>
           <p:txBody>
-            <a:bodyPr anchorCtr="0" anchor="ctr" bIns="91425" lIns="91425" spcFirstLastPara="1" rIns="91425" wrap="square" tIns="91425">
+            <a:bodyPr spcFirstLastPara="1" wrap="square" lIns="91425" tIns="91425" rIns="91425" bIns="91425" anchor="ctr" anchorCtr="0">
               <a:noAutofit/>
             </a:bodyPr>
             <a:lstStyle/>
             <a:p>
-              <a:pPr indent="0" lvl="0" marL="0" rtl="0" algn="l">
+              <a:pPr marL="0" lvl="0" indent="0" algn="l" rtl="0">
                 <a:spcBef>
                   <a:spcPts val="0"/>
                 </a:spcBef>
@@ -6872,9 +6783,6 @@
                 </a:spcAft>
                 <a:buNone/>
               </a:pPr>
-              <a:r>
-                <a:t/>
-              </a:r>
               <a:endParaRPr/>
             </a:p>
           </p:txBody>
@@ -6892,7 +6800,7 @@
             </a:xfrm>
             <a:prstGeom prst="diagStripe">
               <a:avLst>
-                <a:gd fmla="val 50000" name="adj"/>
+                <a:gd name="adj" fmla="val 50000"/>
               </a:avLst>
             </a:prstGeom>
             <a:solidFill>
@@ -6905,12 +6813,12 @@
             </a:ln>
           </p:spPr>
           <p:txBody>
-            <a:bodyPr anchorCtr="0" anchor="ctr" bIns="91425" lIns="91425" spcFirstLastPara="1" rIns="91425" wrap="square" tIns="91425">
+            <a:bodyPr spcFirstLastPara="1" wrap="square" lIns="91425" tIns="91425" rIns="91425" bIns="91425" anchor="ctr" anchorCtr="0">
               <a:noAutofit/>
             </a:bodyPr>
             <a:lstStyle/>
             <a:p>
-              <a:pPr indent="0" lvl="0" marL="0" rtl="0" algn="l">
+              <a:pPr marL="0" lvl="0" indent="0" algn="l" rtl="0">
                 <a:spcBef>
                   <a:spcPts val="0"/>
                 </a:spcBef>
@@ -6919,9 +6827,6 @@
                 </a:spcAft>
                 <a:buNone/>
               </a:pPr>
-              <a:r>
-                <a:t/>
-              </a:r>
               <a:endParaRPr/>
             </a:p>
           </p:txBody>
@@ -6930,7 +6835,9 @@
       <p:sp>
         <p:nvSpPr>
           <p:cNvPr id="89" name="Google Shape;89;p8"/>
-          <p:cNvSpPr txBox="1"/>
+          <p:cNvSpPr txBox="1">
+            <a:spLocks noGrp="1"/>
+          </p:cNvSpPr>
           <p:nvPr>
             <p:ph type="title"/>
           </p:nvPr>
@@ -6945,7 +6852,7 @@
           </a:prstGeom>
         </p:spPr>
         <p:txBody>
-          <a:bodyPr anchorCtr="0" anchor="ctr" bIns="91425" lIns="91425" spcFirstLastPara="1" rIns="91425" wrap="square" tIns="91425">
+          <a:bodyPr spcFirstLastPara="1" wrap="square" lIns="91425" tIns="91425" rIns="91425" bIns="91425" anchor="ctr" anchorCtr="0">
             <a:normAutofit/>
           </a:bodyPr>
           <a:lstStyle>
@@ -7049,15 +6956,19 @@
               <a:defRPr/>
             </a:lvl9pPr>
           </a:lstStyle>
-          <a:p/>
+          <a:p>
+            <a:endParaRPr/>
+          </a:p>
         </p:txBody>
       </p:sp>
       <p:sp>
         <p:nvSpPr>
           <p:cNvPr id="90" name="Google Shape;90;p8"/>
-          <p:cNvSpPr txBox="1"/>
+          <p:cNvSpPr txBox="1">
+            <a:spLocks noGrp="1"/>
+          </p:cNvSpPr>
           <p:nvPr>
-            <p:ph idx="12" type="sldNum"/>
+            <p:ph type="sldNum" idx="12"/>
           </p:nvPr>
         </p:nvSpPr>
         <p:spPr>
@@ -7070,7 +6981,7 @@
           </a:prstGeom>
         </p:spPr>
         <p:txBody>
-          <a:bodyPr anchorCtr="0" anchor="ctr" bIns="91425" lIns="91425" spcFirstLastPara="1" rIns="91425" wrap="square" tIns="91425">
+          <a:bodyPr spcFirstLastPara="1" wrap="square" lIns="91425" tIns="91425" rIns="91425" bIns="91425" anchor="ctr" anchorCtr="0">
             <a:normAutofit/>
           </a:bodyPr>
           <a:lstStyle>
@@ -7112,7 +7023,7 @@
             </a:lvl9pPr>
           </a:lstStyle>
           <a:p>
-            <a:pPr indent="0" lvl="0" marL="0" rtl="0" algn="r">
+            <a:pPr marL="0" lvl="0" indent="0" algn="r" rtl="0">
               <a:spcBef>
                 <a:spcPts val="0"/>
               </a:spcBef>
@@ -7138,11 +7049,11 @@
 </file>
 
 <file path=ppt/slideLayouts/slideLayout8.xml><?xml version="1.0" encoding="utf-8"?>
-<p:sldLayout xmlns:a="http://schemas.openxmlformats.org/drawingml/2006/main" xmlns:r="http://schemas.openxmlformats.org/officeDocument/2006/relationships" xmlns:mc="http://schemas.openxmlformats.org/markup-compatibility/2006" xmlns:mv="urn:schemas-microsoft-com:mac:vml" xmlns:p="http://schemas.openxmlformats.org/presentationml/2006/main" xmlns:c="http://schemas.openxmlformats.org/drawingml/2006/chart" xmlns:dgm="http://schemas.openxmlformats.org/drawingml/2006/diagram" xmlns:o="urn:schemas-microsoft-com:office:office" xmlns:v="urn:schemas-microsoft-com:vml" xmlns:pvml="urn:schemas-microsoft-com:office:powerpoint" xmlns:com="http://schemas.openxmlformats.org/drawingml/2006/compatibility" xmlns:p14="http://schemas.microsoft.com/office/powerpoint/2010/main" xmlns:p15="http://schemas.microsoft.com/office/powerpoint/2012/main" xmlns:ahyp="http://schemas.microsoft.com/office/drawing/2018/hyperlinkcolor" matchingName="Section title and description">
+<p:sldLayout xmlns:a="http://schemas.openxmlformats.org/drawingml/2006/main" xmlns:r="http://schemas.openxmlformats.org/officeDocument/2006/relationships" xmlns:p="http://schemas.openxmlformats.org/presentationml/2006/main" matchingName="Section title and description">
   <p:cSld name="SECTION_TITLE_AND_DESCRIPTION">
     <p:spTree>
       <p:nvGrpSpPr>
-        <p:cNvPr id="91" name="Shape 91"/>
+        <p:cNvPr id="1" name="Shape 91"/>
         <p:cNvGrpSpPr/>
         <p:nvPr/>
       </p:nvGrpSpPr>
@@ -7181,7 +7092,7 @@
             </a:xfrm>
             <a:prstGeom prst="diagStripe">
               <a:avLst>
-                <a:gd fmla="val 50000" name="adj"/>
+                <a:gd name="adj" fmla="val 50000"/>
               </a:avLst>
             </a:prstGeom>
             <a:solidFill>
@@ -7192,12 +7103,12 @@
             </a:ln>
           </p:spPr>
           <p:txBody>
-            <a:bodyPr anchorCtr="0" anchor="ctr" bIns="91425" lIns="91425" spcFirstLastPara="1" rIns="91425" wrap="square" tIns="91425">
+            <a:bodyPr spcFirstLastPara="1" wrap="square" lIns="91425" tIns="91425" rIns="91425" bIns="91425" anchor="ctr" anchorCtr="0">
               <a:noAutofit/>
             </a:bodyPr>
             <a:lstStyle/>
             <a:p>
-              <a:pPr indent="0" lvl="0" marL="0" rtl="0" algn="l">
+              <a:pPr marL="0" lvl="0" indent="0" algn="l" rtl="0">
                 <a:spcBef>
                   <a:spcPts val="0"/>
                 </a:spcBef>
@@ -7206,9 +7117,6 @@
                 </a:spcAft>
                 <a:buNone/>
               </a:pPr>
-              <a:r>
-                <a:t/>
-              </a:r>
               <a:endParaRPr/>
             </a:p>
           </p:txBody>
@@ -7226,7 +7134,7 @@
             </a:xfrm>
             <a:prstGeom prst="diagStripe">
               <a:avLst>
-                <a:gd fmla="val 50000" name="adj"/>
+                <a:gd name="adj" fmla="val 50000"/>
               </a:avLst>
             </a:prstGeom>
             <a:solidFill>
@@ -7237,12 +7145,12 @@
             </a:ln>
           </p:spPr>
           <p:txBody>
-            <a:bodyPr anchorCtr="0" anchor="ctr" bIns="91425" lIns="91425" spcFirstLastPara="1" rIns="91425" wrap="square" tIns="91425">
+            <a:bodyPr spcFirstLastPara="1" wrap="square" lIns="91425" tIns="91425" rIns="91425" bIns="91425" anchor="ctr" anchorCtr="0">
               <a:noAutofit/>
             </a:bodyPr>
             <a:lstStyle/>
             <a:p>
-              <a:pPr indent="0" lvl="0" marL="0" rtl="0" algn="l">
+              <a:pPr marL="0" lvl="0" indent="0" algn="l" rtl="0">
                 <a:spcBef>
                   <a:spcPts val="0"/>
                 </a:spcBef>
@@ -7251,9 +7159,6 @@
                 </a:spcAft>
                 <a:buNone/>
               </a:pPr>
-              <a:r>
-                <a:t/>
-              </a:r>
               <a:endParaRPr/>
             </a:p>
           </p:txBody>
@@ -7262,7 +7167,9 @@
       <p:sp>
         <p:nvSpPr>
           <p:cNvPr id="95" name="Google Shape;95;p9"/>
-          <p:cNvSpPr txBox="1"/>
+          <p:cNvSpPr txBox="1">
+            <a:spLocks noGrp="1"/>
+          </p:cNvSpPr>
           <p:nvPr>
             <p:ph type="title"/>
           </p:nvPr>
@@ -7277,7 +7184,7 @@
           </a:prstGeom>
         </p:spPr>
         <p:txBody>
-          <a:bodyPr anchorCtr="0" anchor="t" bIns="91425" lIns="91425" spcFirstLastPara="1" rIns="91425" wrap="square" tIns="91425">
+          <a:bodyPr spcFirstLastPara="1" wrap="square" lIns="91425" tIns="91425" rIns="91425" bIns="91425" anchor="t" anchorCtr="0">
             <a:normAutofit/>
           </a:bodyPr>
           <a:lstStyle>
@@ -7381,15 +7288,19 @@
               <a:defRPr sz="2400"/>
             </a:lvl9pPr>
           </a:lstStyle>
-          <a:p/>
+          <a:p>
+            <a:endParaRPr/>
+          </a:p>
         </p:txBody>
       </p:sp>
       <p:sp>
         <p:nvSpPr>
           <p:cNvPr id="96" name="Google Shape;96;p9"/>
-          <p:cNvSpPr txBox="1"/>
+          <p:cNvSpPr txBox="1">
+            <a:spLocks noGrp="1"/>
+          </p:cNvSpPr>
           <p:nvPr>
-            <p:ph idx="1" type="subTitle"/>
+            <p:ph type="subTitle" idx="1"/>
           </p:nvPr>
         </p:nvSpPr>
         <p:spPr>
@@ -7402,7 +7313,7 @@
           </a:prstGeom>
         </p:spPr>
         <p:txBody>
-          <a:bodyPr anchorCtr="0" anchor="t" bIns="91425" lIns="91425" spcFirstLastPara="1" rIns="91425" wrap="square" tIns="91425">
+          <a:bodyPr spcFirstLastPara="1" wrap="square" lIns="91425" tIns="91425" rIns="91425" bIns="91425" anchor="t" anchorCtr="0">
             <a:normAutofit/>
           </a:bodyPr>
           <a:lstStyle>
@@ -7533,15 +7444,19 @@
               <a:defRPr sz="1300"/>
             </a:lvl9pPr>
           </a:lstStyle>
-          <a:p/>
+          <a:p>
+            <a:endParaRPr/>
+          </a:p>
         </p:txBody>
       </p:sp>
       <p:sp>
         <p:nvSpPr>
           <p:cNvPr id="97" name="Google Shape;97;p9"/>
-          <p:cNvSpPr txBox="1"/>
+          <p:cNvSpPr txBox="1">
+            <a:spLocks noGrp="1"/>
+          </p:cNvSpPr>
           <p:nvPr>
-            <p:ph idx="2" type="body"/>
+            <p:ph type="body" idx="2"/>
           </p:nvPr>
         </p:nvSpPr>
         <p:spPr>
@@ -7554,11 +7469,11 @@
           </a:prstGeom>
         </p:spPr>
         <p:txBody>
-          <a:bodyPr anchorCtr="0" anchor="t" bIns="91425" lIns="91425" spcFirstLastPara="1" rIns="91425" wrap="square" tIns="91425">
+          <a:bodyPr spcFirstLastPara="1" wrap="square" lIns="91425" tIns="91425" rIns="91425" bIns="91425" anchor="t" anchorCtr="0">
             <a:normAutofit/>
           </a:bodyPr>
           <a:lstStyle>
-            <a:lvl1pPr indent="-311150" lvl="0" marL="457200">
+            <a:lvl1pPr marL="457200" lvl="0" indent="-311150">
               <a:spcBef>
                 <a:spcPts val="0"/>
               </a:spcBef>
@@ -7569,7 +7484,7 @@
               <a:buChar char="●"/>
               <a:defRPr/>
             </a:lvl1pPr>
-            <a:lvl2pPr indent="-298450" lvl="1" marL="914400">
+            <a:lvl2pPr marL="914400" lvl="1" indent="-298450">
               <a:spcBef>
                 <a:spcPts val="0"/>
               </a:spcBef>
@@ -7580,7 +7495,7 @@
               <a:buChar char="○"/>
               <a:defRPr/>
             </a:lvl2pPr>
-            <a:lvl3pPr indent="-298450" lvl="2" marL="1371600">
+            <a:lvl3pPr marL="1371600" lvl="2" indent="-298450">
               <a:spcBef>
                 <a:spcPts val="0"/>
               </a:spcBef>
@@ -7591,7 +7506,7 @@
               <a:buChar char="■"/>
               <a:defRPr/>
             </a:lvl3pPr>
-            <a:lvl4pPr indent="-298450" lvl="3" marL="1828800">
+            <a:lvl4pPr marL="1828800" lvl="3" indent="-298450">
               <a:spcBef>
                 <a:spcPts val="0"/>
               </a:spcBef>
@@ -7602,7 +7517,7 @@
               <a:buChar char="●"/>
               <a:defRPr/>
             </a:lvl4pPr>
-            <a:lvl5pPr indent="-298450" lvl="4" marL="2286000">
+            <a:lvl5pPr marL="2286000" lvl="4" indent="-298450">
               <a:spcBef>
                 <a:spcPts val="0"/>
               </a:spcBef>
@@ -7613,7 +7528,7 @@
               <a:buChar char="○"/>
               <a:defRPr/>
             </a:lvl5pPr>
-            <a:lvl6pPr indent="-298450" lvl="5" marL="2743200">
+            <a:lvl6pPr marL="2743200" lvl="5" indent="-298450">
               <a:spcBef>
                 <a:spcPts val="0"/>
               </a:spcBef>
@@ -7624,7 +7539,7 @@
               <a:buChar char="■"/>
               <a:defRPr/>
             </a:lvl6pPr>
-            <a:lvl7pPr indent="-298450" lvl="6" marL="3200400">
+            <a:lvl7pPr marL="3200400" lvl="6" indent="-298450">
               <a:spcBef>
                 <a:spcPts val="0"/>
               </a:spcBef>
@@ -7635,7 +7550,7 @@
               <a:buChar char="●"/>
               <a:defRPr/>
             </a:lvl7pPr>
-            <a:lvl8pPr indent="-298450" lvl="7" marL="3657600">
+            <a:lvl8pPr marL="3657600" lvl="7" indent="-298450">
               <a:spcBef>
                 <a:spcPts val="0"/>
               </a:spcBef>
@@ -7646,7 +7561,7 @@
               <a:buChar char="○"/>
               <a:defRPr/>
             </a:lvl8pPr>
-            <a:lvl9pPr indent="-298450" lvl="8" marL="4114800">
+            <a:lvl9pPr marL="4114800" lvl="8" indent="-298450">
               <a:spcBef>
                 <a:spcPts val="0"/>
               </a:spcBef>
@@ -7658,15 +7573,19 @@
               <a:defRPr/>
             </a:lvl9pPr>
           </a:lstStyle>
-          <a:p/>
+          <a:p>
+            <a:endParaRPr/>
+          </a:p>
         </p:txBody>
       </p:sp>
       <p:sp>
         <p:nvSpPr>
           <p:cNvPr id="98" name="Google Shape;98;p9"/>
-          <p:cNvSpPr txBox="1"/>
+          <p:cNvSpPr txBox="1">
+            <a:spLocks noGrp="1"/>
+          </p:cNvSpPr>
           <p:nvPr>
-            <p:ph idx="12" type="sldNum"/>
+            <p:ph type="sldNum" idx="12"/>
           </p:nvPr>
         </p:nvSpPr>
         <p:spPr>
@@ -7679,7 +7598,7 @@
           </a:prstGeom>
         </p:spPr>
         <p:txBody>
-          <a:bodyPr anchorCtr="0" anchor="ctr" bIns="91425" lIns="91425" spcFirstLastPara="1" rIns="91425" wrap="square" tIns="91425">
+          <a:bodyPr spcFirstLastPara="1" wrap="square" lIns="91425" tIns="91425" rIns="91425" bIns="91425" anchor="ctr" anchorCtr="0">
             <a:normAutofit/>
           </a:bodyPr>
           <a:lstStyle>
@@ -7721,7 +7640,7 @@
             </a:lvl9pPr>
           </a:lstStyle>
           <a:p>
-            <a:pPr indent="0" lvl="0" marL="0" rtl="0" algn="r">
+            <a:pPr marL="0" lvl="0" indent="0" algn="r" rtl="0">
               <a:spcBef>
                 <a:spcPts val="0"/>
               </a:spcBef>
@@ -7747,11 +7666,11 @@
 </file>
 
 <file path=ppt/slideLayouts/slideLayout9.xml><?xml version="1.0" encoding="utf-8"?>
-<p:sldLayout xmlns:a="http://schemas.openxmlformats.org/drawingml/2006/main" xmlns:r="http://schemas.openxmlformats.org/officeDocument/2006/relationships" xmlns:mc="http://schemas.openxmlformats.org/markup-compatibility/2006" xmlns:mv="urn:schemas-microsoft-com:mac:vml" xmlns:p="http://schemas.openxmlformats.org/presentationml/2006/main" xmlns:c="http://schemas.openxmlformats.org/drawingml/2006/chart" xmlns:dgm="http://schemas.openxmlformats.org/drawingml/2006/diagram" xmlns:o="urn:schemas-microsoft-com:office:office" xmlns:v="urn:schemas-microsoft-com:vml" xmlns:pvml="urn:schemas-microsoft-com:office:powerpoint" xmlns:com="http://schemas.openxmlformats.org/drawingml/2006/compatibility" xmlns:p14="http://schemas.microsoft.com/office/powerpoint/2010/main" xmlns:p15="http://schemas.microsoft.com/office/powerpoint/2012/main" xmlns:ahyp="http://schemas.microsoft.com/office/drawing/2018/hyperlinkcolor" matchingName="Caption">
+<p:sldLayout xmlns:a="http://schemas.openxmlformats.org/drawingml/2006/main" xmlns:r="http://schemas.openxmlformats.org/officeDocument/2006/relationships" xmlns:p="http://schemas.openxmlformats.org/presentationml/2006/main" matchingName="Caption">
   <p:cSld name="CAPTION_ONLY">
     <p:spTree>
       <p:nvGrpSpPr>
-        <p:cNvPr id="99" name="Shape 99"/>
+        <p:cNvPr id="1" name="Shape 99"/>
         <p:cNvGrpSpPr/>
         <p:nvPr/>
       </p:nvGrpSpPr>
@@ -7790,7 +7709,7 @@
             </a:xfrm>
             <a:prstGeom prst="diagStripe">
               <a:avLst>
-                <a:gd fmla="val 50000" name="adj"/>
+                <a:gd name="adj" fmla="val 50000"/>
               </a:avLst>
             </a:prstGeom>
             <a:solidFill>
@@ -7803,12 +7722,12 @@
             </a:ln>
           </p:spPr>
           <p:txBody>
-            <a:bodyPr anchorCtr="0" anchor="ctr" bIns="91425" lIns="91425" spcFirstLastPara="1" rIns="91425" wrap="square" tIns="91425">
+            <a:bodyPr spcFirstLastPara="1" wrap="square" lIns="91425" tIns="91425" rIns="91425" bIns="91425" anchor="ctr" anchorCtr="0">
               <a:noAutofit/>
             </a:bodyPr>
             <a:lstStyle/>
             <a:p>
-              <a:pPr indent="0" lvl="0" marL="0" rtl="0" algn="l">
+              <a:pPr marL="0" lvl="0" indent="0" algn="l" rtl="0">
                 <a:spcBef>
                   <a:spcPts val="0"/>
                 </a:spcBef>
@@ -7817,9 +7736,6 @@
                 </a:spcAft>
                 <a:buNone/>
               </a:pPr>
-              <a:r>
-                <a:t/>
-              </a:r>
               <a:endParaRPr/>
             </a:p>
           </p:txBody>
@@ -7837,7 +7753,7 @@
             </a:xfrm>
             <a:prstGeom prst="diagStripe">
               <a:avLst>
-                <a:gd fmla="val 50000" name="adj"/>
+                <a:gd name="adj" fmla="val 50000"/>
               </a:avLst>
             </a:prstGeom>
             <a:solidFill>
@@ -7850,12 +7766,12 @@
             </a:ln>
           </p:spPr>
           <p:txBody>
-            <a:bodyPr anchorCtr="0" anchor="ctr" bIns="91425" lIns="91425" spcFirstLastPara="1" rIns="91425" wrap="square" tIns="91425">
+            <a:bodyPr spcFirstLastPara="1" wrap="square" lIns="91425" tIns="91425" rIns="91425" bIns="91425" anchor="ctr" anchorCtr="0">
               <a:noAutofit/>
             </a:bodyPr>
             <a:lstStyle/>
             <a:p>
-              <a:pPr indent="0" lvl="0" marL="0" rtl="0" algn="l">
+              <a:pPr marL="0" lvl="0" indent="0" algn="l" rtl="0">
                 <a:spcBef>
                   <a:spcPts val="0"/>
                 </a:spcBef>
@@ -7864,9 +7780,6 @@
                 </a:spcAft>
                 <a:buNone/>
               </a:pPr>
-              <a:r>
-                <a:t/>
-              </a:r>
               <a:endParaRPr/>
             </a:p>
           </p:txBody>
@@ -7875,9 +7788,11 @@
       <p:sp>
         <p:nvSpPr>
           <p:cNvPr id="103" name="Google Shape;103;p10"/>
-          <p:cNvSpPr txBox="1"/>
+          <p:cNvSpPr txBox="1">
+            <a:spLocks noGrp="1"/>
+          </p:cNvSpPr>
           <p:nvPr>
-            <p:ph idx="1" type="body"/>
+            <p:ph type="body" idx="1"/>
           </p:nvPr>
         </p:nvSpPr>
         <p:spPr>
@@ -7890,11 +7805,11 @@
           </a:prstGeom>
         </p:spPr>
         <p:txBody>
-          <a:bodyPr anchorCtr="0" anchor="ctr" bIns="91425" lIns="91425" spcFirstLastPara="1" rIns="91425" wrap="square" tIns="91425">
+          <a:bodyPr spcFirstLastPara="1" wrap="square" lIns="91425" tIns="91425" rIns="91425" bIns="91425" anchor="ctr" anchorCtr="0">
             <a:normAutofit/>
           </a:bodyPr>
           <a:lstStyle>
-            <a:lvl1pPr indent="-228600" lvl="0" marL="457200">
+            <a:lvl1pPr marL="457200" lvl="0" indent="-228600">
               <a:lnSpc>
                 <a:spcPct val="100000"/>
               </a:lnSpc>
@@ -7909,15 +7824,19 @@
               <a:defRPr/>
             </a:lvl1pPr>
           </a:lstStyle>
-          <a:p/>
+          <a:p>
+            <a:endParaRPr/>
+          </a:p>
         </p:txBody>
       </p:sp>
       <p:sp>
         <p:nvSpPr>
           <p:cNvPr id="104" name="Google Shape;104;p10"/>
-          <p:cNvSpPr txBox="1"/>
+          <p:cNvSpPr txBox="1">
+            <a:spLocks noGrp="1"/>
+          </p:cNvSpPr>
           <p:nvPr>
-            <p:ph idx="12" type="sldNum"/>
+            <p:ph type="sldNum" idx="12"/>
           </p:nvPr>
         </p:nvSpPr>
         <p:spPr>
@@ -7930,7 +7849,7 @@
           </a:prstGeom>
         </p:spPr>
         <p:txBody>
-          <a:bodyPr anchorCtr="0" anchor="ctr" bIns="91425" lIns="91425" spcFirstLastPara="1" rIns="91425" wrap="square" tIns="91425">
+          <a:bodyPr spcFirstLastPara="1" wrap="square" lIns="91425" tIns="91425" rIns="91425" bIns="91425" anchor="ctr" anchorCtr="0">
             <a:normAutofit/>
           </a:bodyPr>
           <a:lstStyle>
@@ -7972,7 +7891,7 @@
             </a:lvl9pPr>
           </a:lstStyle>
           <a:p>
-            <a:pPr indent="0" lvl="0" marL="0" rtl="0" algn="r">
+            <a:pPr marL="0" lvl="0" indent="0" algn="r" rtl="0">
               <a:spcBef>
                 <a:spcPts val="0"/>
               </a:spcBef>
@@ -7998,18 +7917,19 @@
 </file>
 
 <file path=ppt/slideMasters/slideMaster1.xml><?xml version="1.0" encoding="utf-8"?>
-<p:sldMaster xmlns:a="http://schemas.openxmlformats.org/drawingml/2006/main" xmlns:r="http://schemas.openxmlformats.org/officeDocument/2006/relationships" xmlns:mc="http://schemas.openxmlformats.org/markup-compatibility/2006" xmlns:mv="urn:schemas-microsoft-com:mac:vml" xmlns:p="http://schemas.openxmlformats.org/presentationml/2006/main" xmlns:c="http://schemas.openxmlformats.org/drawingml/2006/chart" xmlns:dgm="http://schemas.openxmlformats.org/drawingml/2006/diagram" xmlns:o="urn:schemas-microsoft-com:office:office" xmlns:v="urn:schemas-microsoft-com:vml" xmlns:pvml="urn:schemas-microsoft-com:office:powerpoint" xmlns:com="http://schemas.openxmlformats.org/drawingml/2006/compatibility" xmlns:p14="http://schemas.microsoft.com/office/powerpoint/2010/main" xmlns:p15="http://schemas.microsoft.com/office/powerpoint/2012/main" xmlns:ahyp="http://schemas.microsoft.com/office/drawing/2018/hyperlinkcolor">
+<p:sldMaster xmlns:a="http://schemas.openxmlformats.org/drawingml/2006/main" xmlns:r="http://schemas.openxmlformats.org/officeDocument/2006/relationships" xmlns:p="http://schemas.openxmlformats.org/presentationml/2006/main">
   <p:cSld name="focus">
     <p:bg>
       <p:bgPr>
         <a:solidFill>
           <a:schemeClr val="dk1"/>
         </a:solidFill>
+        <a:effectLst/>
       </p:bgPr>
     </p:bg>
     <p:spTree>
       <p:nvGrpSpPr>
-        <p:cNvPr id="5" name="Shape 5"/>
+        <p:cNvPr id="1" name="Shape 5"/>
         <p:cNvGrpSpPr/>
         <p:nvPr/>
       </p:nvGrpSpPr>
@@ -8024,7 +7944,9 @@
       <p:sp>
         <p:nvSpPr>
           <p:cNvPr id="6" name="Google Shape;6;p1"/>
-          <p:cNvSpPr txBox="1"/>
+          <p:cNvSpPr txBox="1">
+            <a:spLocks noGrp="1"/>
+          </p:cNvSpPr>
           <p:nvPr>
             <p:ph type="title"/>
           </p:nvPr>
@@ -8043,7 +7965,7 @@
           </a:ln>
         </p:spPr>
         <p:txBody>
-          <a:bodyPr anchorCtr="0" anchor="t" bIns="91425" lIns="91425" spcFirstLastPara="1" rIns="91425" wrap="square" tIns="91425">
+          <a:bodyPr spcFirstLastPara="1" wrap="square" lIns="91425" tIns="91425" rIns="91425" bIns="91425" anchor="t" anchorCtr="0">
             <a:normAutofit/>
           </a:bodyPr>
           <a:lstStyle>
@@ -8255,15 +8177,19 @@
               </a:defRPr>
             </a:lvl9pPr>
           </a:lstStyle>
-          <a:p/>
+          <a:p>
+            <a:endParaRPr/>
+          </a:p>
         </p:txBody>
       </p:sp>
       <p:sp>
         <p:nvSpPr>
           <p:cNvPr id="7" name="Google Shape;7;p1"/>
-          <p:cNvSpPr txBox="1"/>
+          <p:cNvSpPr txBox="1">
+            <a:spLocks noGrp="1"/>
+          </p:cNvSpPr>
           <p:nvPr>
-            <p:ph idx="1" type="body"/>
+            <p:ph type="body" idx="1"/>
           </p:nvPr>
         </p:nvSpPr>
         <p:spPr>
@@ -8280,11 +8206,11 @@
           </a:ln>
         </p:spPr>
         <p:txBody>
-          <a:bodyPr anchorCtr="0" anchor="t" bIns="91425" lIns="91425" spcFirstLastPara="1" rIns="91425" wrap="square" tIns="91425">
+          <a:bodyPr spcFirstLastPara="1" wrap="square" lIns="91425" tIns="91425" rIns="91425" bIns="91425" anchor="t" anchorCtr="0">
             <a:normAutofit/>
           </a:bodyPr>
           <a:lstStyle>
-            <a:lvl1pPr indent="-311150" lvl="0" marL="457200">
+            <a:lvl1pPr marL="457200" lvl="0" indent="-311150">
               <a:lnSpc>
                 <a:spcPct val="115000"/>
               </a:lnSpc>
@@ -8310,7 +8236,7 @@
                 <a:sym typeface="Lato"/>
               </a:defRPr>
             </a:lvl1pPr>
-            <a:lvl2pPr indent="-298450" lvl="1" marL="914400">
+            <a:lvl2pPr marL="914400" lvl="1" indent="-298450">
               <a:lnSpc>
                 <a:spcPct val="115000"/>
               </a:lnSpc>
@@ -8336,7 +8262,7 @@
                 <a:sym typeface="Lato"/>
               </a:defRPr>
             </a:lvl2pPr>
-            <a:lvl3pPr indent="-298450" lvl="2" marL="1371600">
+            <a:lvl3pPr marL="1371600" lvl="2" indent="-298450">
               <a:lnSpc>
                 <a:spcPct val="115000"/>
               </a:lnSpc>
@@ -8362,7 +8288,7 @@
                 <a:sym typeface="Lato"/>
               </a:defRPr>
             </a:lvl3pPr>
-            <a:lvl4pPr indent="-298450" lvl="3" marL="1828800">
+            <a:lvl4pPr marL="1828800" lvl="3" indent="-298450">
               <a:lnSpc>
                 <a:spcPct val="115000"/>
               </a:lnSpc>
@@ -8388,7 +8314,7 @@
                 <a:sym typeface="Lato"/>
               </a:defRPr>
             </a:lvl4pPr>
-            <a:lvl5pPr indent="-298450" lvl="4" marL="2286000">
+            <a:lvl5pPr marL="2286000" lvl="4" indent="-298450">
               <a:lnSpc>
                 <a:spcPct val="115000"/>
               </a:lnSpc>
@@ -8414,7 +8340,7 @@
                 <a:sym typeface="Lato"/>
               </a:defRPr>
             </a:lvl5pPr>
-            <a:lvl6pPr indent="-298450" lvl="5" marL="2743200">
+            <a:lvl6pPr marL="2743200" lvl="5" indent="-298450">
               <a:lnSpc>
                 <a:spcPct val="115000"/>
               </a:lnSpc>
@@ -8440,7 +8366,7 @@
                 <a:sym typeface="Lato"/>
               </a:defRPr>
             </a:lvl6pPr>
-            <a:lvl7pPr indent="-298450" lvl="6" marL="3200400">
+            <a:lvl7pPr marL="3200400" lvl="6" indent="-298450">
               <a:lnSpc>
                 <a:spcPct val="115000"/>
               </a:lnSpc>
@@ -8466,7 +8392,7 @@
                 <a:sym typeface="Lato"/>
               </a:defRPr>
             </a:lvl7pPr>
-            <a:lvl8pPr indent="-298450" lvl="7" marL="3657600">
+            <a:lvl8pPr marL="3657600" lvl="7" indent="-298450">
               <a:lnSpc>
                 <a:spcPct val="115000"/>
               </a:lnSpc>
@@ -8492,7 +8418,7 @@
                 <a:sym typeface="Lato"/>
               </a:defRPr>
             </a:lvl8pPr>
-            <a:lvl9pPr indent="-298450" lvl="8" marL="4114800">
+            <a:lvl9pPr marL="4114800" lvl="8" indent="-298450">
               <a:lnSpc>
                 <a:spcPct val="115000"/>
               </a:lnSpc>
@@ -8519,15 +8445,19 @@
               </a:defRPr>
             </a:lvl9pPr>
           </a:lstStyle>
-          <a:p/>
+          <a:p>
+            <a:endParaRPr/>
+          </a:p>
         </p:txBody>
       </p:sp>
       <p:sp>
         <p:nvSpPr>
           <p:cNvPr id="8" name="Google Shape;8;p1"/>
-          <p:cNvSpPr txBox="1"/>
+          <p:cNvSpPr txBox="1">
+            <a:spLocks noGrp="1"/>
+          </p:cNvSpPr>
           <p:nvPr>
-            <p:ph idx="12" type="sldNum"/>
+            <p:ph type="sldNum" idx="12"/>
           </p:nvPr>
         </p:nvSpPr>
         <p:spPr>
@@ -8544,7 +8474,7 @@
           </a:ln>
         </p:spPr>
         <p:txBody>
-          <a:bodyPr anchorCtr="0" anchor="ctr" bIns="91425" lIns="91425" spcFirstLastPara="1" rIns="91425" wrap="square" tIns="91425">
+          <a:bodyPr spcFirstLastPara="1" wrap="square" lIns="91425" tIns="91425" rIns="91425" bIns="91425" anchor="ctr" anchorCtr="0">
             <a:normAutofit/>
           </a:bodyPr>
           <a:lstStyle>
@@ -8658,7 +8588,7 @@
             </a:lvl9pPr>
           </a:lstStyle>
           <a:p>
-            <a:pPr indent="0" lvl="0" marL="0" rtl="0" algn="r">
+            <a:pPr marL="0" lvl="0" indent="0" algn="r" rtl="0">
               <a:spcBef>
                 <a:spcPts val="0"/>
               </a:spcBef>
@@ -8677,7 +8607,7 @@
       </p:sp>
     </p:spTree>
   </p:cSld>
-  <p:clrMap accent1="accent1" accent2="accent2" accent3="accent3" accent4="accent4" accent5="accent5" accent6="accent6" bg1="lt1" bg2="dk2" tx1="dk1" tx2="lt2" folHlink="folHlink" hlink="hlink"/>
+  <p:clrMap bg1="lt1" tx1="dk1" bg2="dk2" tx2="lt2" accent1="accent1" accent2="accent2" accent3="accent3" accent4="accent4" accent5="accent5" accent6="accent6" hlink="hlink" folHlink="folHlink"/>
   <p:sldLayoutIdLst>
     <p:sldLayoutId id="2147483648" r:id="rId1"/>
     <p:sldLayoutId id="2147483649" r:id="rId2"/>
@@ -8691,10 +8621,10 @@
     <p:sldLayoutId id="2147483657" r:id="rId10"/>
     <p:sldLayoutId id="2147483658" r:id="rId11"/>
   </p:sldLayoutIdLst>
-  <p:hf dt="0" ftr="0" hdr="0" sldNum="0"/>
+  <p:hf sldNum="0" hdr="0" ftr="0" dt="0"/>
   <p:txStyles>
     <p:titleStyle>
-      <a:defPPr lvl="0" marR="0" rtl="0" algn="l">
+      <a:defPPr marR="0" lvl="0" algn="l" rtl="0">
         <a:lnSpc>
           <a:spcPct val="100000"/>
         </a:lnSpc>
@@ -8705,7 +8635,7 @@
           <a:spcPts val="0"/>
         </a:spcAft>
       </a:defPPr>
-      <a:lvl1pPr lvl="0" marR="0" rtl="0" algn="l">
+      <a:lvl1pPr marR="0" lvl="0" algn="l" rtl="0">
         <a:lnSpc>
           <a:spcPct val="100000"/>
         </a:lnSpc>
@@ -8719,7 +8649,7 @@
           <a:srgbClr val="000000"/>
         </a:buClr>
         <a:buFont typeface="Arial"/>
-        <a:defRPr b="0" i="0" sz="1400" u="none" cap="none" strike="noStrike">
+        <a:defRPr sz="1400" b="0" i="0" u="none" strike="noStrike" cap="none">
           <a:solidFill>
             <a:srgbClr val="000000"/>
           </a:solidFill>
@@ -8729,7 +8659,7 @@
           <a:sym typeface="Arial"/>
         </a:defRPr>
       </a:lvl1pPr>
-      <a:lvl2pPr lvl="1" marR="0" rtl="0" algn="l">
+      <a:lvl2pPr marR="0" lvl="1" algn="l" rtl="0">
         <a:lnSpc>
           <a:spcPct val="100000"/>
         </a:lnSpc>
@@ -8743,7 +8673,7 @@
           <a:srgbClr val="000000"/>
         </a:buClr>
         <a:buFont typeface="Arial"/>
-        <a:defRPr b="0" i="0" sz="1400" u="none" cap="none" strike="noStrike">
+        <a:defRPr sz="1400" b="0" i="0" u="none" strike="noStrike" cap="none">
           <a:solidFill>
             <a:srgbClr val="000000"/>
           </a:solidFill>
@@ -8753,7 +8683,7 @@
           <a:sym typeface="Arial"/>
         </a:defRPr>
       </a:lvl2pPr>
-      <a:lvl3pPr lvl="2" marR="0" rtl="0" algn="l">
+      <a:lvl3pPr marR="0" lvl="2" algn="l" rtl="0">
         <a:lnSpc>
           <a:spcPct val="100000"/>
         </a:lnSpc>
@@ -8767,7 +8697,7 @@
           <a:srgbClr val="000000"/>
         </a:buClr>
         <a:buFont typeface="Arial"/>
-        <a:defRPr b="0" i="0" sz="1400" u="none" cap="none" strike="noStrike">
+        <a:defRPr sz="1400" b="0" i="0" u="none" strike="noStrike" cap="none">
           <a:solidFill>
             <a:srgbClr val="000000"/>
           </a:solidFill>
@@ -8777,7 +8707,7 @@
           <a:sym typeface="Arial"/>
         </a:defRPr>
       </a:lvl3pPr>
-      <a:lvl4pPr lvl="3" marR="0" rtl="0" algn="l">
+      <a:lvl4pPr marR="0" lvl="3" algn="l" rtl="0">
         <a:lnSpc>
           <a:spcPct val="100000"/>
         </a:lnSpc>
@@ -8791,7 +8721,7 @@
           <a:srgbClr val="000000"/>
         </a:buClr>
         <a:buFont typeface="Arial"/>
-        <a:defRPr b="0" i="0" sz="1400" u="none" cap="none" strike="noStrike">
+        <a:defRPr sz="1400" b="0" i="0" u="none" strike="noStrike" cap="none">
           <a:solidFill>
             <a:srgbClr val="000000"/>
           </a:solidFill>
@@ -8801,7 +8731,7 @@
           <a:sym typeface="Arial"/>
         </a:defRPr>
       </a:lvl4pPr>
-      <a:lvl5pPr lvl="4" marR="0" rtl="0" algn="l">
+      <a:lvl5pPr marR="0" lvl="4" algn="l" rtl="0">
         <a:lnSpc>
           <a:spcPct val="100000"/>
         </a:lnSpc>
@@ -8815,7 +8745,7 @@
           <a:srgbClr val="000000"/>
         </a:buClr>
         <a:buFont typeface="Arial"/>
-        <a:defRPr b="0" i="0" sz="1400" u="none" cap="none" strike="noStrike">
+        <a:defRPr sz="1400" b="0" i="0" u="none" strike="noStrike" cap="none">
           <a:solidFill>
             <a:srgbClr val="000000"/>
           </a:solidFill>
@@ -8825,7 +8755,7 @@
           <a:sym typeface="Arial"/>
         </a:defRPr>
       </a:lvl5pPr>
-      <a:lvl6pPr lvl="5" marR="0" rtl="0" algn="l">
+      <a:lvl6pPr marR="0" lvl="5" algn="l" rtl="0">
         <a:lnSpc>
           <a:spcPct val="100000"/>
         </a:lnSpc>
@@ -8839,7 +8769,7 @@
           <a:srgbClr val="000000"/>
         </a:buClr>
         <a:buFont typeface="Arial"/>
-        <a:defRPr b="0" i="0" sz="1400" u="none" cap="none" strike="noStrike">
+        <a:defRPr sz="1400" b="0" i="0" u="none" strike="noStrike" cap="none">
           <a:solidFill>
             <a:srgbClr val="000000"/>
           </a:solidFill>
@@ -8849,7 +8779,7 @@
           <a:sym typeface="Arial"/>
         </a:defRPr>
       </a:lvl6pPr>
-      <a:lvl7pPr lvl="6" marR="0" rtl="0" algn="l">
+      <a:lvl7pPr marR="0" lvl="6" algn="l" rtl="0">
         <a:lnSpc>
           <a:spcPct val="100000"/>
         </a:lnSpc>
@@ -8863,7 +8793,7 @@
           <a:srgbClr val="000000"/>
         </a:buClr>
         <a:buFont typeface="Arial"/>
-        <a:defRPr b="0" i="0" sz="1400" u="none" cap="none" strike="noStrike">
+        <a:defRPr sz="1400" b="0" i="0" u="none" strike="noStrike" cap="none">
           <a:solidFill>
             <a:srgbClr val="000000"/>
           </a:solidFill>
@@ -8873,7 +8803,7 @@
           <a:sym typeface="Arial"/>
         </a:defRPr>
       </a:lvl7pPr>
-      <a:lvl8pPr lvl="7" marR="0" rtl="0" algn="l">
+      <a:lvl8pPr marR="0" lvl="7" algn="l" rtl="0">
         <a:lnSpc>
           <a:spcPct val="100000"/>
         </a:lnSpc>
@@ -8887,7 +8817,7 @@
           <a:srgbClr val="000000"/>
         </a:buClr>
         <a:buFont typeface="Arial"/>
-        <a:defRPr b="0" i="0" sz="1400" u="none" cap="none" strike="noStrike">
+        <a:defRPr sz="1400" b="0" i="0" u="none" strike="noStrike" cap="none">
           <a:solidFill>
             <a:srgbClr val="000000"/>
           </a:solidFill>
@@ -8897,7 +8827,7 @@
           <a:sym typeface="Arial"/>
         </a:defRPr>
       </a:lvl8pPr>
-      <a:lvl9pPr lvl="8" marR="0" rtl="0" algn="l">
+      <a:lvl9pPr marR="0" lvl="8" algn="l" rtl="0">
         <a:lnSpc>
           <a:spcPct val="100000"/>
         </a:lnSpc>
@@ -8911,7 +8841,7 @@
           <a:srgbClr val="000000"/>
         </a:buClr>
         <a:buFont typeface="Arial"/>
-        <a:defRPr b="0" i="0" sz="1400" u="none" cap="none" strike="noStrike">
+        <a:defRPr sz="1400" b="0" i="0" u="none" strike="noStrike" cap="none">
           <a:solidFill>
             <a:srgbClr val="000000"/>
           </a:solidFill>
@@ -8923,7 +8853,7 @@
       </a:lvl9pPr>
     </p:titleStyle>
     <p:bodyStyle>
-      <a:defPPr lvl="0" marR="0" rtl="0" algn="l">
+      <a:defPPr marR="0" lvl="0" algn="l" rtl="0">
         <a:lnSpc>
           <a:spcPct val="100000"/>
         </a:lnSpc>
@@ -8934,7 +8864,7 @@
           <a:spcPts val="0"/>
         </a:spcAft>
       </a:defPPr>
-      <a:lvl1pPr lvl="0" marR="0" rtl="0" algn="l">
+      <a:lvl1pPr marR="0" lvl="0" algn="l" rtl="0">
         <a:lnSpc>
           <a:spcPct val="100000"/>
         </a:lnSpc>
@@ -8948,7 +8878,7 @@
           <a:srgbClr val="000000"/>
         </a:buClr>
         <a:buFont typeface="Arial"/>
-        <a:defRPr b="0" i="0" sz="1400" u="none" cap="none" strike="noStrike">
+        <a:defRPr sz="1400" b="0" i="0" u="none" strike="noStrike" cap="none">
           <a:solidFill>
             <a:srgbClr val="000000"/>
           </a:solidFill>
@@ -8958,7 +8888,7 @@
           <a:sym typeface="Arial"/>
         </a:defRPr>
       </a:lvl1pPr>
-      <a:lvl2pPr lvl="1" marR="0" rtl="0" algn="l">
+      <a:lvl2pPr marR="0" lvl="1" algn="l" rtl="0">
         <a:lnSpc>
           <a:spcPct val="100000"/>
         </a:lnSpc>
@@ -8972,7 +8902,7 @@
           <a:srgbClr val="000000"/>
         </a:buClr>
         <a:buFont typeface="Arial"/>
-        <a:defRPr b="0" i="0" sz="1400" u="none" cap="none" strike="noStrike">
+        <a:defRPr sz="1400" b="0" i="0" u="none" strike="noStrike" cap="none">
           <a:solidFill>
             <a:srgbClr val="000000"/>
           </a:solidFill>
@@ -8982,7 +8912,7 @@
           <a:sym typeface="Arial"/>
         </a:defRPr>
       </a:lvl2pPr>
-      <a:lvl3pPr lvl="2" marR="0" rtl="0" algn="l">
+      <a:lvl3pPr marR="0" lvl="2" algn="l" rtl="0">
         <a:lnSpc>
           <a:spcPct val="100000"/>
         </a:lnSpc>
@@ -8996,7 +8926,7 @@
           <a:srgbClr val="000000"/>
         </a:buClr>
         <a:buFont typeface="Arial"/>
-        <a:defRPr b="0" i="0" sz="1400" u="none" cap="none" strike="noStrike">
+        <a:defRPr sz="1400" b="0" i="0" u="none" strike="noStrike" cap="none">
           <a:solidFill>
             <a:srgbClr val="000000"/>
           </a:solidFill>
@@ -9006,7 +8936,7 @@
           <a:sym typeface="Arial"/>
         </a:defRPr>
       </a:lvl3pPr>
-      <a:lvl4pPr lvl="3" marR="0" rtl="0" algn="l">
+      <a:lvl4pPr marR="0" lvl="3" algn="l" rtl="0">
         <a:lnSpc>
           <a:spcPct val="100000"/>
         </a:lnSpc>
@@ -9020,7 +8950,7 @@
           <a:srgbClr val="000000"/>
         </a:buClr>
         <a:buFont typeface="Arial"/>
-        <a:defRPr b="0" i="0" sz="1400" u="none" cap="none" strike="noStrike">
+        <a:defRPr sz="1400" b="0" i="0" u="none" strike="noStrike" cap="none">
           <a:solidFill>
             <a:srgbClr val="000000"/>
           </a:solidFill>
@@ -9030,7 +8960,7 @@
           <a:sym typeface="Arial"/>
         </a:defRPr>
       </a:lvl4pPr>
-      <a:lvl5pPr lvl="4" marR="0" rtl="0" algn="l">
+      <a:lvl5pPr marR="0" lvl="4" algn="l" rtl="0">
         <a:lnSpc>
           <a:spcPct val="100000"/>
         </a:lnSpc>
@@ -9044,7 +8974,7 @@
           <a:srgbClr val="000000"/>
         </a:buClr>
         <a:buFont typeface="Arial"/>
-        <a:defRPr b="0" i="0" sz="1400" u="none" cap="none" strike="noStrike">
+        <a:defRPr sz="1400" b="0" i="0" u="none" strike="noStrike" cap="none">
           <a:solidFill>
             <a:srgbClr val="000000"/>
           </a:solidFill>
@@ -9054,7 +8984,7 @@
           <a:sym typeface="Arial"/>
         </a:defRPr>
       </a:lvl5pPr>
-      <a:lvl6pPr lvl="5" marR="0" rtl="0" algn="l">
+      <a:lvl6pPr marR="0" lvl="5" algn="l" rtl="0">
         <a:lnSpc>
           <a:spcPct val="100000"/>
         </a:lnSpc>
@@ -9068,7 +8998,7 @@
           <a:srgbClr val="000000"/>
         </a:buClr>
         <a:buFont typeface="Arial"/>
-        <a:defRPr b="0" i="0" sz="1400" u="none" cap="none" strike="noStrike">
+        <a:defRPr sz="1400" b="0" i="0" u="none" strike="noStrike" cap="none">
           <a:solidFill>
             <a:srgbClr val="000000"/>
           </a:solidFill>
@@ -9078,7 +9008,7 @@
           <a:sym typeface="Arial"/>
         </a:defRPr>
       </a:lvl6pPr>
-      <a:lvl7pPr lvl="6" marR="0" rtl="0" algn="l">
+      <a:lvl7pPr marR="0" lvl="6" algn="l" rtl="0">
         <a:lnSpc>
           <a:spcPct val="100000"/>
         </a:lnSpc>
@@ -9092,7 +9022,7 @@
           <a:srgbClr val="000000"/>
         </a:buClr>
         <a:buFont typeface="Arial"/>
-        <a:defRPr b="0" i="0" sz="1400" u="none" cap="none" strike="noStrike">
+        <a:defRPr sz="1400" b="0" i="0" u="none" strike="noStrike" cap="none">
           <a:solidFill>
             <a:srgbClr val="000000"/>
           </a:solidFill>
@@ -9102,7 +9032,7 @@
           <a:sym typeface="Arial"/>
         </a:defRPr>
       </a:lvl7pPr>
-      <a:lvl8pPr lvl="7" marR="0" rtl="0" algn="l">
+      <a:lvl8pPr marR="0" lvl="7" algn="l" rtl="0">
         <a:lnSpc>
           <a:spcPct val="100000"/>
         </a:lnSpc>
@@ -9116,7 +9046,7 @@
           <a:srgbClr val="000000"/>
         </a:buClr>
         <a:buFont typeface="Arial"/>
-        <a:defRPr b="0" i="0" sz="1400" u="none" cap="none" strike="noStrike">
+        <a:defRPr sz="1400" b="0" i="0" u="none" strike="noStrike" cap="none">
           <a:solidFill>
             <a:srgbClr val="000000"/>
           </a:solidFill>
@@ -9126,7 +9056,7 @@
           <a:sym typeface="Arial"/>
         </a:defRPr>
       </a:lvl8pPr>
-      <a:lvl9pPr lvl="8" marR="0" rtl="0" algn="l">
+      <a:lvl9pPr marR="0" lvl="8" algn="l" rtl="0">
         <a:lnSpc>
           <a:spcPct val="100000"/>
         </a:lnSpc>
@@ -9140,7 +9070,7 @@
           <a:srgbClr val="000000"/>
         </a:buClr>
         <a:buFont typeface="Arial"/>
-        <a:defRPr b="0" i="0" sz="1400" u="none" cap="none" strike="noStrike">
+        <a:defRPr sz="1400" b="0" i="0" u="none" strike="noStrike" cap="none">
           <a:solidFill>
             <a:srgbClr val="000000"/>
           </a:solidFill>
@@ -9152,7 +9082,7 @@
       </a:lvl9pPr>
     </p:bodyStyle>
     <p:otherStyle>
-      <a:defPPr lvl="0" marR="0" rtl="0" algn="l">
+      <a:defPPr marR="0" lvl="0" algn="l" rtl="0">
         <a:lnSpc>
           <a:spcPct val="100000"/>
         </a:lnSpc>
@@ -9163,7 +9093,7 @@
           <a:spcPts val="0"/>
         </a:spcAft>
       </a:defPPr>
-      <a:lvl1pPr lvl="0" marR="0" rtl="0" algn="l">
+      <a:lvl1pPr marR="0" lvl="0" algn="l" rtl="0">
         <a:lnSpc>
           <a:spcPct val="100000"/>
         </a:lnSpc>
@@ -9177,7 +9107,7 @@
           <a:srgbClr val="000000"/>
         </a:buClr>
         <a:buFont typeface="Arial"/>
-        <a:defRPr b="0" i="0" sz="1400" u="none" cap="none" strike="noStrike">
+        <a:defRPr sz="1400" b="0" i="0" u="none" strike="noStrike" cap="none">
           <a:solidFill>
             <a:srgbClr val="000000"/>
           </a:solidFill>
@@ -9187,7 +9117,7 @@
           <a:sym typeface="Arial"/>
         </a:defRPr>
       </a:lvl1pPr>
-      <a:lvl2pPr lvl="1" marR="0" rtl="0" algn="l">
+      <a:lvl2pPr marR="0" lvl="1" algn="l" rtl="0">
         <a:lnSpc>
           <a:spcPct val="100000"/>
         </a:lnSpc>
@@ -9201,7 +9131,7 @@
           <a:srgbClr val="000000"/>
         </a:buClr>
         <a:buFont typeface="Arial"/>
-        <a:defRPr b="0" i="0" sz="1400" u="none" cap="none" strike="noStrike">
+        <a:defRPr sz="1400" b="0" i="0" u="none" strike="noStrike" cap="none">
           <a:solidFill>
             <a:srgbClr val="000000"/>
           </a:solidFill>
@@ -9211,7 +9141,7 @@
           <a:sym typeface="Arial"/>
         </a:defRPr>
       </a:lvl2pPr>
-      <a:lvl3pPr lvl="2" marR="0" rtl="0" algn="l">
+      <a:lvl3pPr marR="0" lvl="2" algn="l" rtl="0">
         <a:lnSpc>
           <a:spcPct val="100000"/>
         </a:lnSpc>
@@ -9225,7 +9155,7 @@
           <a:srgbClr val="000000"/>
         </a:buClr>
         <a:buFont typeface="Arial"/>
-        <a:defRPr b="0" i="0" sz="1400" u="none" cap="none" strike="noStrike">
+        <a:defRPr sz="1400" b="0" i="0" u="none" strike="noStrike" cap="none">
           <a:solidFill>
             <a:srgbClr val="000000"/>
           </a:solidFill>
@@ -9235,7 +9165,7 @@
           <a:sym typeface="Arial"/>
         </a:defRPr>
       </a:lvl3pPr>
-      <a:lvl4pPr lvl="3" marR="0" rtl="0" algn="l">
+      <a:lvl4pPr marR="0" lvl="3" algn="l" rtl="0">
         <a:lnSpc>
           <a:spcPct val="100000"/>
         </a:lnSpc>
@@ -9249,7 +9179,7 @@
           <a:srgbClr val="000000"/>
         </a:buClr>
         <a:buFont typeface="Arial"/>
-        <a:defRPr b="0" i="0" sz="1400" u="none" cap="none" strike="noStrike">
+        <a:defRPr sz="1400" b="0" i="0" u="none" strike="noStrike" cap="none">
           <a:solidFill>
             <a:srgbClr val="000000"/>
           </a:solidFill>
@@ -9259,7 +9189,7 @@
           <a:sym typeface="Arial"/>
         </a:defRPr>
       </a:lvl4pPr>
-      <a:lvl5pPr lvl="4" marR="0" rtl="0" algn="l">
+      <a:lvl5pPr marR="0" lvl="4" algn="l" rtl="0">
         <a:lnSpc>
           <a:spcPct val="100000"/>
         </a:lnSpc>
@@ -9273,7 +9203,7 @@
           <a:srgbClr val="000000"/>
         </a:buClr>
         <a:buFont typeface="Arial"/>
-        <a:defRPr b="0" i="0" sz="1400" u="none" cap="none" strike="noStrike">
+        <a:defRPr sz="1400" b="0" i="0" u="none" strike="noStrike" cap="none">
           <a:solidFill>
             <a:srgbClr val="000000"/>
           </a:solidFill>
@@ -9283,7 +9213,7 @@
           <a:sym typeface="Arial"/>
         </a:defRPr>
       </a:lvl5pPr>
-      <a:lvl6pPr lvl="5" marR="0" rtl="0" algn="l">
+      <a:lvl6pPr marR="0" lvl="5" algn="l" rtl="0">
         <a:lnSpc>
           <a:spcPct val="100000"/>
         </a:lnSpc>
@@ -9297,7 +9227,7 @@
           <a:srgbClr val="000000"/>
         </a:buClr>
         <a:buFont typeface="Arial"/>
-        <a:defRPr b="0" i="0" sz="1400" u="none" cap="none" strike="noStrike">
+        <a:defRPr sz="1400" b="0" i="0" u="none" strike="noStrike" cap="none">
           <a:solidFill>
             <a:srgbClr val="000000"/>
           </a:solidFill>
@@ -9307,7 +9237,7 @@
           <a:sym typeface="Arial"/>
         </a:defRPr>
       </a:lvl6pPr>
-      <a:lvl7pPr lvl="6" marR="0" rtl="0" algn="l">
+      <a:lvl7pPr marR="0" lvl="6" algn="l" rtl="0">
         <a:lnSpc>
           <a:spcPct val="100000"/>
         </a:lnSpc>
@@ -9321,7 +9251,7 @@
           <a:srgbClr val="000000"/>
         </a:buClr>
         <a:buFont typeface="Arial"/>
-        <a:defRPr b="0" i="0" sz="1400" u="none" cap="none" strike="noStrike">
+        <a:defRPr sz="1400" b="0" i="0" u="none" strike="noStrike" cap="none">
           <a:solidFill>
             <a:srgbClr val="000000"/>
           </a:solidFill>
@@ -9331,7 +9261,7 @@
           <a:sym typeface="Arial"/>
         </a:defRPr>
       </a:lvl7pPr>
-      <a:lvl8pPr lvl="7" marR="0" rtl="0" algn="l">
+      <a:lvl8pPr marR="0" lvl="7" algn="l" rtl="0">
         <a:lnSpc>
           <a:spcPct val="100000"/>
         </a:lnSpc>
@@ -9345,7 +9275,7 @@
           <a:srgbClr val="000000"/>
         </a:buClr>
         <a:buFont typeface="Arial"/>
-        <a:defRPr b="0" i="0" sz="1400" u="none" cap="none" strike="noStrike">
+        <a:defRPr sz="1400" b="0" i="0" u="none" strike="noStrike" cap="none">
           <a:solidFill>
             <a:srgbClr val="000000"/>
           </a:solidFill>
@@ -9355,7 +9285,7 @@
           <a:sym typeface="Arial"/>
         </a:defRPr>
       </a:lvl8pPr>
-      <a:lvl9pPr lvl="8" marR="0" rtl="0" algn="l">
+      <a:lvl9pPr marR="0" lvl="8" algn="l" rtl="0">
         <a:lnSpc>
           <a:spcPct val="100000"/>
         </a:lnSpc>
@@ -9369,7 +9299,7 @@
           <a:srgbClr val="000000"/>
         </a:buClr>
         <a:buFont typeface="Arial"/>
-        <a:defRPr b="0" i="0" sz="1400" u="none" cap="none" strike="noStrike">
+        <a:defRPr sz="1400" b="0" i="0" u="none" strike="noStrike" cap="none">
           <a:solidFill>
             <a:srgbClr val="000000"/>
           </a:solidFill>
@@ -9385,11 +9315,11 @@
 </file>
 
 <file path=ppt/slides/slide1.xml><?xml version="1.0" encoding="utf-8"?>
-<p:sld xmlns:a="http://schemas.openxmlformats.org/drawingml/2006/main" xmlns:r="http://schemas.openxmlformats.org/officeDocument/2006/relationships" xmlns:mc="http://schemas.openxmlformats.org/markup-compatibility/2006" xmlns:mv="urn:schemas-microsoft-com:mac:vml" xmlns:p="http://schemas.openxmlformats.org/presentationml/2006/main" xmlns:c="http://schemas.openxmlformats.org/drawingml/2006/chart" xmlns:dgm="http://schemas.openxmlformats.org/drawingml/2006/diagram" xmlns:o="urn:schemas-microsoft-com:office:office" xmlns:v="urn:schemas-microsoft-com:vml" xmlns:pvml="urn:schemas-microsoft-com:office:powerpoint" xmlns:com="http://schemas.openxmlformats.org/drawingml/2006/compatibility" xmlns:p14="http://schemas.microsoft.com/office/powerpoint/2010/main" xmlns:p15="http://schemas.microsoft.com/office/powerpoint/2012/main" xmlns:ahyp="http://schemas.microsoft.com/office/drawing/2018/hyperlinkcolor">
+<p:sld xmlns:a="http://schemas.openxmlformats.org/drawingml/2006/main" xmlns:r="http://schemas.openxmlformats.org/officeDocument/2006/relationships" xmlns:p="http://schemas.openxmlformats.org/presentationml/2006/main">
   <p:cSld>
     <p:spTree>
       <p:nvGrpSpPr>
-        <p:cNvPr id="133" name="Shape 133"/>
+        <p:cNvPr id="1" name="Shape 133"/>
         <p:cNvGrpSpPr/>
         <p:nvPr/>
       </p:nvGrpSpPr>
@@ -9404,7 +9334,9 @@
       <p:sp>
         <p:nvSpPr>
           <p:cNvPr id="134" name="Google Shape;134;p13"/>
-          <p:cNvSpPr txBox="1"/>
+          <p:cNvSpPr txBox="1">
+            <a:spLocks noGrp="1"/>
+          </p:cNvSpPr>
           <p:nvPr>
             <p:ph type="ctrTitle"/>
           </p:nvPr>
@@ -9419,12 +9351,12 @@
           </a:prstGeom>
         </p:spPr>
         <p:txBody>
-          <a:bodyPr anchorCtr="0" anchor="t" bIns="91425" lIns="91425" spcFirstLastPara="1" rIns="91425" wrap="square" tIns="91425">
+          <a:bodyPr spcFirstLastPara="1" wrap="square" lIns="91425" tIns="91425" rIns="91425" bIns="91425" anchor="t" anchorCtr="0">
             <a:normAutofit fontScale="90000"/>
           </a:bodyPr>
           <a:lstStyle/>
           <a:p>
-            <a:pPr indent="0" lvl="0" marL="0" rtl="0" algn="l">
+            <a:pPr marL="0" lvl="0" indent="0" algn="l" rtl="0">
               <a:spcBef>
                 <a:spcPts val="0"/>
               </a:spcBef>
@@ -9435,11 +9367,7 @@
             </a:pPr>
             <a:r>
               <a:rPr lang="en"/>
-              <a:t>T</a:t>
-            </a:r>
-            <a:r>
-              <a:rPr lang="en"/>
-              <a:t>he Challenge of Automated Chest X-ray Report Generation</a:t>
+              <a:t>The Challenge of Automated Chest X-ray Report Generation</a:t>
             </a:r>
             <a:endParaRPr/>
           </a:p>
@@ -9448,9 +9376,11 @@
       <p:sp>
         <p:nvSpPr>
           <p:cNvPr id="135" name="Google Shape;135;p13"/>
-          <p:cNvSpPr txBox="1"/>
+          <p:cNvSpPr txBox="1">
+            <a:spLocks noGrp="1"/>
+          </p:cNvSpPr>
           <p:nvPr>
-            <p:ph idx="1" type="subTitle"/>
+            <p:ph type="subTitle" idx="1"/>
           </p:nvPr>
         </p:nvSpPr>
         <p:spPr>
@@ -9463,12 +9393,12 @@
           </a:prstGeom>
         </p:spPr>
         <p:txBody>
-          <a:bodyPr anchorCtr="0" anchor="t" bIns="91425" lIns="91425" spcFirstLastPara="1" rIns="91425" wrap="square" tIns="91425">
+          <a:bodyPr spcFirstLastPara="1" wrap="square" lIns="91425" tIns="91425" rIns="91425" bIns="91425" anchor="t" anchorCtr="0">
             <a:normAutofit/>
           </a:bodyPr>
           <a:lstStyle/>
           <a:p>
-            <a:pPr indent="0" lvl="0" marL="0" rtl="0" algn="l">
+            <a:pPr marL="0" lvl="0" indent="0" algn="l" rtl="0">
               <a:spcBef>
                 <a:spcPts val="0"/>
               </a:spcBef>
@@ -9479,16 +9409,12 @@
             </a:pPr>
             <a:r>
               <a:rPr lang="en"/>
-              <a:t>Aaron</a:t>
-            </a:r>
-            <a:r>
-              <a:rPr lang="en"/>
-              <a:t> Yang</a:t>
+              <a:t>Aaron Yang</a:t>
             </a:r>
             <a:endParaRPr/>
           </a:p>
           <a:p>
-            <a:pPr indent="0" lvl="0" marL="0" rtl="0" algn="l">
+            <a:pPr marL="0" lvl="0" indent="0" algn="l" rtl="0">
               <a:spcBef>
                 <a:spcPts val="0"/>
               </a:spcBef>
@@ -9542,11 +9468,11 @@
 </file>
 
 <file path=ppt/slides/slide2.xml><?xml version="1.0" encoding="utf-8"?>
-<p:sld xmlns:a="http://schemas.openxmlformats.org/drawingml/2006/main" xmlns:r="http://schemas.openxmlformats.org/officeDocument/2006/relationships" xmlns:mc="http://schemas.openxmlformats.org/markup-compatibility/2006" xmlns:mv="urn:schemas-microsoft-com:mac:vml" xmlns:p="http://schemas.openxmlformats.org/presentationml/2006/main" xmlns:c="http://schemas.openxmlformats.org/drawingml/2006/chart" xmlns:dgm="http://schemas.openxmlformats.org/drawingml/2006/diagram" xmlns:o="urn:schemas-microsoft-com:office:office" xmlns:v="urn:schemas-microsoft-com:vml" xmlns:pvml="urn:schemas-microsoft-com:office:powerpoint" xmlns:com="http://schemas.openxmlformats.org/drawingml/2006/compatibility" xmlns:p14="http://schemas.microsoft.com/office/powerpoint/2010/main" xmlns:p15="http://schemas.microsoft.com/office/powerpoint/2012/main" xmlns:ahyp="http://schemas.microsoft.com/office/drawing/2018/hyperlinkcolor">
+<p:sld xmlns:a="http://schemas.openxmlformats.org/drawingml/2006/main" xmlns:r="http://schemas.openxmlformats.org/officeDocument/2006/relationships" xmlns:p="http://schemas.openxmlformats.org/presentationml/2006/main">
   <p:cSld>
     <p:spTree>
       <p:nvGrpSpPr>
-        <p:cNvPr id="140" name="Shape 140"/>
+        <p:cNvPr id="1" name="Shape 140"/>
         <p:cNvGrpSpPr/>
         <p:nvPr/>
       </p:nvGrpSpPr>
@@ -9561,7 +9487,9 @@
       <p:sp>
         <p:nvSpPr>
           <p:cNvPr id="141" name="Google Shape;141;p14"/>
-          <p:cNvSpPr txBox="1"/>
+          <p:cNvSpPr txBox="1">
+            <a:spLocks noGrp="1"/>
+          </p:cNvSpPr>
           <p:nvPr>
             <p:ph type="title"/>
           </p:nvPr>
@@ -9576,12 +9504,12 @@
           </a:prstGeom>
         </p:spPr>
         <p:txBody>
-          <a:bodyPr anchorCtr="0" anchor="t" bIns="91425" lIns="91425" spcFirstLastPara="1" rIns="91425" wrap="square" tIns="91425">
+          <a:bodyPr spcFirstLastPara="1" wrap="square" lIns="91425" tIns="91425" rIns="91425" bIns="91425" anchor="t" anchorCtr="0">
             <a:normAutofit fontScale="90000"/>
           </a:bodyPr>
           <a:lstStyle/>
           <a:p>
-            <a:pPr indent="0" lvl="0" marL="0" rtl="0" algn="l">
+            <a:pPr marL="0" lvl="0" indent="0" algn="l" rtl="0">
               <a:spcBef>
                 <a:spcPts val="0"/>
               </a:spcBef>
@@ -9601,9 +9529,11 @@
       <p:sp>
         <p:nvSpPr>
           <p:cNvPr id="142" name="Google Shape;142;p14"/>
-          <p:cNvSpPr txBox="1"/>
+          <p:cNvSpPr txBox="1">
+            <a:spLocks noGrp="1"/>
+          </p:cNvSpPr>
           <p:nvPr>
-            <p:ph idx="1" type="body"/>
+            <p:ph type="body" idx="1"/>
           </p:nvPr>
         </p:nvSpPr>
         <p:spPr>
@@ -9616,59 +9546,70 @@
           </a:prstGeom>
         </p:spPr>
         <p:txBody>
-          <a:bodyPr anchorCtr="0" anchor="t" bIns="91425" lIns="91425" spcFirstLastPara="1" rIns="91425" wrap="square" tIns="91425">
-            <a:normAutofit fontScale="25000" lnSpcReduction="20000"/>
+          <a:bodyPr spcFirstLastPara="1" wrap="square" lIns="91425" tIns="91425" rIns="91425" bIns="91425" anchor="t" anchorCtr="0">
+            <a:normAutofit/>
           </a:bodyPr>
           <a:lstStyle/>
           <a:p>
-            <a:pPr indent="0" lvl="0" marL="0" rtl="0" algn="l">
-              <a:spcBef>
-                <a:spcPts val="0"/>
-              </a:spcBef>
-              <a:spcAft>
-                <a:spcPts val="0"/>
-              </a:spcAft>
-              <a:buNone/>
+            <a:pPr>
+              <a:buFont typeface="Arial" panose="020B0604020202020204" pitchFamily="34" charset="0"/>
+              <a:buChar char="•"/>
             </a:pPr>
             <a:r>
-              <a:rPr lang="en" sz="5600"/>
-              <a:t>Radiologists face a growing workload with increasing demand for chest X-ray interpretation.</a:t>
+              <a:rPr lang="en-US" altLang="zh-CN" sz="1600" dirty="0"/>
+              <a:t>Radiology report writing is time-consuming and requires expert knowledge.</a:t>
             </a:r>
-            <a:endParaRPr sz="5600"/>
           </a:p>
           <a:p>
-            <a:pPr indent="0" lvl="0" marL="0" rtl="0" algn="l">
-              <a:spcBef>
-                <a:spcPts val="1200"/>
-              </a:spcBef>
-              <a:spcAft>
-                <a:spcPts val="0"/>
-              </a:spcAft>
-              <a:buNone/>
+            <a:pPr>
+              <a:buFont typeface="Arial" panose="020B0604020202020204" pitchFamily="34" charset="0"/>
+              <a:buChar char="•"/>
+            </a:pPr>
+            <a:endParaRPr lang="en-US" altLang="zh-CN" sz="1600" dirty="0"/>
+          </a:p>
+          <a:p>
+            <a:pPr>
+              <a:buFont typeface="Arial" panose="020B0604020202020204" pitchFamily="34" charset="0"/>
+              <a:buChar char="•"/>
+            </a:pPr>
+            <a:endParaRPr lang="en-US" altLang="zh-CN" sz="1600" dirty="0"/>
+          </a:p>
+          <a:p>
+            <a:pPr>
+              <a:buFont typeface="Arial" panose="020B0604020202020204" pitchFamily="34" charset="0"/>
+              <a:buChar char="•"/>
             </a:pPr>
             <a:r>
-              <a:t/>
+              <a:rPr lang="en-US" altLang="zh-CN" sz="1600" dirty="0"/>
+              <a:t>Manual reporting can lead to inconsistencies and human error.</a:t>
             </a:r>
-            <a:endParaRPr sz="5600"/>
           </a:p>
           <a:p>
-            <a:pPr indent="0" lvl="0" marL="0" rtl="0" algn="l">
-              <a:spcBef>
-                <a:spcPts val="1200"/>
-              </a:spcBef>
-              <a:spcAft>
-                <a:spcPts val="0"/>
-              </a:spcAft>
-              <a:buNone/>
+            <a:pPr>
+              <a:buFont typeface="Arial" panose="020B0604020202020204" pitchFamily="34" charset="0"/>
+              <a:buChar char="•"/>
+            </a:pPr>
+            <a:endParaRPr lang="en-US" altLang="zh-CN" sz="1600" dirty="0"/>
+          </a:p>
+          <a:p>
+            <a:pPr>
+              <a:buFont typeface="Arial" panose="020B0604020202020204" pitchFamily="34" charset="0"/>
+              <a:buChar char="•"/>
+            </a:pPr>
+            <a:endParaRPr lang="en-US" altLang="zh-CN" sz="1600" dirty="0"/>
+          </a:p>
+          <a:p>
+            <a:pPr>
+              <a:buFont typeface="Arial" panose="020B0604020202020204" pitchFamily="34" charset="0"/>
+              <a:buChar char="•"/>
             </a:pPr>
             <a:r>
-              <a:rPr lang="en" sz="5600"/>
-              <a:t>Manual reporting is time-consuming, subjective, and prone to fatigue-related errors.</a:t>
+              <a:rPr lang="en-US" altLang="zh-CN" sz="1600" dirty="0"/>
+              <a:t>Growing demand for automated, accurate, and efficient medical imaging interpretations to assist radiologists.</a:t>
             </a:r>
-            <a:endParaRPr sz="5600"/>
           </a:p>
           <a:p>
-            <a:pPr indent="0" lvl="0" marL="0" rtl="0" algn="l">
+            <a:pPr marL="0" lvl="0" indent="0" algn="l" rtl="0">
               <a:spcBef>
                 <a:spcPts val="1200"/>
               </a:spcBef>
@@ -9677,87 +9618,19 @@
               </a:spcAft>
               <a:buNone/>
             </a:pPr>
-            <a:r>
-              <a:t/>
-            </a:r>
-            <a:endParaRPr sz="5600"/>
+            <a:endParaRPr dirty="0"/>
           </a:p>
           <a:p>
-            <a:pPr indent="0" lvl="0" marL="0" rtl="0" algn="l">
+            <a:pPr marL="0" lvl="0" indent="0" algn="l" rtl="0">
               <a:spcBef>
                 <a:spcPts val="1200"/>
               </a:spcBef>
               <a:spcAft>
-                <a:spcPts val="0"/>
+                <a:spcPts val="1200"/>
               </a:spcAft>
               <a:buNone/>
             </a:pPr>
-            <a:r>
-              <a:rPr lang="en" sz="5600"/>
-              <a:t>Existing AI tools often provide predictions, but not human-readable reports.</a:t>
-            </a:r>
-            <a:endParaRPr sz="5600"/>
-          </a:p>
-          <a:p>
-            <a:pPr indent="0" lvl="0" marL="0" rtl="0" algn="l">
-              <a:spcBef>
-                <a:spcPts val="1200"/>
-              </a:spcBef>
-              <a:spcAft>
-                <a:spcPts val="0"/>
-              </a:spcAft>
-              <a:buNone/>
-            </a:pPr>
-            <a:r>
-              <a:t/>
-            </a:r>
-            <a:endParaRPr sz="5600"/>
-          </a:p>
-          <a:p>
-            <a:pPr indent="0" lvl="0" marL="0" rtl="0" algn="l">
-              <a:spcBef>
-                <a:spcPts val="1200"/>
-              </a:spcBef>
-              <a:spcAft>
-                <a:spcPts val="0"/>
-              </a:spcAft>
-              <a:buNone/>
-            </a:pPr>
-            <a:r>
-              <a:rPr lang="en" sz="5600"/>
-              <a:t>How can we generate coherent, medically meaningful radiology reports from chest X-ray images automatically?</a:t>
-            </a:r>
-            <a:endParaRPr sz="5600"/>
-          </a:p>
-          <a:p>
-            <a:pPr indent="0" lvl="0" marL="0" rtl="0" algn="l">
-              <a:spcBef>
-                <a:spcPts val="1200"/>
-              </a:spcBef>
-              <a:spcAft>
-                <a:spcPts val="0"/>
-              </a:spcAft>
-              <a:buNone/>
-            </a:pPr>
-            <a:r>
-              <a:t/>
-            </a:r>
-            <a:endParaRPr/>
-          </a:p>
-          <a:p>
-            <a:pPr indent="0" lvl="0" marL="0" rtl="0" algn="l">
-              <a:spcBef>
-                <a:spcPts val="1200"/>
-              </a:spcBef>
-              <a:spcAft>
-                <a:spcPts val="1200"/>
-              </a:spcAft>
-              <a:buNone/>
-            </a:pPr>
-            <a:r>
-              <a:t/>
-            </a:r>
-            <a:endParaRPr/>
+            <a:endParaRPr dirty="0"/>
           </a:p>
         </p:txBody>
       </p:sp>
@@ -9770,11 +9643,11 @@
 </file>
 
 <file path=ppt/slides/slide3.xml><?xml version="1.0" encoding="utf-8"?>
-<p:sld xmlns:a="http://schemas.openxmlformats.org/drawingml/2006/main" xmlns:r="http://schemas.openxmlformats.org/officeDocument/2006/relationships" xmlns:mc="http://schemas.openxmlformats.org/markup-compatibility/2006" xmlns:mv="urn:schemas-microsoft-com:mac:vml" xmlns:p="http://schemas.openxmlformats.org/presentationml/2006/main" xmlns:c="http://schemas.openxmlformats.org/drawingml/2006/chart" xmlns:dgm="http://schemas.openxmlformats.org/drawingml/2006/diagram" xmlns:o="urn:schemas-microsoft-com:office:office" xmlns:v="urn:schemas-microsoft-com:vml" xmlns:pvml="urn:schemas-microsoft-com:office:powerpoint" xmlns:com="http://schemas.openxmlformats.org/drawingml/2006/compatibility" xmlns:p14="http://schemas.microsoft.com/office/powerpoint/2010/main" xmlns:p15="http://schemas.microsoft.com/office/powerpoint/2012/main" xmlns:ahyp="http://schemas.microsoft.com/office/drawing/2018/hyperlinkcolor">
+<p:sld xmlns:a="http://schemas.openxmlformats.org/drawingml/2006/main" xmlns:r="http://schemas.openxmlformats.org/officeDocument/2006/relationships" xmlns:p="http://schemas.openxmlformats.org/presentationml/2006/main">
   <p:cSld>
     <p:spTree>
       <p:nvGrpSpPr>
-        <p:cNvPr id="146" name="Shape 146"/>
+        <p:cNvPr id="1" name="Shape 146"/>
         <p:cNvGrpSpPr/>
         <p:nvPr/>
       </p:nvGrpSpPr>
@@ -9789,7 +9662,9 @@
       <p:sp>
         <p:nvSpPr>
           <p:cNvPr id="147" name="Google Shape;147;p15"/>
-          <p:cNvSpPr txBox="1"/>
+          <p:cNvSpPr txBox="1">
+            <a:spLocks noGrp="1"/>
+          </p:cNvSpPr>
           <p:nvPr>
             <p:ph type="title"/>
           </p:nvPr>
@@ -9804,12 +9679,12 @@
           </a:prstGeom>
         </p:spPr>
         <p:txBody>
-          <a:bodyPr anchorCtr="0" anchor="t" bIns="91425" lIns="91425" spcFirstLastPara="1" rIns="91425" wrap="square" tIns="91425">
+          <a:bodyPr spcFirstLastPara="1" wrap="square" lIns="91425" tIns="91425" rIns="91425" bIns="91425" anchor="t" anchorCtr="0">
             <a:normAutofit/>
           </a:bodyPr>
           <a:lstStyle/>
           <a:p>
-            <a:pPr indent="0" lvl="0" marL="0" rtl="0" algn="l">
+            <a:pPr marL="0" lvl="0" indent="0" algn="l" rtl="0">
               <a:spcBef>
                 <a:spcPts val="0"/>
               </a:spcBef>
@@ -9819,189 +9694,155 @@
               <a:buNone/>
             </a:pPr>
             <a:r>
-              <a:rPr lang="en"/>
-              <a:t>Why This Matters</a:t>
+              <a:rPr lang="en-US" altLang="zh-CN" dirty="0"/>
+              <a:t>Solutions</a:t>
             </a:r>
-            <a:endParaRPr/>
+            <a:endParaRPr dirty="0"/>
           </a:p>
         </p:txBody>
       </p:sp>
       <p:sp>
         <p:nvSpPr>
           <p:cNvPr id="148" name="Google Shape;148;p15"/>
-          <p:cNvSpPr txBox="1"/>
+          <p:cNvSpPr txBox="1">
+            <a:spLocks noGrp="1"/>
+          </p:cNvSpPr>
           <p:nvPr>
-            <p:ph idx="1" type="body"/>
+            <p:ph type="body" idx="1"/>
           </p:nvPr>
         </p:nvSpPr>
         <p:spPr>
           <a:xfrm>
-            <a:off x="1297500" y="1357775"/>
-            <a:ext cx="7038900" cy="2911200"/>
+            <a:off x="1297500" y="1357774"/>
+            <a:ext cx="7038900" cy="3391975"/>
           </a:xfrm>
           <a:prstGeom prst="rect">
             <a:avLst/>
           </a:prstGeom>
         </p:spPr>
         <p:txBody>
-          <a:bodyPr anchorCtr="0" anchor="t" bIns="91425" lIns="91425" spcFirstLastPara="1" rIns="91425" wrap="square" tIns="91425">
-            <a:normAutofit fontScale="25000" lnSpcReduction="20000"/>
+          <a:bodyPr spcFirstLastPara="1" wrap="square" lIns="91425" tIns="91425" rIns="91425" bIns="91425" anchor="t" anchorCtr="0">
+            <a:normAutofit fontScale="92500" lnSpcReduction="10000"/>
           </a:bodyPr>
           <a:lstStyle/>
           <a:p>
-            <a:pPr indent="0" lvl="0" marL="0" rtl="0" algn="l">
-              <a:spcBef>
-                <a:spcPts val="0"/>
-              </a:spcBef>
-              <a:spcAft>
-                <a:spcPts val="0"/>
-              </a:spcAft>
-              <a:buNone/>
+            <a:pPr>
+              <a:buFont typeface="Arial" panose="020B0604020202020204" pitchFamily="34" charset="0"/>
+              <a:buChar char="•"/>
             </a:pPr>
             <a:r>
-              <a:rPr lang="en" sz="5600"/>
-              <a:t> Improves efficiency in clinical workflows by reducing report turnaround time.</a:t>
+              <a:rPr lang="en-US" altLang="zh-CN" sz="1600" dirty="0"/>
+              <a:t>Developed an end-to-end deep learning system to generate chest X-ray reports from images.</a:t>
             </a:r>
-            <a:endParaRPr sz="5600"/>
           </a:p>
           <a:p>
-            <a:pPr indent="0" lvl="0" marL="0" rtl="0" algn="l">
-              <a:spcBef>
-                <a:spcPts val="1200"/>
-              </a:spcBef>
-              <a:spcAft>
-                <a:spcPts val="0"/>
-              </a:spcAft>
-              <a:buNone/>
+            <a:pPr>
+              <a:buFont typeface="Arial" panose="020B0604020202020204" pitchFamily="34" charset="0"/>
+              <a:buChar char="•"/>
+            </a:pPr>
+            <a:endParaRPr lang="en-US" altLang="zh-CN" sz="1600" dirty="0"/>
+          </a:p>
+          <a:p>
+            <a:pPr>
+              <a:buFont typeface="Arial" panose="020B0604020202020204" pitchFamily="34" charset="0"/>
+              <a:buChar char="•"/>
+            </a:pPr>
+            <a:endParaRPr lang="en-US" altLang="zh-CN" sz="1600" dirty="0"/>
+          </a:p>
+          <a:p>
+            <a:pPr>
+              <a:buFont typeface="Arial" panose="020B0604020202020204" pitchFamily="34" charset="0"/>
+              <a:buChar char="•"/>
             </a:pPr>
             <a:r>
-              <a:t/>
+              <a:rPr lang="en-US" altLang="zh-CN" sz="1600" dirty="0"/>
+              <a:t>Combined EfficientNet-B4 for image encoding and </a:t>
             </a:r>
-            <a:endParaRPr sz="5600"/>
+            <a:r>
+              <a:rPr lang="en-US" altLang="zh-CN" sz="1600" dirty="0" err="1"/>
+              <a:t>BioGPT</a:t>
+            </a:r>
+            <a:r>
+              <a:rPr lang="en-US" altLang="zh-CN" sz="1600" dirty="0"/>
+              <a:t> for clinical language generation.</a:t>
+            </a:r>
           </a:p>
           <a:p>
-            <a:pPr indent="0" lvl="0" marL="0" rtl="0" algn="l">
-              <a:spcBef>
-                <a:spcPts val="1200"/>
-              </a:spcBef>
-              <a:spcAft>
-                <a:spcPts val="0"/>
-              </a:spcAft>
-              <a:buNone/>
+            <a:pPr>
+              <a:buFont typeface="Arial" panose="020B0604020202020204" pitchFamily="34" charset="0"/>
+              <a:buChar char="•"/>
+            </a:pPr>
+            <a:endParaRPr lang="en-US" altLang="zh-CN" sz="1600" dirty="0"/>
+          </a:p>
+          <a:p>
+            <a:pPr>
+              <a:buFont typeface="Arial" panose="020B0604020202020204" pitchFamily="34" charset="0"/>
+              <a:buChar char="•"/>
+            </a:pPr>
+            <a:endParaRPr lang="en-US" altLang="zh-CN" sz="1600" dirty="0"/>
+          </a:p>
+          <a:p>
+            <a:pPr>
+              <a:buFont typeface="Arial" panose="020B0604020202020204" pitchFamily="34" charset="0"/>
+              <a:buChar char="•"/>
             </a:pPr>
             <a:r>
-              <a:rPr lang="en" sz="5600"/>
-              <a:t>Assists radiologists, especially in under-resourced or high-volume settings.</a:t>
+              <a:rPr lang="en-US" altLang="zh-CN" sz="1600" dirty="0"/>
+              <a:t>Deployed via a user-friendly </a:t>
             </a:r>
-            <a:endParaRPr sz="5600"/>
+            <a:r>
+              <a:rPr lang="en-US" altLang="zh-CN" sz="1600" dirty="0" err="1"/>
+              <a:t>Streamlit</a:t>
+            </a:r>
+            <a:r>
+              <a:rPr lang="en-US" altLang="zh-CN" sz="1600" dirty="0"/>
+              <a:t> web application.</a:t>
+            </a:r>
           </a:p>
           <a:p>
-            <a:pPr indent="0" lvl="0" marL="0" rtl="0" algn="l">
-              <a:spcBef>
-                <a:spcPts val="1200"/>
-              </a:spcBef>
-              <a:spcAft>
-                <a:spcPts val="0"/>
-              </a:spcAft>
+            <a:pPr marL="146050" indent="0">
+              <a:buNone/>
+            </a:pPr>
+            <a:endParaRPr lang="en-US" altLang="zh-CN" sz="1600" dirty="0"/>
+          </a:p>
+          <a:p>
+            <a:pPr marL="146050" indent="0">
               <a:buNone/>
             </a:pPr>
             <a:r>
-              <a:t/>
+              <a:rPr lang="en-US" altLang="zh-CN" sz="1600" dirty="0"/>
+              <a:t>	Features:</a:t>
             </a:r>
-            <a:endParaRPr sz="5600"/>
           </a:p>
           <a:p>
-            <a:pPr indent="0" lvl="0" marL="0" rtl="0" algn="l">
-              <a:spcBef>
-                <a:spcPts val="1200"/>
-              </a:spcBef>
-              <a:spcAft>
-                <a:spcPts val="0"/>
-              </a:spcAft>
+            <a:pPr marL="457200" lvl="1" indent="0">
               <a:buNone/>
             </a:pPr>
             <a:r>
-              <a:rPr lang="en" sz="5600"/>
-              <a:t>Standardizes reporting, minimizing inter-observer variability.</a:t>
+              <a:rPr lang="en-US" altLang="zh-CN" sz="1600" dirty="0"/>
+              <a:t>		Upload X-ray images</a:t>
             </a:r>
-            <a:endParaRPr sz="5600"/>
           </a:p>
           <a:p>
-            <a:pPr indent="0" lvl="0" marL="0" rtl="0" algn="l">
-              <a:spcBef>
-                <a:spcPts val="1200"/>
-              </a:spcBef>
-              <a:spcAft>
-                <a:spcPts val="0"/>
-              </a:spcAft>
+            <a:pPr marL="457200" lvl="1" indent="0">
               <a:buNone/>
             </a:pPr>
             <a:r>
-              <a:t/>
+              <a:rPr lang="en-US" altLang="zh-CN" sz="1600" dirty="0"/>
+              <a:t>		Download generated reports</a:t>
             </a:r>
-            <a:endParaRPr sz="5600"/>
           </a:p>
           <a:p>
-            <a:pPr indent="0" lvl="0" marL="0" rtl="0" algn="l">
-              <a:spcBef>
-                <a:spcPts val="1200"/>
+            <a:pPr marL="0" lvl="0" indent="0" algn="l" rtl="0">
+              <a:spcBef>
+                <a:spcPts val="0"/>
               </a:spcBef>
               <a:spcAft>
                 <a:spcPts val="0"/>
               </a:spcAft>
               <a:buNone/>
             </a:pPr>
-            <a:r>
-              <a:rPr lang="en" sz="5600"/>
-              <a:t>Lays the foundation for explainable AI in healthcare—moving beyond classification to natural language descriptions.</a:t>
-            </a:r>
-            <a:endParaRPr sz="5600"/>
-          </a:p>
-          <a:p>
-            <a:pPr indent="0" lvl="0" marL="0" rtl="0" algn="l">
-              <a:spcBef>
-                <a:spcPts val="1200"/>
-              </a:spcBef>
-              <a:spcAft>
-                <a:spcPts val="0"/>
-              </a:spcAft>
-              <a:buNone/>
-            </a:pPr>
-            <a:r>
-              <a:t/>
-            </a:r>
-            <a:endParaRPr sz="5600"/>
-          </a:p>
-          <a:p>
-            <a:pPr indent="0" lvl="0" marL="0" rtl="0" algn="l">
-              <a:spcBef>
-                <a:spcPts val="1200"/>
-              </a:spcBef>
-              <a:spcAft>
-                <a:spcPts val="0"/>
-              </a:spcAft>
-              <a:buNone/>
-            </a:pPr>
-            <a:r>
-              <a:rPr lang="en" sz="5600"/>
-              <a:t>Medical report generation is a key step toward trustworthy AI diagnostics.</a:t>
-            </a:r>
-            <a:endParaRPr sz="5600"/>
-          </a:p>
-          <a:p>
-            <a:pPr indent="0" lvl="0" marL="0" rtl="0" algn="l">
-              <a:spcBef>
-                <a:spcPts val="1200"/>
-              </a:spcBef>
-              <a:spcAft>
-                <a:spcPts val="1200"/>
-              </a:spcAft>
-              <a:buNone/>
-            </a:pPr>
-            <a:r>
-              <a:t/>
-            </a:r>
-            <a:endParaRPr/>
+            <a:endParaRPr dirty="0"/>
           </a:p>
         </p:txBody>
       </p:sp>
@@ -10014,11 +9855,11 @@
 </file>
 
 <file path=ppt/slides/slide4.xml><?xml version="1.0" encoding="utf-8"?>
-<p:sld xmlns:a="http://schemas.openxmlformats.org/drawingml/2006/main" xmlns:r="http://schemas.openxmlformats.org/officeDocument/2006/relationships" xmlns:mc="http://schemas.openxmlformats.org/markup-compatibility/2006" xmlns:mv="urn:schemas-microsoft-com:mac:vml" xmlns:p="http://schemas.openxmlformats.org/presentationml/2006/main" xmlns:c="http://schemas.openxmlformats.org/drawingml/2006/chart" xmlns:dgm="http://schemas.openxmlformats.org/drawingml/2006/diagram" xmlns:o="urn:schemas-microsoft-com:office:office" xmlns:v="urn:schemas-microsoft-com:vml" xmlns:pvml="urn:schemas-microsoft-com:office:powerpoint" xmlns:com="http://schemas.openxmlformats.org/drawingml/2006/compatibility" xmlns:p14="http://schemas.microsoft.com/office/powerpoint/2010/main" xmlns:p15="http://schemas.microsoft.com/office/powerpoint/2012/main" xmlns:ahyp="http://schemas.microsoft.com/office/drawing/2018/hyperlinkcolor">
+<p:sld xmlns:a="http://schemas.openxmlformats.org/drawingml/2006/main" xmlns:r="http://schemas.openxmlformats.org/officeDocument/2006/relationships" xmlns:p="http://schemas.openxmlformats.org/presentationml/2006/main">
   <p:cSld>
     <p:spTree>
       <p:nvGrpSpPr>
-        <p:cNvPr id="152" name="Shape 152"/>
+        <p:cNvPr id="1" name="Shape 152"/>
         <p:cNvGrpSpPr/>
         <p:nvPr/>
       </p:nvGrpSpPr>
@@ -10033,7 +9874,9 @@
       <p:sp>
         <p:nvSpPr>
           <p:cNvPr id="153" name="Google Shape;153;p16"/>
-          <p:cNvSpPr txBox="1"/>
+          <p:cNvSpPr txBox="1">
+            <a:spLocks noGrp="1"/>
+          </p:cNvSpPr>
           <p:nvPr>
             <p:ph type="title"/>
           </p:nvPr>
@@ -10048,12 +9891,12 @@
           </a:prstGeom>
         </p:spPr>
         <p:txBody>
-          <a:bodyPr anchorCtr="0" anchor="t" bIns="91425" lIns="91425" spcFirstLastPara="1" rIns="91425" wrap="square" tIns="91425">
-            <a:normAutofit fontScale="90000"/>
+          <a:bodyPr spcFirstLastPara="1" wrap="square" lIns="91425" tIns="91425" rIns="91425" bIns="91425" anchor="t" anchorCtr="0">
+            <a:normAutofit/>
           </a:bodyPr>
           <a:lstStyle/>
           <a:p>
-            <a:pPr indent="0" lvl="0" marL="0" rtl="0" algn="l">
+            <a:pPr marL="0" lvl="0" indent="0" algn="l" rtl="0">
               <a:spcBef>
                 <a:spcPts val="0"/>
               </a:spcBef>
@@ -10063,205 +9906,206 @@
               <a:buNone/>
             </a:pPr>
             <a:r>
-              <a:rPr lang="en"/>
-              <a:t>Vision-Language Modeling for Radiology Reporting</a:t>
+              <a:rPr lang="en-US" altLang="zh-CN" dirty="0"/>
+              <a:t>Technologies and Frameworks Used</a:t>
             </a:r>
-            <a:endParaRPr/>
+            <a:endParaRPr dirty="0"/>
           </a:p>
         </p:txBody>
       </p:sp>
       <p:sp>
         <p:nvSpPr>
           <p:cNvPr id="154" name="Google Shape;154;p16"/>
-          <p:cNvSpPr txBox="1"/>
+          <p:cNvSpPr txBox="1">
+            <a:spLocks noGrp="1"/>
+          </p:cNvSpPr>
           <p:nvPr>
-            <p:ph idx="1" type="body"/>
+            <p:ph type="body" idx="1"/>
           </p:nvPr>
         </p:nvSpPr>
         <p:spPr>
           <a:xfrm>
-            <a:off x="1297500" y="1217900"/>
-            <a:ext cx="7038900" cy="2911200"/>
+            <a:off x="1297500" y="1217899"/>
+            <a:ext cx="7038900" cy="3629163"/>
           </a:xfrm>
           <a:prstGeom prst="rect">
             <a:avLst/>
           </a:prstGeom>
         </p:spPr>
         <p:txBody>
-          <a:bodyPr anchorCtr="0" anchor="t" bIns="91425" lIns="91425" spcFirstLastPara="1" rIns="91425" wrap="square" tIns="91425">
-            <a:normAutofit fontScale="25000" lnSpcReduction="20000"/>
+          <a:bodyPr spcFirstLastPara="1" wrap="square" lIns="91425" tIns="91425" rIns="91425" bIns="91425" anchor="t" anchorCtr="0">
+            <a:normAutofit/>
           </a:bodyPr>
           <a:lstStyle/>
           <a:p>
-            <a:pPr indent="0" lvl="0" marL="0" rtl="0" algn="l">
-              <a:spcBef>
-                <a:spcPts val="0"/>
-              </a:spcBef>
-              <a:spcAft>
-                <a:spcPts val="0"/>
-              </a:spcAft>
-              <a:buNone/>
+            <a:pPr>
+              <a:buFont typeface="Arial" panose="020B0604020202020204" pitchFamily="34" charset="0"/>
+              <a:buChar char="•"/>
             </a:pPr>
             <a:r>
-              <a:rPr lang="en" sz="5600"/>
-              <a:t>We design a two-part neural model:</a:t>
+              <a:rPr lang="en-US" altLang="zh-CN" sz="1600" b="1" dirty="0"/>
+              <a:t>Programming Language:</a:t>
             </a:r>
-            <a:endParaRPr sz="5600"/>
+            <a:r>
+              <a:rPr lang="en-US" altLang="zh-CN" sz="1600" dirty="0"/>
+              <a:t> Python 3</a:t>
+            </a:r>
           </a:p>
           <a:p>
-            <a:pPr indent="0" lvl="0" marL="0" rtl="0" algn="l">
-              <a:spcBef>
-                <a:spcPts val="1200"/>
-              </a:spcBef>
-              <a:spcAft>
-                <a:spcPts val="0"/>
-              </a:spcAft>
-              <a:buNone/>
+            <a:pPr>
+              <a:buFont typeface="Arial" panose="020B0604020202020204" pitchFamily="34" charset="0"/>
+              <a:buChar char="•"/>
+            </a:pPr>
+            <a:endParaRPr lang="en-US" altLang="zh-CN" sz="1600" dirty="0"/>
+          </a:p>
+          <a:p>
+            <a:pPr>
+              <a:buFont typeface="Arial" panose="020B0604020202020204" pitchFamily="34" charset="0"/>
+              <a:buChar char="•"/>
             </a:pPr>
             <a:r>
-              <a:rPr lang="en" sz="5600"/>
-              <a:t>Image Encoder : extracts visual features from X-rays.</a:t>
+              <a:rPr lang="en-US" altLang="zh-CN" sz="1600" b="1" dirty="0"/>
+              <a:t>Deep Learning Libraries:</a:t>
             </a:r>
-            <a:endParaRPr sz="5600"/>
+            <a:r>
+              <a:rPr lang="en-US" altLang="zh-CN" sz="1600" dirty="0"/>
+              <a:t> </a:t>
+            </a:r>
+            <a:r>
+              <a:rPr lang="en-US" altLang="zh-CN" sz="1600" dirty="0" err="1"/>
+              <a:t>PyTorch</a:t>
+            </a:r>
+            <a:r>
+              <a:rPr lang="en-US" altLang="zh-CN" sz="1600" dirty="0"/>
+              <a:t>, Hugging Face Transformers</a:t>
+            </a:r>
           </a:p>
           <a:p>
-            <a:pPr indent="0" lvl="0" marL="0" rtl="0" algn="l">
-              <a:spcBef>
-                <a:spcPts val="1200"/>
-              </a:spcBef>
-              <a:spcAft>
-                <a:spcPts val="0"/>
-              </a:spcAft>
-              <a:buNone/>
+            <a:pPr>
+              <a:buFont typeface="Arial" panose="020B0604020202020204" pitchFamily="34" charset="0"/>
+              <a:buChar char="•"/>
+            </a:pPr>
+            <a:endParaRPr lang="en-US" altLang="zh-CN" sz="1600" dirty="0"/>
+          </a:p>
+          <a:p>
+            <a:pPr>
+              <a:buFont typeface="Arial" panose="020B0604020202020204" pitchFamily="34" charset="0"/>
+              <a:buChar char="•"/>
             </a:pPr>
             <a:r>
-              <a:t/>
+              <a:rPr lang="en-US" altLang="zh-CN" sz="1600" b="1" dirty="0"/>
+              <a:t>Vision Model:</a:t>
             </a:r>
-            <a:endParaRPr sz="5600"/>
+            <a:r>
+              <a:rPr lang="en-US" altLang="zh-CN" sz="1600" dirty="0"/>
+              <a:t> EfficientNet-B4</a:t>
+            </a:r>
           </a:p>
           <a:p>
-            <a:pPr indent="0" lvl="0" marL="0" rtl="0" algn="l">
-              <a:spcBef>
-                <a:spcPts val="1200"/>
-              </a:spcBef>
-              <a:spcAft>
-                <a:spcPts val="0"/>
-              </a:spcAft>
-              <a:buNone/>
+            <a:pPr>
+              <a:buFont typeface="Arial" panose="020B0604020202020204" pitchFamily="34" charset="0"/>
+              <a:buChar char="•"/>
+            </a:pPr>
+            <a:endParaRPr lang="en-US" altLang="zh-CN" sz="1600" dirty="0"/>
+          </a:p>
+          <a:p>
+            <a:pPr>
+              <a:buFont typeface="Arial" panose="020B0604020202020204" pitchFamily="34" charset="0"/>
+              <a:buChar char="•"/>
             </a:pPr>
             <a:r>
-              <a:rPr lang="en" sz="5600"/>
-              <a:t>Text Decoder (ClinicalBERT): generates natural-language reports based on visual input.</a:t>
+              <a:rPr lang="en-US" altLang="zh-CN" sz="1600" b="1" dirty="0"/>
+              <a:t>Language Model:</a:t>
             </a:r>
-            <a:endParaRPr sz="5600"/>
+            <a:r>
+              <a:rPr lang="en-US" altLang="zh-CN" sz="1600" dirty="0"/>
+              <a:t> </a:t>
+            </a:r>
+            <a:r>
+              <a:rPr lang="en-US" altLang="zh-CN" sz="1600" dirty="0" err="1"/>
+              <a:t>BioGPT</a:t>
+            </a:r>
+            <a:endParaRPr lang="en-US" altLang="zh-CN" sz="1600" dirty="0"/>
           </a:p>
           <a:p>
-            <a:pPr indent="0" lvl="0" marL="0" rtl="0" algn="l">
-              <a:spcBef>
-                <a:spcPts val="1200"/>
-              </a:spcBef>
-              <a:spcAft>
-                <a:spcPts val="0"/>
-              </a:spcAft>
-              <a:buNone/>
+            <a:pPr>
+              <a:buFont typeface="Arial" panose="020B0604020202020204" pitchFamily="34" charset="0"/>
+              <a:buChar char="•"/>
+            </a:pPr>
+            <a:endParaRPr lang="en-US" altLang="zh-CN" sz="1600" dirty="0"/>
+          </a:p>
+          <a:p>
+            <a:pPr>
+              <a:buFont typeface="Arial" panose="020B0604020202020204" pitchFamily="34" charset="0"/>
+              <a:buChar char="•"/>
             </a:pPr>
             <a:r>
-              <a:t/>
+              <a:rPr lang="en-US" altLang="zh-CN" sz="1600" b="1" dirty="0"/>
+              <a:t>Web Application:</a:t>
             </a:r>
-            <a:endParaRPr sz="5600"/>
+            <a:r>
+              <a:rPr lang="en-US" altLang="zh-CN" sz="1600" dirty="0"/>
+              <a:t> </a:t>
+            </a:r>
+            <a:r>
+              <a:rPr lang="en-US" altLang="zh-CN" sz="1600" dirty="0" err="1"/>
+              <a:t>Streamlit</a:t>
+            </a:r>
+            <a:endParaRPr lang="en-US" altLang="zh-CN" sz="1600" dirty="0"/>
           </a:p>
           <a:p>
-            <a:pPr indent="0" lvl="0" marL="0" rtl="0" algn="l">
-              <a:spcBef>
-                <a:spcPts val="1200"/>
-              </a:spcBef>
-              <a:spcAft>
-                <a:spcPts val="0"/>
-              </a:spcAft>
-              <a:buNone/>
+            <a:pPr>
+              <a:buFont typeface="Arial" panose="020B0604020202020204" pitchFamily="34" charset="0"/>
+              <a:buChar char="•"/>
+            </a:pPr>
+            <a:endParaRPr lang="en-US" altLang="zh-CN" sz="1600" dirty="0"/>
+          </a:p>
+          <a:p>
+            <a:pPr>
+              <a:buFont typeface="Arial" panose="020B0604020202020204" pitchFamily="34" charset="0"/>
+              <a:buChar char="•"/>
             </a:pPr>
             <a:r>
-              <a:rPr lang="en" sz="5600"/>
-              <a:t>Fine-tuned on paired chest X-ray + report datasets to learn medical language patterns.</a:t>
+              <a:rPr lang="en-US" altLang="zh-CN" sz="1600" b="1" dirty="0"/>
+              <a:t>Other Tools:</a:t>
             </a:r>
-            <a:endParaRPr sz="5600"/>
+            <a:r>
+              <a:rPr lang="en-US" altLang="zh-CN" sz="1600" dirty="0"/>
+              <a:t> pandas, </a:t>
+            </a:r>
+            <a:r>
+              <a:rPr lang="en-US" altLang="zh-CN" sz="1600" dirty="0" err="1"/>
+              <a:t>torchvision</a:t>
+            </a:r>
+            <a:r>
+              <a:rPr lang="en-US" altLang="zh-CN" sz="1600" dirty="0"/>
+              <a:t>, </a:t>
+            </a:r>
+            <a:r>
+              <a:rPr lang="en-US" altLang="zh-CN" sz="1600" dirty="0" err="1"/>
+              <a:t>tqdm</a:t>
+            </a:r>
+            <a:r>
+              <a:rPr lang="en-US" altLang="zh-CN" sz="1600" dirty="0"/>
+              <a:t>, </a:t>
+            </a:r>
+            <a:r>
+              <a:rPr lang="en-US" altLang="zh-CN" sz="1600" dirty="0" err="1"/>
+              <a:t>argparse</a:t>
+            </a:r>
+            <a:endParaRPr lang="en-US" altLang="zh-CN" sz="1600" dirty="0"/>
           </a:p>
           <a:p>
-            <a:pPr indent="0" lvl="0" marL="0" rtl="0" algn="l">
+            <a:pPr marL="0" lvl="0" indent="0" algn="l" rtl="0">
               <a:spcBef>
                 <a:spcPts val="1200"/>
               </a:spcBef>
               <a:spcAft>
-                <a:spcPts val="0"/>
+                <a:spcPts val="1200"/>
               </a:spcAft>
               <a:buNone/>
             </a:pPr>
-            <a:r>
-              <a:t/>
-            </a:r>
-            <a:endParaRPr sz="5600"/>
-          </a:p>
-          <a:p>
-            <a:pPr indent="0" lvl="0" marL="0" rtl="0" algn="l">
-              <a:spcBef>
-                <a:spcPts val="1200"/>
-              </a:spcBef>
-              <a:spcAft>
-                <a:spcPts val="0"/>
-              </a:spcAft>
-              <a:buNone/>
-            </a:pPr>
-            <a:r>
-              <a:rPr lang="en" sz="5600"/>
-              <a:t>Deployed via a simple Streamlit web interface, supporting real-time inference from user-uploaded images.</a:t>
-            </a:r>
-            <a:endParaRPr sz="5600"/>
-          </a:p>
-          <a:p>
-            <a:pPr indent="0" lvl="0" marL="0" rtl="0" algn="l">
-              <a:spcBef>
-                <a:spcPts val="1200"/>
-              </a:spcBef>
-              <a:spcAft>
-                <a:spcPts val="0"/>
-              </a:spcAft>
-              <a:buNone/>
-            </a:pPr>
-            <a:r>
-              <a:t/>
-            </a:r>
-            <a:endParaRPr sz="5600"/>
-          </a:p>
-          <a:p>
-            <a:pPr indent="0" lvl="0" marL="0" rtl="0" algn="l">
-              <a:spcBef>
-                <a:spcPts val="1200"/>
-              </a:spcBef>
-              <a:spcAft>
-                <a:spcPts val="0"/>
-              </a:spcAft>
-              <a:buNone/>
-            </a:pPr>
-            <a:r>
-              <a:rPr lang="en" sz="5600"/>
-              <a:t>Output: Fluent, medically relevant reports generated in seconds.</a:t>
-            </a:r>
-            <a:endParaRPr sz="5600"/>
-          </a:p>
-          <a:p>
-            <a:pPr indent="0" lvl="0" marL="0" rtl="0" algn="l">
-              <a:spcBef>
-                <a:spcPts val="1200"/>
-              </a:spcBef>
-              <a:spcAft>
-                <a:spcPts val="1200"/>
-              </a:spcAft>
-              <a:buNone/>
-            </a:pPr>
-            <a:r>
-              <a:t/>
-            </a:r>
-            <a:endParaRPr/>
+            <a:endParaRPr dirty="0"/>
           </a:p>
         </p:txBody>
       </p:sp>
@@ -10274,11 +10118,11 @@
 </file>
 
 <file path=ppt/slides/slide5.xml><?xml version="1.0" encoding="utf-8"?>
-<p:sld xmlns:a="http://schemas.openxmlformats.org/drawingml/2006/main" xmlns:r="http://schemas.openxmlformats.org/officeDocument/2006/relationships" xmlns:mc="http://schemas.openxmlformats.org/markup-compatibility/2006" xmlns:mv="urn:schemas-microsoft-com:mac:vml" xmlns:p="http://schemas.openxmlformats.org/presentationml/2006/main" xmlns:c="http://schemas.openxmlformats.org/drawingml/2006/chart" xmlns:dgm="http://schemas.openxmlformats.org/drawingml/2006/diagram" xmlns:o="urn:schemas-microsoft-com:office:office" xmlns:v="urn:schemas-microsoft-com:vml" xmlns:pvml="urn:schemas-microsoft-com:office:powerpoint" xmlns:com="http://schemas.openxmlformats.org/drawingml/2006/compatibility" xmlns:p14="http://schemas.microsoft.com/office/powerpoint/2010/main" xmlns:p15="http://schemas.microsoft.com/office/powerpoint/2012/main" xmlns:ahyp="http://schemas.microsoft.com/office/drawing/2018/hyperlinkcolor">
+<p:sld xmlns:a="http://schemas.openxmlformats.org/drawingml/2006/main" xmlns:r="http://schemas.openxmlformats.org/officeDocument/2006/relationships" xmlns:p="http://schemas.openxmlformats.org/presentationml/2006/main">
   <p:cSld>
     <p:spTree>
       <p:nvGrpSpPr>
-        <p:cNvPr id="158" name="Shape 158"/>
+        <p:cNvPr id="1" name="Shape 158"/>
         <p:cNvGrpSpPr/>
         <p:nvPr/>
       </p:nvGrpSpPr>
@@ -10293,7 +10137,9 @@
       <p:sp>
         <p:nvSpPr>
           <p:cNvPr id="159" name="Google Shape;159;p17"/>
-          <p:cNvSpPr txBox="1"/>
+          <p:cNvSpPr txBox="1">
+            <a:spLocks noGrp="1"/>
+          </p:cNvSpPr>
           <p:nvPr>
             <p:ph type="title"/>
           </p:nvPr>
@@ -10308,12 +10154,12 @@
           </a:prstGeom>
         </p:spPr>
         <p:txBody>
-          <a:bodyPr anchorCtr="0" anchor="t" bIns="91425" lIns="91425" spcFirstLastPara="1" rIns="91425" wrap="square" tIns="91425">
+          <a:bodyPr spcFirstLastPara="1" wrap="square" lIns="91425" tIns="91425" rIns="91425" bIns="91425" anchor="t" anchorCtr="0">
             <a:normAutofit/>
           </a:bodyPr>
           <a:lstStyle/>
           <a:p>
-            <a:pPr indent="0" lvl="0" marL="0" rtl="0" algn="l">
+            <a:pPr marL="0" lvl="0" indent="0" algn="l" rtl="0">
               <a:spcBef>
                 <a:spcPts val="0"/>
               </a:spcBef>
@@ -10333,9 +10179,11 @@
       <p:sp>
         <p:nvSpPr>
           <p:cNvPr id="160" name="Google Shape;160;p17"/>
-          <p:cNvSpPr txBox="1"/>
+          <p:cNvSpPr txBox="1">
+            <a:spLocks noGrp="1"/>
+          </p:cNvSpPr>
           <p:nvPr>
-            <p:ph idx="1" type="body"/>
+            <p:ph type="body" idx="1"/>
           </p:nvPr>
         </p:nvSpPr>
         <p:spPr>
@@ -10348,12 +10196,12 @@
           </a:prstGeom>
         </p:spPr>
         <p:txBody>
-          <a:bodyPr anchorCtr="0" anchor="t" bIns="91425" lIns="91425" spcFirstLastPara="1" rIns="91425" wrap="square" tIns="91425">
+          <a:bodyPr spcFirstLastPara="1" wrap="square" lIns="91425" tIns="91425" rIns="91425" bIns="91425" anchor="t" anchorCtr="0">
             <a:normAutofit/>
           </a:bodyPr>
           <a:lstStyle/>
           <a:p>
-            <a:pPr indent="0" lvl="0" marL="0" rtl="0" algn="l">
+            <a:pPr marL="0" lvl="0" indent="0" algn="l" rtl="0">
               <a:spcBef>
                 <a:spcPts val="0"/>
               </a:spcBef>
@@ -10378,7 +10226,7 @@
             <a:endParaRPr/>
           </a:p>
           <a:p>
-            <a:pPr indent="0" lvl="0" marL="0" rtl="0" algn="l">
+            <a:pPr marL="0" lvl="0" indent="0" algn="l" rtl="0">
               <a:spcBef>
                 <a:spcPts val="1200"/>
               </a:spcBef>
@@ -10387,9 +10235,6 @@
               </a:spcAft>
               <a:buNone/>
             </a:pPr>
-            <a:r>
-              <a:t/>
-            </a:r>
             <a:endParaRPr/>
           </a:p>
         </p:txBody>
@@ -10403,7 +10248,288 @@
 </file>
 
 <file path=ppt/theme/theme1.xml><?xml version="1.0" encoding="utf-8"?>
-<a:theme xmlns:a="http://schemas.openxmlformats.org/drawingml/2006/main" xmlns:r="http://schemas.openxmlformats.org/officeDocument/2006/relationships">
+<a:theme xmlns:a="http://schemas.openxmlformats.org/drawingml/2006/main" name="Focus">
+  <a:themeElements>
+    <a:clrScheme name="Focus">
+      <a:dk1>
+        <a:srgbClr val="1B212C"/>
+      </a:dk1>
+      <a:lt1>
+        <a:srgbClr val="FFFFFF"/>
+      </a:lt1>
+      <a:dk2>
+        <a:srgbClr val="D9D9D9"/>
+      </a:dk2>
+      <a:lt2>
+        <a:srgbClr val="82C7A5"/>
+      </a:lt2>
+      <a:accent1>
+        <a:srgbClr val="0145AC"/>
+      </a:accent1>
+      <a:accent2>
+        <a:srgbClr val="EECE1A"/>
+      </a:accent2>
+      <a:accent3>
+        <a:srgbClr val="4E5567"/>
+      </a:accent3>
+      <a:accent4>
+        <a:srgbClr val="F4D6AD"/>
+      </a:accent4>
+      <a:accent5>
+        <a:srgbClr val="7890CD"/>
+      </a:accent5>
+      <a:accent6>
+        <a:srgbClr val="F15E22"/>
+      </a:accent6>
+      <a:hlink>
+        <a:srgbClr val="7890CD"/>
+      </a:hlink>
+      <a:folHlink>
+        <a:srgbClr val="7890CD"/>
+      </a:folHlink>
+    </a:clrScheme>
+    <a:fontScheme name="Office">
+      <a:majorFont>
+        <a:latin typeface="Arial"/>
+        <a:ea typeface=""/>
+        <a:cs typeface=""/>
+        <a:font script="Jpan" typeface="ＭＳ Ｐゴシック"/>
+        <a:font script="Hang" typeface="맑은 고딕"/>
+        <a:font script="Hans" typeface="宋体"/>
+        <a:font script="Hant" typeface="新細明體"/>
+        <a:font script="Arab" typeface="Times New Roman"/>
+        <a:font script="Hebr" typeface="Times New Roman"/>
+        <a:font script="Thai" typeface="Angsana New"/>
+        <a:font script="Ethi" typeface="Nyala"/>
+        <a:font script="Beng" typeface="Vrinda"/>
+        <a:font script="Gujr" typeface="Shruti"/>
+        <a:font script="Khmr" typeface="MoolBoran"/>
+        <a:font script="Knda" typeface="Tunga"/>
+        <a:font script="Guru" typeface="Raavi"/>
+        <a:font script="Cans" typeface="Euphemia"/>
+        <a:font script="Cher" typeface="Plantagenet Cherokee"/>
+        <a:font script="Yiii" typeface="Microsoft Yi Baiti"/>
+        <a:font script="Tibt" typeface="Microsoft Himalaya"/>
+        <a:font script="Thaa" typeface="MV Boli"/>
+        <a:font script="Deva" typeface="Mangal"/>
+        <a:font script="Telu" typeface="Gautami"/>
+        <a:font script="Taml" typeface="Latha"/>
+        <a:font script="Syrc" typeface="Estrangelo Edessa"/>
+        <a:font script="Orya" typeface="Kalinga"/>
+        <a:font script="Mlym" typeface="Kartika"/>
+        <a:font script="Laoo" typeface="DokChampa"/>
+        <a:font script="Sinh" typeface="Iskoola Pota"/>
+        <a:font script="Mong" typeface="Mongolian Baiti"/>
+        <a:font script="Viet" typeface="Times New Roman"/>
+        <a:font script="Uigh" typeface="Microsoft Uighur"/>
+        <a:font script="Geor" typeface="Sylfaen"/>
+      </a:majorFont>
+      <a:minorFont>
+        <a:latin typeface="Arial"/>
+        <a:ea typeface=""/>
+        <a:cs typeface=""/>
+        <a:font script="Jpan" typeface="ＭＳ Ｐゴシック"/>
+        <a:font script="Hang" typeface="맑은 고딕"/>
+        <a:font script="Hans" typeface="宋体"/>
+        <a:font script="Hant" typeface="新細明體"/>
+        <a:font script="Arab" typeface="Arial"/>
+        <a:font script="Hebr" typeface="Arial"/>
+        <a:font script="Thai" typeface="Cordia New"/>
+        <a:font script="Ethi" typeface="Nyala"/>
+        <a:font script="Beng" typeface="Vrinda"/>
+        <a:font script="Gujr" typeface="Shruti"/>
+        <a:font script="Khmr" typeface="DaunPenh"/>
+        <a:font script="Knda" typeface="Tunga"/>
+        <a:font script="Guru" typeface="Raavi"/>
+        <a:font script="Cans" typeface="Euphemia"/>
+        <a:font script="Cher" typeface="Plantagenet Cherokee"/>
+        <a:font script="Yiii" typeface="Microsoft Yi Baiti"/>
+        <a:font script="Tibt" typeface="Microsoft Himalaya"/>
+        <a:font script="Thaa" typeface="MV Boli"/>
+        <a:font script="Deva" typeface="Mangal"/>
+        <a:font script="Telu" typeface="Gautami"/>
+        <a:font script="Taml" typeface="Latha"/>
+        <a:font script="Syrc" typeface="Estrangelo Edessa"/>
+        <a:font script="Orya" typeface="Kalinga"/>
+        <a:font script="Mlym" typeface="Kartika"/>
+        <a:font script="Laoo" typeface="DokChampa"/>
+        <a:font script="Sinh" typeface="Iskoola Pota"/>
+        <a:font script="Mong" typeface="Mongolian Baiti"/>
+        <a:font script="Viet" typeface="Arial"/>
+        <a:font script="Uigh" typeface="Microsoft Uighur"/>
+        <a:font script="Geor" typeface="Sylfaen"/>
+      </a:minorFont>
+    </a:fontScheme>
+    <a:fmtScheme name="Office">
+      <a:fillStyleLst>
+        <a:solidFill>
+          <a:schemeClr val="phClr"/>
+        </a:solidFill>
+        <a:gradFill rotWithShape="1">
+          <a:gsLst>
+            <a:gs pos="0">
+              <a:schemeClr val="phClr">
+                <a:tint val="50000"/>
+                <a:satMod val="300000"/>
+              </a:schemeClr>
+            </a:gs>
+            <a:gs pos="35000">
+              <a:schemeClr val="phClr">
+                <a:tint val="37000"/>
+                <a:satMod val="300000"/>
+              </a:schemeClr>
+            </a:gs>
+            <a:gs pos="100000">
+              <a:schemeClr val="phClr">
+                <a:tint val="15000"/>
+                <a:satMod val="350000"/>
+              </a:schemeClr>
+            </a:gs>
+          </a:gsLst>
+          <a:lin ang="16200000" scaled="1"/>
+        </a:gradFill>
+        <a:gradFill rotWithShape="1">
+          <a:gsLst>
+            <a:gs pos="0">
+              <a:schemeClr val="phClr">
+                <a:tint val="100000"/>
+                <a:shade val="100000"/>
+                <a:satMod val="130000"/>
+              </a:schemeClr>
+            </a:gs>
+            <a:gs pos="100000">
+              <a:schemeClr val="phClr">
+                <a:tint val="50000"/>
+                <a:shade val="100000"/>
+                <a:satMod val="350000"/>
+              </a:schemeClr>
+            </a:gs>
+          </a:gsLst>
+          <a:lin ang="16200000" scaled="0"/>
+        </a:gradFill>
+      </a:fillStyleLst>
+      <a:lnStyleLst>
+        <a:ln w="9525" cap="flat" cmpd="sng" algn="ctr">
+          <a:solidFill>
+            <a:schemeClr val="phClr">
+              <a:shade val="95000"/>
+              <a:satMod val="105000"/>
+            </a:schemeClr>
+          </a:solidFill>
+          <a:prstDash val="solid"/>
+        </a:ln>
+        <a:ln w="25400" cap="flat" cmpd="sng" algn="ctr">
+          <a:solidFill>
+            <a:schemeClr val="phClr"/>
+          </a:solidFill>
+          <a:prstDash val="solid"/>
+        </a:ln>
+        <a:ln w="38100" cap="flat" cmpd="sng" algn="ctr">
+          <a:solidFill>
+            <a:schemeClr val="phClr"/>
+          </a:solidFill>
+          <a:prstDash val="solid"/>
+        </a:ln>
+      </a:lnStyleLst>
+      <a:effectStyleLst>
+        <a:effectStyle>
+          <a:effectLst>
+            <a:outerShdw blurRad="40000" dist="20000" dir="5400000" rotWithShape="0">
+              <a:srgbClr val="000000">
+                <a:alpha val="38000"/>
+              </a:srgbClr>
+            </a:outerShdw>
+          </a:effectLst>
+        </a:effectStyle>
+        <a:effectStyle>
+          <a:effectLst>
+            <a:outerShdw blurRad="40000" dist="23000" dir="5400000" rotWithShape="0">
+              <a:srgbClr val="000000">
+                <a:alpha val="35000"/>
+              </a:srgbClr>
+            </a:outerShdw>
+          </a:effectLst>
+        </a:effectStyle>
+        <a:effectStyle>
+          <a:effectLst>
+            <a:outerShdw blurRad="40000" dist="23000" dir="5400000" rotWithShape="0">
+              <a:srgbClr val="000000">
+                <a:alpha val="35000"/>
+              </a:srgbClr>
+            </a:outerShdw>
+          </a:effectLst>
+          <a:scene3d>
+            <a:camera prst="orthographicFront">
+              <a:rot lat="0" lon="0" rev="0"/>
+            </a:camera>
+            <a:lightRig rig="threePt" dir="t">
+              <a:rot lat="0" lon="0" rev="1200000"/>
+            </a:lightRig>
+          </a:scene3d>
+          <a:sp3d>
+            <a:bevelT w="63500" h="25400"/>
+          </a:sp3d>
+        </a:effectStyle>
+      </a:effectStyleLst>
+      <a:bgFillStyleLst>
+        <a:solidFill>
+          <a:schemeClr val="phClr"/>
+        </a:solidFill>
+        <a:gradFill rotWithShape="1">
+          <a:gsLst>
+            <a:gs pos="0">
+              <a:schemeClr val="phClr">
+                <a:tint val="40000"/>
+                <a:satMod val="350000"/>
+              </a:schemeClr>
+            </a:gs>
+            <a:gs pos="40000">
+              <a:schemeClr val="phClr">
+                <a:tint val="45000"/>
+                <a:shade val="99000"/>
+                <a:satMod val="350000"/>
+              </a:schemeClr>
+            </a:gs>
+            <a:gs pos="100000">
+              <a:schemeClr val="phClr">
+                <a:shade val="20000"/>
+                <a:satMod val="255000"/>
+              </a:schemeClr>
+            </a:gs>
+          </a:gsLst>
+          <a:path path="circle">
+            <a:fillToRect l="50000" t="-80000" r="50000" b="180000"/>
+          </a:path>
+        </a:gradFill>
+        <a:gradFill rotWithShape="1">
+          <a:gsLst>
+            <a:gs pos="0">
+              <a:schemeClr val="phClr">
+                <a:tint val="80000"/>
+                <a:satMod val="300000"/>
+              </a:schemeClr>
+            </a:gs>
+            <a:gs pos="100000">
+              <a:schemeClr val="phClr">
+                <a:shade val="30000"/>
+                <a:satMod val="200000"/>
+              </a:schemeClr>
+            </a:gs>
+          </a:gsLst>
+          <a:path path="circle">
+            <a:fillToRect l="50000" t="50000" r="50000" b="50000"/>
+          </a:path>
+        </a:gradFill>
+      </a:bgFillStyleLst>
+    </a:fmtScheme>
+  </a:themeElements>
+  <a:objectDefaults/>
+  <a:extraClrSchemeLst/>
+</a:theme>
+</file>
+
+<file path=ppt/theme/theme2.xml><?xml version="1.0" encoding="utf-8"?>
+<a:theme xmlns:a="http://schemas.openxmlformats.org/drawingml/2006/main">
   <a:themeElements>
     <a:clrScheme name="Default">
       <a:dk1>
@@ -10678,284 +10804,7 @@
       </a:bgFillStyleLst>
     </a:fmtScheme>
   </a:themeElements>
-</a:theme>
-</file>
-
-<file path=ppt/theme/theme2.xml><?xml version="1.0" encoding="utf-8"?>
-<a:theme xmlns:a="http://schemas.openxmlformats.org/drawingml/2006/main" xmlns:r="http://schemas.openxmlformats.org/officeDocument/2006/relationships" name="Focus">
-  <a:themeElements>
-    <a:clrScheme name="Focus">
-      <a:dk1>
-        <a:srgbClr val="1B212C"/>
-      </a:dk1>
-      <a:lt1>
-        <a:srgbClr val="FFFFFF"/>
-      </a:lt1>
-      <a:dk2>
-        <a:srgbClr val="D9D9D9"/>
-      </a:dk2>
-      <a:lt2>
-        <a:srgbClr val="82C7A5"/>
-      </a:lt2>
-      <a:accent1>
-        <a:srgbClr val="0145AC"/>
-      </a:accent1>
-      <a:accent2>
-        <a:srgbClr val="EECE1A"/>
-      </a:accent2>
-      <a:accent3>
-        <a:srgbClr val="4E5567"/>
-      </a:accent3>
-      <a:accent4>
-        <a:srgbClr val="F4D6AD"/>
-      </a:accent4>
-      <a:accent5>
-        <a:srgbClr val="7890CD"/>
-      </a:accent5>
-      <a:accent6>
-        <a:srgbClr val="F15E22"/>
-      </a:accent6>
-      <a:hlink>
-        <a:srgbClr val="7890CD"/>
-      </a:hlink>
-      <a:folHlink>
-        <a:srgbClr val="7890CD"/>
-      </a:folHlink>
-    </a:clrScheme>
-    <a:fontScheme name="Office">
-      <a:majorFont>
-        <a:latin typeface="Arial"/>
-        <a:ea typeface=""/>
-        <a:cs typeface=""/>
-        <a:font script="Jpan" typeface="ＭＳ Ｐゴシック"/>
-        <a:font script="Hang" typeface="맑은 고딕"/>
-        <a:font script="Hans" typeface="宋体"/>
-        <a:font script="Hant" typeface="新細明體"/>
-        <a:font script="Arab" typeface="Times New Roman"/>
-        <a:font script="Hebr" typeface="Times New Roman"/>
-        <a:font script="Thai" typeface="Angsana New"/>
-        <a:font script="Ethi" typeface="Nyala"/>
-        <a:font script="Beng" typeface="Vrinda"/>
-        <a:font script="Gujr" typeface="Shruti"/>
-        <a:font script="Khmr" typeface="MoolBoran"/>
-        <a:font script="Knda" typeface="Tunga"/>
-        <a:font script="Guru" typeface="Raavi"/>
-        <a:font script="Cans" typeface="Euphemia"/>
-        <a:font script="Cher" typeface="Plantagenet Cherokee"/>
-        <a:font script="Yiii" typeface="Microsoft Yi Baiti"/>
-        <a:font script="Tibt" typeface="Microsoft Himalaya"/>
-        <a:font script="Thaa" typeface="MV Boli"/>
-        <a:font script="Deva" typeface="Mangal"/>
-        <a:font script="Telu" typeface="Gautami"/>
-        <a:font script="Taml" typeface="Latha"/>
-        <a:font script="Syrc" typeface="Estrangelo Edessa"/>
-        <a:font script="Orya" typeface="Kalinga"/>
-        <a:font script="Mlym" typeface="Kartika"/>
-        <a:font script="Laoo" typeface="DokChampa"/>
-        <a:font script="Sinh" typeface="Iskoola Pota"/>
-        <a:font script="Mong" typeface="Mongolian Baiti"/>
-        <a:font script="Viet" typeface="Times New Roman"/>
-        <a:font script="Uigh" typeface="Microsoft Uighur"/>
-        <a:font script="Geor" typeface="Sylfaen"/>
-      </a:majorFont>
-      <a:minorFont>
-        <a:latin typeface="Arial"/>
-        <a:ea typeface=""/>
-        <a:cs typeface=""/>
-        <a:font script="Jpan" typeface="ＭＳ Ｐゴシック"/>
-        <a:font script="Hang" typeface="맑은 고딕"/>
-        <a:font script="Hans" typeface="宋体"/>
-        <a:font script="Hant" typeface="新細明體"/>
-        <a:font script="Arab" typeface="Arial"/>
-        <a:font script="Hebr" typeface="Arial"/>
-        <a:font script="Thai" typeface="Cordia New"/>
-        <a:font script="Ethi" typeface="Nyala"/>
-        <a:font script="Beng" typeface="Vrinda"/>
-        <a:font script="Gujr" typeface="Shruti"/>
-        <a:font script="Khmr" typeface="DaunPenh"/>
-        <a:font script="Knda" typeface="Tunga"/>
-        <a:font script="Guru" typeface="Raavi"/>
-        <a:font script="Cans" typeface="Euphemia"/>
-        <a:font script="Cher" typeface="Plantagenet Cherokee"/>
-        <a:font script="Yiii" typeface="Microsoft Yi Baiti"/>
-        <a:font script="Tibt" typeface="Microsoft Himalaya"/>
-        <a:font script="Thaa" typeface="MV Boli"/>
-        <a:font script="Deva" typeface="Mangal"/>
-        <a:font script="Telu" typeface="Gautami"/>
-        <a:font script="Taml" typeface="Latha"/>
-        <a:font script="Syrc" typeface="Estrangelo Edessa"/>
-        <a:font script="Orya" typeface="Kalinga"/>
-        <a:font script="Mlym" typeface="Kartika"/>
-        <a:font script="Laoo" typeface="DokChampa"/>
-        <a:font script="Sinh" typeface="Iskoola Pota"/>
-        <a:font script="Mong" typeface="Mongolian Baiti"/>
-        <a:font script="Viet" typeface="Arial"/>
-        <a:font script="Uigh" typeface="Microsoft Uighur"/>
-        <a:font script="Geor" typeface="Sylfaen"/>
-      </a:minorFont>
-    </a:fontScheme>
-    <a:fmtScheme name="Office">
-      <a:fillStyleLst>
-        <a:solidFill>
-          <a:schemeClr val="phClr"/>
-        </a:solidFill>
-        <a:gradFill rotWithShape="1">
-          <a:gsLst>
-            <a:gs pos="0">
-              <a:schemeClr val="phClr">
-                <a:tint val="50000"/>
-                <a:satMod val="300000"/>
-              </a:schemeClr>
-            </a:gs>
-            <a:gs pos="35000">
-              <a:schemeClr val="phClr">
-                <a:tint val="37000"/>
-                <a:satMod val="300000"/>
-              </a:schemeClr>
-            </a:gs>
-            <a:gs pos="100000">
-              <a:schemeClr val="phClr">
-                <a:tint val="15000"/>
-                <a:satMod val="350000"/>
-              </a:schemeClr>
-            </a:gs>
-          </a:gsLst>
-          <a:lin ang="16200000" scaled="1"/>
-        </a:gradFill>
-        <a:gradFill rotWithShape="1">
-          <a:gsLst>
-            <a:gs pos="0">
-              <a:schemeClr val="phClr">
-                <a:tint val="100000"/>
-                <a:shade val="100000"/>
-                <a:satMod val="130000"/>
-              </a:schemeClr>
-            </a:gs>
-            <a:gs pos="100000">
-              <a:schemeClr val="phClr">
-                <a:tint val="50000"/>
-                <a:shade val="100000"/>
-                <a:satMod val="350000"/>
-              </a:schemeClr>
-            </a:gs>
-          </a:gsLst>
-          <a:lin ang="16200000" scaled="0"/>
-        </a:gradFill>
-      </a:fillStyleLst>
-      <a:lnStyleLst>
-        <a:ln w="9525" cap="flat" cmpd="sng" algn="ctr">
-          <a:solidFill>
-            <a:schemeClr val="phClr">
-              <a:shade val="95000"/>
-              <a:satMod val="105000"/>
-            </a:schemeClr>
-          </a:solidFill>
-          <a:prstDash val="solid"/>
-        </a:ln>
-        <a:ln w="25400" cap="flat" cmpd="sng" algn="ctr">
-          <a:solidFill>
-            <a:schemeClr val="phClr"/>
-          </a:solidFill>
-          <a:prstDash val="solid"/>
-        </a:ln>
-        <a:ln w="38100" cap="flat" cmpd="sng" algn="ctr">
-          <a:solidFill>
-            <a:schemeClr val="phClr"/>
-          </a:solidFill>
-          <a:prstDash val="solid"/>
-        </a:ln>
-      </a:lnStyleLst>
-      <a:effectStyleLst>
-        <a:effectStyle>
-          <a:effectLst>
-            <a:outerShdw blurRad="40000" dist="20000" dir="5400000" rotWithShape="0">
-              <a:srgbClr val="000000">
-                <a:alpha val="38000"/>
-              </a:srgbClr>
-            </a:outerShdw>
-          </a:effectLst>
-        </a:effectStyle>
-        <a:effectStyle>
-          <a:effectLst>
-            <a:outerShdw blurRad="40000" dist="23000" dir="5400000" rotWithShape="0">
-              <a:srgbClr val="000000">
-                <a:alpha val="35000"/>
-              </a:srgbClr>
-            </a:outerShdw>
-          </a:effectLst>
-        </a:effectStyle>
-        <a:effectStyle>
-          <a:effectLst>
-            <a:outerShdw blurRad="40000" dist="23000" dir="5400000" rotWithShape="0">
-              <a:srgbClr val="000000">
-                <a:alpha val="35000"/>
-              </a:srgbClr>
-            </a:outerShdw>
-          </a:effectLst>
-          <a:scene3d>
-            <a:camera prst="orthographicFront">
-              <a:rot lat="0" lon="0" rev="0"/>
-            </a:camera>
-            <a:lightRig rig="threePt" dir="t">
-              <a:rot lat="0" lon="0" rev="1200000"/>
-            </a:lightRig>
-          </a:scene3d>
-          <a:sp3d>
-            <a:bevelT w="63500" h="25400"/>
-          </a:sp3d>
-        </a:effectStyle>
-      </a:effectStyleLst>
-      <a:bgFillStyleLst>
-        <a:solidFill>
-          <a:schemeClr val="phClr"/>
-        </a:solidFill>
-        <a:gradFill rotWithShape="1">
-          <a:gsLst>
-            <a:gs pos="0">
-              <a:schemeClr val="phClr">
-                <a:tint val="40000"/>
-                <a:satMod val="350000"/>
-              </a:schemeClr>
-            </a:gs>
-            <a:gs pos="40000">
-              <a:schemeClr val="phClr">
-                <a:tint val="45000"/>
-                <a:shade val="99000"/>
-                <a:satMod val="350000"/>
-              </a:schemeClr>
-            </a:gs>
-            <a:gs pos="100000">
-              <a:schemeClr val="phClr">
-                <a:shade val="20000"/>
-                <a:satMod val="255000"/>
-              </a:schemeClr>
-            </a:gs>
-          </a:gsLst>
-          <a:path path="circle">
-            <a:fillToRect l="50000" t="-80000" r="50000" b="180000"/>
-          </a:path>
-        </a:gradFill>
-        <a:gradFill rotWithShape="1">
-          <a:gsLst>
-            <a:gs pos="0">
-              <a:schemeClr val="phClr">
-                <a:tint val="80000"/>
-                <a:satMod val="300000"/>
-              </a:schemeClr>
-            </a:gs>
-            <a:gs pos="100000">
-              <a:schemeClr val="phClr">
-                <a:shade val="30000"/>
-                <a:satMod val="200000"/>
-              </a:schemeClr>
-            </a:gs>
-          </a:gsLst>
-          <a:path path="circle">
-            <a:fillToRect l="50000" t="50000" r="50000" b="50000"/>
-          </a:path>
-        </a:gradFill>
-      </a:bgFillStyleLst>
-    </a:fmtScheme>
-  </a:themeElements>
+  <a:objectDefaults/>
+  <a:extraClrSchemeLst/>
 </a:theme>
 </file>